--- a/LCO_Brief_Placeholder/SEFornofCompiling1.pptx
+++ b/LCO_Brief_Placeholder/SEFornofCompiling1.pptx
@@ -5,11 +5,10 @@
     <p:sldMasterId id="2147483648" r:id="rId1"/>
   </p:sldMasterIdLst>
   <p:notesMasterIdLst>
-    <p:notesMasterId r:id="rId4"/>
+    <p:notesMasterId r:id="rId3"/>
   </p:notesMasterIdLst>
   <p:sldIdLst>
-    <p:sldId id="256" r:id="rId2"/>
-    <p:sldId id="257" r:id="rId3"/>
+    <p:sldId id="257" r:id="rId2"/>
   </p:sldIdLst>
   <p:sldSz cx="9144000" cy="6858000" type="screen4x3"/>
   <p:notesSz cx="6858000" cy="9144000"/>
@@ -872,7 +871,7 @@
         </a:p>
       </dgm:t>
     </dgm:pt>
-    <dgm:pt modelId="{1B005DB3-472B-448A-A805-4599A19C9C07}">
+    <dgm:pt modelId="{A79B687B-16F5-470E-B1E1-DDBBBC759246}">
       <dgm:prSet phldrT="[Text]"/>
       <dgm:spPr/>
       <dgm:t>
@@ -881,13 +880,13 @@
         <a:p>
           <a:r>
             <a:rPr lang="en-US" dirty="0" smtClean="0"/>
-            <a:t>test</a:t>
+            <a:t>Give the knowledge of Buses (for the passenger)</a:t>
           </a:r>
           <a:endParaRPr lang="en-US" dirty="0"/>
         </a:p>
       </dgm:t>
     </dgm:pt>
-    <dgm:pt modelId="{F4A230F2-CD59-466D-B1EC-541C1566173E}" type="parTrans" cxnId="{94FF39BA-5FFE-4D32-ABF2-682A19D6FB53}">
+    <dgm:pt modelId="{8F5F3ABD-0363-4FC6-8CEF-FA1CEC06B118}" type="parTrans" cxnId="{A62F5636-8873-4A00-B2A5-B4F17579FE36}">
       <dgm:prSet/>
       <dgm:spPr/>
       <dgm:t>
@@ -898,7 +897,7 @@
         </a:p>
       </dgm:t>
     </dgm:pt>
-    <dgm:pt modelId="{C4D2CACD-38DB-4B7E-92F1-CDD2B8F74E56}" type="sibTrans" cxnId="{94FF39BA-5FFE-4D32-ABF2-682A19D6FB53}">
+    <dgm:pt modelId="{12F2915A-89C9-40ED-9C3D-D3858DAD886B}" type="sibTrans" cxnId="{A62F5636-8873-4A00-B2A5-B4F17579FE36}">
       <dgm:prSet/>
       <dgm:spPr/>
       <dgm:t>
@@ -909,18 +908,22 @@
         </a:p>
       </dgm:t>
     </dgm:pt>
-    <dgm:pt modelId="{0F8B1829-5C53-4B41-9E98-E1669609B844}">
-      <dgm:prSet phldrT="[Text]" phldr="1"/>
+    <dgm:pt modelId="{8F322683-765E-42B1-A75C-81444315BF76}">
+      <dgm:prSet/>
       <dgm:spPr/>
       <dgm:t>
         <a:bodyPr/>
         <a:lstStyle/>
         <a:p>
-          <a:endParaRPr lang="en-US"/>
+          <a:r>
+            <a:rPr lang="en-US" dirty="0" smtClean="0"/>
+            <a:t>When last bus left. </a:t>
+          </a:r>
+          <a:endParaRPr lang="en-US" dirty="0"/>
         </a:p>
       </dgm:t>
     </dgm:pt>
-    <dgm:pt modelId="{5E0DB286-3820-4612-A2D1-0AA670561D84}" type="parTrans" cxnId="{5D65D43C-DB04-4481-87F4-9F469B028029}">
+    <dgm:pt modelId="{0B575106-E1FA-4406-BDC4-5EFECD2D2599}" type="parTrans" cxnId="{C350D824-2C13-4E3A-997A-1A523B9511A8}">
       <dgm:prSet/>
       <dgm:spPr/>
       <dgm:t>
@@ -931,7 +934,7 @@
         </a:p>
       </dgm:t>
     </dgm:pt>
-    <dgm:pt modelId="{AA61016F-FA5F-490E-A274-365467364A3E}" type="sibTrans" cxnId="{5D65D43C-DB04-4481-87F4-9F469B028029}">
+    <dgm:pt modelId="{79213D30-29A6-4ACB-AE30-7A15FE1C420B}" type="sibTrans" cxnId="{C350D824-2C13-4E3A-997A-1A523B9511A8}">
       <dgm:prSet/>
       <dgm:spPr/>
       <dgm:t>
@@ -942,18 +945,22 @@
         </a:p>
       </dgm:t>
     </dgm:pt>
-    <dgm:pt modelId="{D519245D-39A6-4165-82D6-20F5DA8396AA}">
-      <dgm:prSet phldrT="[Text]" phldr="1"/>
+    <dgm:pt modelId="{06292A25-5896-4266-B197-81F09BCCA07F}">
+      <dgm:prSet/>
       <dgm:spPr/>
       <dgm:t>
         <a:bodyPr/>
         <a:lstStyle/>
         <a:p>
-          <a:endParaRPr lang="en-US"/>
+          <a:r>
+            <a:rPr lang="en-US" dirty="0" smtClean="0"/>
+            <a:t>When the next bus is due.</a:t>
+          </a:r>
+          <a:endParaRPr lang="en-US" dirty="0"/>
         </a:p>
       </dgm:t>
     </dgm:pt>
-    <dgm:pt modelId="{4702B203-45CE-4B12-89B4-48560F26287E}" type="parTrans" cxnId="{E43183C2-0BC6-4567-8D16-1C791778F61A}">
+    <dgm:pt modelId="{60C3E475-02BE-441C-8E05-B041E32248B5}" type="parTrans" cxnId="{390C6916-F60C-41EE-9586-6DB0C647DE84}">
       <dgm:prSet/>
       <dgm:spPr/>
       <dgm:t>
@@ -964,7 +971,422 @@
         </a:p>
       </dgm:t>
     </dgm:pt>
-    <dgm:pt modelId="{A57CD843-16C1-425E-95E9-9DA954EB8AE0}" type="sibTrans" cxnId="{E43183C2-0BC6-4567-8D16-1C791778F61A}">
+    <dgm:pt modelId="{CF8A5CD1-0E24-4130-B4C2-0D32F0BC82A5}" type="sibTrans" cxnId="{390C6916-F60C-41EE-9586-6DB0C647DE84}">
+      <dgm:prSet/>
+      <dgm:spPr/>
+      <dgm:t>
+        <a:bodyPr/>
+        <a:lstStyle/>
+        <a:p>
+          <a:endParaRPr lang="en-US"/>
+        </a:p>
+      </dgm:t>
+    </dgm:pt>
+    <dgm:pt modelId="{CC0BFA8C-A841-4500-B8D7-201A1A7376D8}">
+      <dgm:prSet/>
+      <dgm:spPr/>
+      <dgm:t>
+        <a:bodyPr/>
+        <a:lstStyle/>
+        <a:p>
+          <a:r>
+            <a:rPr lang="en-US" dirty="0" smtClean="0"/>
+            <a:t>Provide </a:t>
+          </a:r>
+          <a:r>
+            <a:rPr lang="en-US" i="1" dirty="0" smtClean="0"/>
+            <a:t>Passenger Information </a:t>
+          </a:r>
+          <a:r>
+            <a:rPr lang="en-US" dirty="0" smtClean="0"/>
+            <a:t>(for the administrators). </a:t>
+          </a:r>
+          <a:endParaRPr lang="en-US" dirty="0"/>
+        </a:p>
+      </dgm:t>
+    </dgm:pt>
+    <dgm:pt modelId="{59D9C842-8016-4103-A7B1-59F66A41FAE7}" type="parTrans" cxnId="{A4FB456E-DD9B-4B48-BF71-057E54B8C07E}">
+      <dgm:prSet/>
+      <dgm:spPr/>
+      <dgm:t>
+        <a:bodyPr/>
+        <a:lstStyle/>
+        <a:p>
+          <a:endParaRPr lang="en-US"/>
+        </a:p>
+      </dgm:t>
+    </dgm:pt>
+    <dgm:pt modelId="{2EF7ADB2-E6A7-4FEA-975B-443D056C2361}" type="sibTrans" cxnId="{A4FB456E-DD9B-4B48-BF71-057E54B8C07E}">
+      <dgm:prSet/>
+      <dgm:spPr/>
+      <dgm:t>
+        <a:bodyPr/>
+        <a:lstStyle/>
+        <a:p>
+          <a:endParaRPr lang="en-US"/>
+        </a:p>
+      </dgm:t>
+    </dgm:pt>
+    <dgm:pt modelId="{0B0E9FB8-1BAF-46CE-A5CB-78118DB90488}">
+      <dgm:prSet/>
+      <dgm:spPr/>
+      <dgm:t>
+        <a:bodyPr/>
+        <a:lstStyle/>
+        <a:p>
+          <a:r>
+            <a:rPr lang="en-US" dirty="0" smtClean="0"/>
+            <a:t>How many potential passengers are at the stops?</a:t>
+          </a:r>
+          <a:endParaRPr lang="en-US" dirty="0"/>
+        </a:p>
+      </dgm:t>
+    </dgm:pt>
+    <dgm:pt modelId="{77B75B0C-4A9E-405B-9DF8-930836986EE0}" type="parTrans" cxnId="{8EEF90AB-47D2-4D62-9D48-C32A325EACA1}">
+      <dgm:prSet/>
+      <dgm:spPr/>
+      <dgm:t>
+        <a:bodyPr/>
+        <a:lstStyle/>
+        <a:p>
+          <a:endParaRPr lang="en-US"/>
+        </a:p>
+      </dgm:t>
+    </dgm:pt>
+    <dgm:pt modelId="{C6DA572D-8BFD-47E6-BD72-C29630668D8B}" type="sibTrans" cxnId="{8EEF90AB-47D2-4D62-9D48-C32A325EACA1}">
+      <dgm:prSet/>
+      <dgm:spPr/>
+      <dgm:t>
+        <a:bodyPr/>
+        <a:lstStyle/>
+        <a:p>
+          <a:endParaRPr lang="en-US"/>
+        </a:p>
+      </dgm:t>
+    </dgm:pt>
+    <dgm:pt modelId="{C116615E-76FC-47A8-8F14-9A3FA8207BA6}">
+      <dgm:prSet/>
+      <dgm:spPr/>
+      <dgm:t>
+        <a:bodyPr/>
+        <a:lstStyle/>
+        <a:p>
+          <a:r>
+            <a:rPr lang="en-US" dirty="0" smtClean="0"/>
+            <a:t>How many passengers are on the buses ?</a:t>
+          </a:r>
+          <a:endParaRPr lang="en-US" dirty="0"/>
+        </a:p>
+      </dgm:t>
+    </dgm:pt>
+    <dgm:pt modelId="{541796EF-49FC-4E4D-8342-8A6E52FD79CB}" type="parTrans" cxnId="{75C5A216-1F17-44D0-B2B5-70A9681952FD}">
+      <dgm:prSet/>
+      <dgm:spPr/>
+      <dgm:t>
+        <a:bodyPr/>
+        <a:lstStyle/>
+        <a:p>
+          <a:endParaRPr lang="en-US"/>
+        </a:p>
+      </dgm:t>
+    </dgm:pt>
+    <dgm:pt modelId="{8F61520D-9E1F-4ACC-A66E-96FFA9882257}" type="sibTrans" cxnId="{75C5A216-1F17-44D0-B2B5-70A9681952FD}">
+      <dgm:prSet/>
+      <dgm:spPr/>
+      <dgm:t>
+        <a:bodyPr/>
+        <a:lstStyle/>
+        <a:p>
+          <a:endParaRPr lang="en-US"/>
+        </a:p>
+      </dgm:t>
+    </dgm:pt>
+    <dgm:pt modelId="{EEA9A094-4BCC-4FBF-A54D-FFD01ECE375F}">
+      <dgm:prSet phldrT="[Text]"/>
+      <dgm:spPr/>
+      <dgm:t>
+        <a:bodyPr/>
+        <a:lstStyle/>
+        <a:p>
+          <a:r>
+            <a:rPr lang="en-US" dirty="0" smtClean="0"/>
+            <a:t>The vision document  Contains the general ideas of :</a:t>
+          </a:r>
+          <a:endParaRPr lang="en-US" dirty="0"/>
+        </a:p>
+      </dgm:t>
+    </dgm:pt>
+    <dgm:pt modelId="{16860955-36AE-471A-A212-45BB9F2B11EE}" type="parTrans" cxnId="{E7F88F65-7DCD-48EC-8F7A-FA40D9A0CF02}">
+      <dgm:prSet/>
+      <dgm:spPr/>
+      <dgm:t>
+        <a:bodyPr/>
+        <a:lstStyle/>
+        <a:p>
+          <a:endParaRPr lang="en-US"/>
+        </a:p>
+      </dgm:t>
+    </dgm:pt>
+    <dgm:pt modelId="{EB1D4B32-2FCD-41C2-B6D7-1E3687B33873}" type="sibTrans" cxnId="{E7F88F65-7DCD-48EC-8F7A-FA40D9A0CF02}">
+      <dgm:prSet/>
+      <dgm:spPr/>
+      <dgm:t>
+        <a:bodyPr/>
+        <a:lstStyle/>
+        <a:p>
+          <a:endParaRPr lang="en-US"/>
+        </a:p>
+      </dgm:t>
+    </dgm:pt>
+    <dgm:pt modelId="{91A28DF5-1C26-419C-8784-7E7B4F9BA472}">
+      <dgm:prSet phldrT="[Text]"/>
+      <dgm:spPr/>
+      <dgm:t>
+        <a:bodyPr/>
+        <a:lstStyle/>
+        <a:p>
+          <a:r>
+            <a:rPr lang="en-US" dirty="0" smtClean="0"/>
+            <a:t>who the stakeholders are and what they want</a:t>
+          </a:r>
+          <a:endParaRPr lang="en-US" dirty="0"/>
+        </a:p>
+      </dgm:t>
+    </dgm:pt>
+    <dgm:pt modelId="{7B31307C-B2A4-4971-BBEB-BFC4823C2B32}" type="parTrans" cxnId="{FEAAAD9C-7FA8-4249-8D90-164BB35F1A40}">
+      <dgm:prSet/>
+      <dgm:spPr/>
+      <dgm:t>
+        <a:bodyPr/>
+        <a:lstStyle/>
+        <a:p>
+          <a:endParaRPr lang="en-US"/>
+        </a:p>
+      </dgm:t>
+    </dgm:pt>
+    <dgm:pt modelId="{BE714A8F-10D8-488B-AEB5-09F91BC0AD6C}" type="sibTrans" cxnId="{FEAAAD9C-7FA8-4249-8D90-164BB35F1A40}">
+      <dgm:prSet/>
+      <dgm:spPr/>
+      <dgm:t>
+        <a:bodyPr/>
+        <a:lstStyle/>
+        <a:p>
+          <a:endParaRPr lang="en-US"/>
+        </a:p>
+      </dgm:t>
+    </dgm:pt>
+    <dgm:pt modelId="{FC6E38C2-630D-4072-BAC8-3EAAF35965C2}">
+      <dgm:prSet phldrT="[Text]"/>
+      <dgm:spPr/>
+      <dgm:t>
+        <a:bodyPr/>
+        <a:lstStyle/>
+        <a:p>
+          <a:r>
+            <a:rPr lang="en-US" dirty="0" smtClean="0"/>
+            <a:t>Who the passengers are and what they want</a:t>
+          </a:r>
+          <a:endParaRPr lang="en-US" dirty="0"/>
+        </a:p>
+      </dgm:t>
+    </dgm:pt>
+    <dgm:pt modelId="{33DD31CC-2747-44DD-A73E-EFFA98E07034}" type="parTrans" cxnId="{788086F2-BF7B-4FD7-82D3-D95C82BEFFF4}">
+      <dgm:prSet/>
+      <dgm:spPr/>
+      <dgm:t>
+        <a:bodyPr/>
+        <a:lstStyle/>
+        <a:p>
+          <a:endParaRPr lang="en-US"/>
+        </a:p>
+      </dgm:t>
+    </dgm:pt>
+    <dgm:pt modelId="{7D67218A-657E-4C7C-BF21-E9E924EB1097}" type="sibTrans" cxnId="{788086F2-BF7B-4FD7-82D3-D95C82BEFFF4}">
+      <dgm:prSet/>
+      <dgm:spPr/>
+      <dgm:t>
+        <a:bodyPr/>
+        <a:lstStyle/>
+        <a:p>
+          <a:endParaRPr lang="en-US"/>
+        </a:p>
+      </dgm:t>
+    </dgm:pt>
+    <dgm:pt modelId="{432F55CD-36FD-4AEE-96AA-D68DA8DE786D}">
+      <dgm:prSet phldrT="[Text]"/>
+      <dgm:spPr/>
+      <dgm:t>
+        <a:bodyPr/>
+        <a:lstStyle/>
+        <a:p>
+          <a:r>
+            <a:rPr lang="en-US" dirty="0" smtClean="0"/>
+            <a:t>How our solution will help them with their problem .</a:t>
+          </a:r>
+          <a:endParaRPr lang="en-US" dirty="0"/>
+        </a:p>
+      </dgm:t>
+    </dgm:pt>
+    <dgm:pt modelId="{4756E7C2-6CDC-45D2-A477-B22D93AA8788}" type="parTrans" cxnId="{9164DFB0-A2CE-4F2E-8E11-79AB81BEEE9B}">
+      <dgm:prSet/>
+      <dgm:spPr/>
+      <dgm:t>
+        <a:bodyPr/>
+        <a:lstStyle/>
+        <a:p>
+          <a:endParaRPr lang="en-US"/>
+        </a:p>
+      </dgm:t>
+    </dgm:pt>
+    <dgm:pt modelId="{A2C8CBB2-D525-4393-8211-4E3400CADD65}" type="sibTrans" cxnId="{9164DFB0-A2CE-4F2E-8E11-79AB81BEEE9B}">
+      <dgm:prSet/>
+      <dgm:spPr/>
+      <dgm:t>
+        <a:bodyPr/>
+        <a:lstStyle/>
+        <a:p>
+          <a:endParaRPr lang="en-US"/>
+        </a:p>
+      </dgm:t>
+    </dgm:pt>
+    <dgm:pt modelId="{B1E6CD13-531E-4BDF-B9E5-E32CB9CC3258}">
+      <dgm:prSet phldrT="[Text]"/>
+      <dgm:spPr/>
+      <dgm:t>
+        <a:bodyPr/>
+        <a:lstStyle/>
+        <a:p>
+          <a:r>
+            <a:rPr lang="en-US" dirty="0" smtClean="0"/>
+            <a:t>The main Issue:</a:t>
+          </a:r>
+          <a:endParaRPr lang="en-US" dirty="0"/>
+        </a:p>
+      </dgm:t>
+    </dgm:pt>
+    <dgm:pt modelId="{941474AB-D886-425E-98A8-D34211947215}" type="parTrans" cxnId="{98D971E4-4A4E-400B-93A4-027314A4D2FE}">
+      <dgm:prSet/>
+      <dgm:spPr/>
+      <dgm:t>
+        <a:bodyPr/>
+        <a:lstStyle/>
+        <a:p>
+          <a:endParaRPr lang="en-US"/>
+        </a:p>
+      </dgm:t>
+    </dgm:pt>
+    <dgm:pt modelId="{AAD09A79-83F3-4EB2-AAA2-3CC3051C49CD}" type="sibTrans" cxnId="{98D971E4-4A4E-400B-93A4-027314A4D2FE}">
+      <dgm:prSet/>
+      <dgm:spPr/>
+      <dgm:t>
+        <a:bodyPr/>
+        <a:lstStyle/>
+        <a:p>
+          <a:endParaRPr lang="en-US"/>
+        </a:p>
+      </dgm:t>
+    </dgm:pt>
+    <dgm:pt modelId="{03F5AD9C-8F8A-4E16-80BF-E2CF70BA5975}">
+      <dgm:prSet phldrT="[Text]"/>
+      <dgm:spPr/>
+      <dgm:t>
+        <a:bodyPr/>
+        <a:lstStyle/>
+        <a:p>
+          <a:r>
+            <a:rPr lang="en-US" dirty="0" smtClean="0"/>
+            <a:t> the buses are not as reliable as needed by the passengers </a:t>
+          </a:r>
+          <a:endParaRPr lang="en-US" dirty="0"/>
+        </a:p>
+      </dgm:t>
+    </dgm:pt>
+    <dgm:pt modelId="{0E99BDD7-8DA1-41AD-9F18-A022A3F6901C}" type="parTrans" cxnId="{103175FB-6E75-49FA-95F5-305C9594ED1D}">
+      <dgm:prSet/>
+      <dgm:spPr/>
+      <dgm:t>
+        <a:bodyPr/>
+        <a:lstStyle/>
+        <a:p>
+          <a:endParaRPr lang="en-US"/>
+        </a:p>
+      </dgm:t>
+    </dgm:pt>
+    <dgm:pt modelId="{20338D45-8836-49BF-A5A6-C5FD20E83EB9}" type="sibTrans" cxnId="{103175FB-6E75-49FA-95F5-305C9594ED1D}">
+      <dgm:prSet/>
+      <dgm:spPr/>
+      <dgm:t>
+        <a:bodyPr/>
+        <a:lstStyle/>
+        <a:p>
+          <a:endParaRPr lang="en-US"/>
+        </a:p>
+      </dgm:t>
+    </dgm:pt>
+    <dgm:pt modelId="{CCD6F4D9-E580-44CE-B9EC-B85FAB15514D}">
+      <dgm:prSet phldrT="[Text]"/>
+      <dgm:spPr/>
+      <dgm:t>
+        <a:bodyPr/>
+        <a:lstStyle/>
+        <a:p>
+          <a:r>
+            <a:rPr lang="en-US" dirty="0" smtClean="0"/>
+            <a:t>The Solution :</a:t>
+          </a:r>
+          <a:endParaRPr lang="en-US" dirty="0"/>
+        </a:p>
+      </dgm:t>
+    </dgm:pt>
+    <dgm:pt modelId="{BF5F8383-3A23-41F1-856F-2AAE6E3EB5E9}" type="parTrans" cxnId="{46A8BE55-ACB9-44F9-BF54-0060DB78B0DC}">
+      <dgm:prSet/>
+      <dgm:spPr/>
+      <dgm:t>
+        <a:bodyPr/>
+        <a:lstStyle/>
+        <a:p>
+          <a:endParaRPr lang="en-US"/>
+        </a:p>
+      </dgm:t>
+    </dgm:pt>
+    <dgm:pt modelId="{B9986600-715A-4FE9-A774-CA5E44E9E476}" type="sibTrans" cxnId="{46A8BE55-ACB9-44F9-BF54-0060DB78B0DC}">
+      <dgm:prSet/>
+      <dgm:spPr/>
+      <dgm:t>
+        <a:bodyPr/>
+        <a:lstStyle/>
+        <a:p>
+          <a:endParaRPr lang="en-US"/>
+        </a:p>
+      </dgm:t>
+    </dgm:pt>
+    <dgm:pt modelId="{1BB80CA9-DA5D-4BFB-ABA8-D9520179DED6}">
+      <dgm:prSet phldrT="[Text]"/>
+      <dgm:spPr/>
+      <dgm:t>
+        <a:bodyPr/>
+        <a:lstStyle/>
+        <a:p>
+          <a:r>
+            <a:rPr lang="en-US" dirty="0" smtClean="0"/>
+            <a:t>Create a program that will do the following : </a:t>
+          </a:r>
+          <a:endParaRPr lang="en-US" dirty="0"/>
+        </a:p>
+      </dgm:t>
+    </dgm:pt>
+    <dgm:pt modelId="{F76A7D89-7813-4ABF-9B6F-D527612490C3}" type="parTrans" cxnId="{A0EBA1AD-BE9A-4F55-925A-8DE621D3979A}">
+      <dgm:prSet/>
+      <dgm:spPr/>
+      <dgm:t>
+        <a:bodyPr/>
+        <a:lstStyle/>
+        <a:p>
+          <a:endParaRPr lang="en-US"/>
+        </a:p>
+      </dgm:t>
+    </dgm:pt>
+    <dgm:pt modelId="{16E2B7EC-8443-45FA-A4CF-0F51B0591AED}" type="sibTrans" cxnId="{A0EBA1AD-BE9A-4F55-925A-8DE621D3979A}">
       <dgm:prSet/>
       <dgm:spPr/>
       <dgm:t>
@@ -984,131 +1406,345 @@
         </dgm:presLayoutVars>
       </dgm:prSet>
       <dgm:spPr/>
+      <dgm:t>
+        <a:bodyPr/>
+        <a:lstStyle/>
+        <a:p>
+          <a:endParaRPr lang="en-US"/>
+        </a:p>
+      </dgm:t>
     </dgm:pt>
-    <dgm:pt modelId="{DFBCA64A-4D89-4308-B223-38355C7B62B8}" type="pres">
-      <dgm:prSet presAssocID="{1B005DB3-472B-448A-A805-4599A19C9C07}" presName="parentLin" presStyleCnt="0"/>
+    <dgm:pt modelId="{677FD4AD-08F3-47C0-B43D-83F7FA09DED9}" type="pres">
+      <dgm:prSet presAssocID="{EEA9A094-4BCC-4FBF-A54D-FFD01ECE375F}" presName="parentLin" presStyleCnt="0"/>
       <dgm:spPr/>
     </dgm:pt>
-    <dgm:pt modelId="{30E9498D-298F-450B-858D-4C317E14DB24}" type="pres">
-      <dgm:prSet presAssocID="{1B005DB3-472B-448A-A805-4599A19C9C07}" presName="parentLeftMargin" presStyleLbl="node1" presStyleIdx="0" presStyleCnt="3"/>
+    <dgm:pt modelId="{CD3AD136-FE6A-45E9-A8EF-EB1FB07FA1B0}" type="pres">
+      <dgm:prSet presAssocID="{EEA9A094-4BCC-4FBF-A54D-FFD01ECE375F}" presName="parentLeftMargin" presStyleLbl="node1" presStyleIdx="0" presStyleCnt="5"/>
       <dgm:spPr/>
+      <dgm:t>
+        <a:bodyPr/>
+        <a:lstStyle/>
+        <a:p>
+          <a:endParaRPr lang="en-US"/>
+        </a:p>
+      </dgm:t>
     </dgm:pt>
-    <dgm:pt modelId="{3E994891-3FC7-4508-AA2C-6529F3B7F173}" type="pres">
-      <dgm:prSet presAssocID="{1B005DB3-472B-448A-A805-4599A19C9C07}" presName="parentText" presStyleLbl="node1" presStyleIdx="0" presStyleCnt="3">
+    <dgm:pt modelId="{6C8870DD-F868-4EFE-974A-688CD09E4B30}" type="pres">
+      <dgm:prSet presAssocID="{EEA9A094-4BCC-4FBF-A54D-FFD01ECE375F}" presName="parentText" presStyleLbl="node1" presStyleIdx="0" presStyleCnt="5" custLinFactNeighborX="3093" custLinFactNeighborY="2033">
         <dgm:presLayoutVars>
           <dgm:chMax val="0"/>
           <dgm:bulletEnabled val="1"/>
         </dgm:presLayoutVars>
       </dgm:prSet>
       <dgm:spPr/>
+      <dgm:t>
+        <a:bodyPr/>
+        <a:lstStyle/>
+        <a:p>
+          <a:endParaRPr lang="en-US"/>
+        </a:p>
+      </dgm:t>
     </dgm:pt>
-    <dgm:pt modelId="{0AB53A35-9F54-4C1A-BFDC-AB41349D5C21}" type="pres">
-      <dgm:prSet presAssocID="{1B005DB3-472B-448A-A805-4599A19C9C07}" presName="negativeSpace" presStyleCnt="0"/>
+    <dgm:pt modelId="{5FEBAA16-1883-4761-927B-F038586C5999}" type="pres">
+      <dgm:prSet presAssocID="{EEA9A094-4BCC-4FBF-A54D-FFD01ECE375F}" presName="negativeSpace" presStyleCnt="0"/>
       <dgm:spPr/>
     </dgm:pt>
-    <dgm:pt modelId="{F25EA0A9-B79F-4A26-8FB8-EC72DD6C8279}" type="pres">
-      <dgm:prSet presAssocID="{1B005DB3-472B-448A-A805-4599A19C9C07}" presName="childText" presStyleLbl="conFgAcc1" presStyleIdx="0" presStyleCnt="3">
+    <dgm:pt modelId="{F4F3316C-7C9E-477A-95CC-6FAD826AC78D}" type="pres">
+      <dgm:prSet presAssocID="{EEA9A094-4BCC-4FBF-A54D-FFD01ECE375F}" presName="childText" presStyleLbl="conFgAcc1" presStyleIdx="0" presStyleCnt="5">
         <dgm:presLayoutVars>
           <dgm:bulletEnabled val="1"/>
         </dgm:presLayoutVars>
       </dgm:prSet>
       <dgm:spPr/>
+      <dgm:t>
+        <a:bodyPr/>
+        <a:lstStyle/>
+        <a:p>
+          <a:endParaRPr lang="en-US"/>
+        </a:p>
+      </dgm:t>
     </dgm:pt>
-    <dgm:pt modelId="{5ED15094-D8FB-4D97-BE67-0A75E75EE816}" type="pres">
-      <dgm:prSet presAssocID="{C4D2CACD-38DB-4B7E-92F1-CDD2B8F74E56}" presName="spaceBetweenRectangles" presStyleCnt="0"/>
+    <dgm:pt modelId="{4E058239-01D3-4FB7-B140-9866AEABDE89}" type="pres">
+      <dgm:prSet presAssocID="{EB1D4B32-2FCD-41C2-B6D7-1E3687B33873}" presName="spaceBetweenRectangles" presStyleCnt="0"/>
       <dgm:spPr/>
     </dgm:pt>
-    <dgm:pt modelId="{3B15655F-7B93-4034-9E76-FD2B4A677A1F}" type="pres">
-      <dgm:prSet presAssocID="{0F8B1829-5C53-4B41-9E98-E1669609B844}" presName="parentLin" presStyleCnt="0"/>
+    <dgm:pt modelId="{7B0C6284-33F9-43F4-B7E4-38E92E241623}" type="pres">
+      <dgm:prSet presAssocID="{B1E6CD13-531E-4BDF-B9E5-E32CB9CC3258}" presName="parentLin" presStyleCnt="0"/>
       <dgm:spPr/>
     </dgm:pt>
-    <dgm:pt modelId="{A5EFF379-9116-479F-81BA-041B9ED680BF}" type="pres">
-      <dgm:prSet presAssocID="{0F8B1829-5C53-4B41-9E98-E1669609B844}" presName="parentLeftMargin" presStyleLbl="node1" presStyleIdx="0" presStyleCnt="3"/>
+    <dgm:pt modelId="{5E486EC8-A0F0-401E-97A1-772E5AF10D9A}" type="pres">
+      <dgm:prSet presAssocID="{B1E6CD13-531E-4BDF-B9E5-E32CB9CC3258}" presName="parentLeftMargin" presStyleLbl="node1" presStyleIdx="0" presStyleCnt="5"/>
       <dgm:spPr/>
+      <dgm:t>
+        <a:bodyPr/>
+        <a:lstStyle/>
+        <a:p>
+          <a:endParaRPr lang="en-US"/>
+        </a:p>
+      </dgm:t>
     </dgm:pt>
-    <dgm:pt modelId="{C73A8D99-D548-4FBA-90A5-1413658EED22}" type="pres">
-      <dgm:prSet presAssocID="{0F8B1829-5C53-4B41-9E98-E1669609B844}" presName="parentText" presStyleLbl="node1" presStyleIdx="1" presStyleCnt="3">
+    <dgm:pt modelId="{00413630-CD6F-4285-B5A4-275B8238A3C6}" type="pres">
+      <dgm:prSet presAssocID="{B1E6CD13-531E-4BDF-B9E5-E32CB9CC3258}" presName="parentText" presStyleLbl="node1" presStyleIdx="1" presStyleCnt="5">
         <dgm:presLayoutVars>
           <dgm:chMax val="0"/>
           <dgm:bulletEnabled val="1"/>
         </dgm:presLayoutVars>
       </dgm:prSet>
       <dgm:spPr/>
+      <dgm:t>
+        <a:bodyPr/>
+        <a:lstStyle/>
+        <a:p>
+          <a:endParaRPr lang="en-US"/>
+        </a:p>
+      </dgm:t>
     </dgm:pt>
-    <dgm:pt modelId="{66D626D8-4DE6-40EC-A0D7-3CA5EB467E92}" type="pres">
-      <dgm:prSet presAssocID="{0F8B1829-5C53-4B41-9E98-E1669609B844}" presName="negativeSpace" presStyleCnt="0"/>
+    <dgm:pt modelId="{C0BFA1ED-C4DC-49DA-98B1-F246F407008F}" type="pres">
+      <dgm:prSet presAssocID="{B1E6CD13-531E-4BDF-B9E5-E32CB9CC3258}" presName="negativeSpace" presStyleCnt="0"/>
       <dgm:spPr/>
     </dgm:pt>
-    <dgm:pt modelId="{97E08C18-C4B8-4ADF-80F6-3405C893E2EF}" type="pres">
-      <dgm:prSet presAssocID="{0F8B1829-5C53-4B41-9E98-E1669609B844}" presName="childText" presStyleLbl="conFgAcc1" presStyleIdx="1" presStyleCnt="3">
+    <dgm:pt modelId="{83C7E223-8604-411D-850F-9896621A0F2F}" type="pres">
+      <dgm:prSet presAssocID="{B1E6CD13-531E-4BDF-B9E5-E32CB9CC3258}" presName="childText" presStyleLbl="conFgAcc1" presStyleIdx="1" presStyleCnt="5">
         <dgm:presLayoutVars>
           <dgm:bulletEnabled val="1"/>
         </dgm:presLayoutVars>
       </dgm:prSet>
       <dgm:spPr/>
+      <dgm:t>
+        <a:bodyPr/>
+        <a:lstStyle/>
+        <a:p>
+          <a:endParaRPr lang="en-US"/>
+        </a:p>
+      </dgm:t>
     </dgm:pt>
-    <dgm:pt modelId="{35FC3F06-4B99-4EB0-B685-1955C2AD229E}" type="pres">
-      <dgm:prSet presAssocID="{AA61016F-FA5F-490E-A274-365467364A3E}" presName="spaceBetweenRectangles" presStyleCnt="0"/>
+    <dgm:pt modelId="{E171E4F6-50B4-427B-8D75-CA6ACB26FC62}" type="pres">
+      <dgm:prSet presAssocID="{AAD09A79-83F3-4EB2-AAA2-3CC3051C49CD}" presName="spaceBetweenRectangles" presStyleCnt="0"/>
       <dgm:spPr/>
     </dgm:pt>
-    <dgm:pt modelId="{D398EF6B-2B06-43E0-9C45-B2DBB8640227}" type="pres">
-      <dgm:prSet presAssocID="{D519245D-39A6-4165-82D6-20F5DA8396AA}" presName="parentLin" presStyleCnt="0"/>
+    <dgm:pt modelId="{10B2C37F-426F-49FE-80E5-E9EAC1026A9D}" type="pres">
+      <dgm:prSet presAssocID="{CCD6F4D9-E580-44CE-B9EC-B85FAB15514D}" presName="parentLin" presStyleCnt="0"/>
       <dgm:spPr/>
     </dgm:pt>
-    <dgm:pt modelId="{F416E08C-752F-4D92-AD37-2F4C71FA4075}" type="pres">
-      <dgm:prSet presAssocID="{D519245D-39A6-4165-82D6-20F5DA8396AA}" presName="parentLeftMargin" presStyleLbl="node1" presStyleIdx="1" presStyleCnt="3"/>
+    <dgm:pt modelId="{6FCC2C02-F1B0-47B8-81C0-1D3867CFDB7E}" type="pres">
+      <dgm:prSet presAssocID="{CCD6F4D9-E580-44CE-B9EC-B85FAB15514D}" presName="parentLeftMargin" presStyleLbl="node1" presStyleIdx="1" presStyleCnt="5"/>
       <dgm:spPr/>
+      <dgm:t>
+        <a:bodyPr/>
+        <a:lstStyle/>
+        <a:p>
+          <a:endParaRPr lang="en-US"/>
+        </a:p>
+      </dgm:t>
     </dgm:pt>
-    <dgm:pt modelId="{EBD7D697-3674-426C-A8D3-2E8F0E9669A1}" type="pres">
-      <dgm:prSet presAssocID="{D519245D-39A6-4165-82D6-20F5DA8396AA}" presName="parentText" presStyleLbl="node1" presStyleIdx="2" presStyleCnt="3">
+    <dgm:pt modelId="{BFC5CB00-4EAD-440C-B68A-FD1E0A63E1E7}" type="pres">
+      <dgm:prSet presAssocID="{CCD6F4D9-E580-44CE-B9EC-B85FAB15514D}" presName="parentText" presStyleLbl="node1" presStyleIdx="2" presStyleCnt="5" custScaleX="97349" custLinFactNeighborX="23711" custLinFactNeighborY="-2439">
         <dgm:presLayoutVars>
           <dgm:chMax val="0"/>
           <dgm:bulletEnabled val="1"/>
         </dgm:presLayoutVars>
       </dgm:prSet>
       <dgm:spPr/>
+      <dgm:t>
+        <a:bodyPr/>
+        <a:lstStyle/>
+        <a:p>
+          <a:endParaRPr lang="en-US"/>
+        </a:p>
+      </dgm:t>
     </dgm:pt>
-    <dgm:pt modelId="{641FF595-0738-406F-A1DA-A53FD6AFB8EE}" type="pres">
-      <dgm:prSet presAssocID="{D519245D-39A6-4165-82D6-20F5DA8396AA}" presName="negativeSpace" presStyleCnt="0"/>
+    <dgm:pt modelId="{15022403-9FFF-4920-BAE0-6027B6C4D0CE}" type="pres">
+      <dgm:prSet presAssocID="{CCD6F4D9-E580-44CE-B9EC-B85FAB15514D}" presName="negativeSpace" presStyleCnt="0"/>
       <dgm:spPr/>
     </dgm:pt>
-    <dgm:pt modelId="{E1A35D26-FE76-4034-A3BB-EDBFAE5491D3}" type="pres">
-      <dgm:prSet presAssocID="{D519245D-39A6-4165-82D6-20F5DA8396AA}" presName="childText" presStyleLbl="conFgAcc1" presStyleIdx="2" presStyleCnt="3">
+    <dgm:pt modelId="{E02ECDBA-6982-45A0-87B9-6E788424EB4C}" type="pres">
+      <dgm:prSet presAssocID="{CCD6F4D9-E580-44CE-B9EC-B85FAB15514D}" presName="childText" presStyleLbl="conFgAcc1" presStyleIdx="2" presStyleCnt="5">
         <dgm:presLayoutVars>
           <dgm:bulletEnabled val="1"/>
         </dgm:presLayoutVars>
       </dgm:prSet>
       <dgm:spPr/>
+      <dgm:t>
+        <a:bodyPr/>
+        <a:lstStyle/>
+        <a:p>
+          <a:endParaRPr lang="en-US"/>
+        </a:p>
+      </dgm:t>
+    </dgm:pt>
+    <dgm:pt modelId="{19DDB678-04C1-4A85-81D3-D640D54536E3}" type="pres">
+      <dgm:prSet presAssocID="{B9986600-715A-4FE9-A774-CA5E44E9E476}" presName="spaceBetweenRectangles" presStyleCnt="0"/>
+      <dgm:spPr/>
+    </dgm:pt>
+    <dgm:pt modelId="{2EE9DB0C-EFA3-40B3-A186-C99E3E25BF9A}" type="pres">
+      <dgm:prSet presAssocID="{A79B687B-16F5-470E-B1E1-DDBBBC759246}" presName="parentLin" presStyleCnt="0"/>
+      <dgm:spPr/>
+    </dgm:pt>
+    <dgm:pt modelId="{2BA40631-E19F-43BB-B75E-FE9FD3DEC963}" type="pres">
+      <dgm:prSet presAssocID="{A79B687B-16F5-470E-B1E1-DDBBBC759246}" presName="parentLeftMargin" presStyleLbl="node1" presStyleIdx="2" presStyleCnt="5"/>
+      <dgm:spPr/>
+      <dgm:t>
+        <a:bodyPr/>
+        <a:lstStyle/>
+        <a:p>
+          <a:endParaRPr lang="en-US"/>
+        </a:p>
+      </dgm:t>
+    </dgm:pt>
+    <dgm:pt modelId="{FCCB04ED-DEAF-4E79-BABB-FD4A6BF7C968}" type="pres">
+      <dgm:prSet presAssocID="{A79B687B-16F5-470E-B1E1-DDBBBC759246}" presName="parentText" presStyleLbl="node1" presStyleIdx="3" presStyleCnt="5" custScaleX="95595" custLinFactX="20346" custLinFactNeighborX="100000" custLinFactNeighborY="7808">
+        <dgm:presLayoutVars>
+          <dgm:chMax val="0"/>
+          <dgm:bulletEnabled val="1"/>
+        </dgm:presLayoutVars>
+      </dgm:prSet>
+      <dgm:spPr/>
+      <dgm:t>
+        <a:bodyPr/>
+        <a:lstStyle/>
+        <a:p>
+          <a:endParaRPr lang="en-US"/>
+        </a:p>
+      </dgm:t>
+    </dgm:pt>
+    <dgm:pt modelId="{42869384-69AB-4B59-B3C7-2253B6D88C3B}" type="pres">
+      <dgm:prSet presAssocID="{A79B687B-16F5-470E-B1E1-DDBBBC759246}" presName="negativeSpace" presStyleCnt="0"/>
+      <dgm:spPr/>
+    </dgm:pt>
+    <dgm:pt modelId="{792B327A-87F9-4C15-8E9E-43F0FAEA00FB}" type="pres">
+      <dgm:prSet presAssocID="{A79B687B-16F5-470E-B1E1-DDBBBC759246}" presName="childText" presStyleLbl="conFgAcc1" presStyleIdx="3" presStyleCnt="5">
+        <dgm:presLayoutVars>
+          <dgm:bulletEnabled val="1"/>
+        </dgm:presLayoutVars>
+      </dgm:prSet>
+      <dgm:spPr/>
+      <dgm:t>
+        <a:bodyPr/>
+        <a:lstStyle/>
+        <a:p>
+          <a:endParaRPr lang="en-US"/>
+        </a:p>
+      </dgm:t>
+    </dgm:pt>
+    <dgm:pt modelId="{39773E99-AADF-4D3C-AFD8-AF6C53CA6B93}" type="pres">
+      <dgm:prSet presAssocID="{12F2915A-89C9-40ED-9C3D-D3858DAD886B}" presName="spaceBetweenRectangles" presStyleCnt="0"/>
+      <dgm:spPr/>
+    </dgm:pt>
+    <dgm:pt modelId="{00480373-E4FA-4B0A-84BE-6B5886B220CB}" type="pres">
+      <dgm:prSet presAssocID="{CC0BFA8C-A841-4500-B8D7-201A1A7376D8}" presName="parentLin" presStyleCnt="0"/>
+      <dgm:spPr/>
+    </dgm:pt>
+    <dgm:pt modelId="{D598E3DC-6EC7-472E-B182-351020995CD2}" type="pres">
+      <dgm:prSet presAssocID="{CC0BFA8C-A841-4500-B8D7-201A1A7376D8}" presName="parentLeftMargin" presStyleLbl="node1" presStyleIdx="3" presStyleCnt="5"/>
+      <dgm:spPr/>
+      <dgm:t>
+        <a:bodyPr/>
+        <a:lstStyle/>
+        <a:p>
+          <a:endParaRPr lang="en-US"/>
+        </a:p>
+      </dgm:t>
+    </dgm:pt>
+    <dgm:pt modelId="{679ECB79-E4C8-45C1-BCF5-7A96F922AE3A}" type="pres">
+      <dgm:prSet presAssocID="{CC0BFA8C-A841-4500-B8D7-201A1A7376D8}" presName="parentText" presStyleLbl="node1" presStyleIdx="4" presStyleCnt="5" custLinFactX="21789" custLinFactNeighborX="100000" custLinFactNeighborY="-11636">
+        <dgm:presLayoutVars>
+          <dgm:chMax val="0"/>
+          <dgm:bulletEnabled val="1"/>
+        </dgm:presLayoutVars>
+      </dgm:prSet>
+      <dgm:spPr/>
+      <dgm:t>
+        <a:bodyPr/>
+        <a:lstStyle/>
+        <a:p>
+          <a:endParaRPr lang="en-US"/>
+        </a:p>
+      </dgm:t>
+    </dgm:pt>
+    <dgm:pt modelId="{2F00D0E8-2DB1-4336-AC99-C910334F6F36}" type="pres">
+      <dgm:prSet presAssocID="{CC0BFA8C-A841-4500-B8D7-201A1A7376D8}" presName="negativeSpace" presStyleCnt="0"/>
+      <dgm:spPr/>
+    </dgm:pt>
+    <dgm:pt modelId="{F91EA70D-CE80-424A-A2E9-DA4113EF35A4}" type="pres">
+      <dgm:prSet presAssocID="{CC0BFA8C-A841-4500-B8D7-201A1A7376D8}" presName="childText" presStyleLbl="conFgAcc1" presStyleIdx="4" presStyleCnt="5" custLinFactNeighborX="-5263" custLinFactNeighborY="31786">
+        <dgm:presLayoutVars>
+          <dgm:bulletEnabled val="1"/>
+        </dgm:presLayoutVars>
+      </dgm:prSet>
+      <dgm:spPr/>
+      <dgm:t>
+        <a:bodyPr/>
+        <a:lstStyle/>
+        <a:p>
+          <a:endParaRPr lang="en-US"/>
+        </a:p>
+      </dgm:t>
     </dgm:pt>
   </dgm:ptLst>
   <dgm:cxnLst>
+    <dgm:cxn modelId="{4D3361DA-E4FB-4327-A802-51B1C1EFCEBD}" type="presOf" srcId="{CCD6F4D9-E580-44CE-B9EC-B85FAB15514D}" destId="{6FCC2C02-F1B0-47B8-81C0-1D3867CFDB7E}" srcOrd="0" destOrd="0" presId="urn:microsoft.com/office/officeart/2005/8/layout/list1"/>
+    <dgm:cxn modelId="{6F597E05-684D-41E6-95CA-85232436F586}" type="presOf" srcId="{CC0BFA8C-A841-4500-B8D7-201A1A7376D8}" destId="{679ECB79-E4C8-45C1-BCF5-7A96F922AE3A}" srcOrd="1" destOrd="0" presId="urn:microsoft.com/office/officeart/2005/8/layout/list1"/>
+    <dgm:cxn modelId="{B228BB74-6E8B-43DC-B163-77AA91E4DB89}" type="presOf" srcId="{A79B687B-16F5-470E-B1E1-DDBBBC759246}" destId="{2BA40631-E19F-43BB-B75E-FE9FD3DEC963}" srcOrd="0" destOrd="0" presId="urn:microsoft.com/office/officeart/2005/8/layout/list1"/>
+    <dgm:cxn modelId="{B2B3A8EE-C124-45B3-8BF6-F9265280DB47}" type="presOf" srcId="{EEA9A094-4BCC-4FBF-A54D-FFD01ECE375F}" destId="{CD3AD136-FE6A-45E9-A8EF-EB1FB07FA1B0}" srcOrd="0" destOrd="0" presId="urn:microsoft.com/office/officeart/2005/8/layout/list1"/>
+    <dgm:cxn modelId="{390C6916-F60C-41EE-9586-6DB0C647DE84}" srcId="{A79B687B-16F5-470E-B1E1-DDBBBC759246}" destId="{06292A25-5896-4266-B197-81F09BCCA07F}" srcOrd="1" destOrd="0" parTransId="{60C3E475-02BE-441C-8E05-B041E32248B5}" sibTransId="{CF8A5CD1-0E24-4130-B4C2-0D32F0BC82A5}"/>
+    <dgm:cxn modelId="{73B31DD0-16B6-4947-B5A1-A864F8BEF700}" type="presOf" srcId="{A79B687B-16F5-470E-B1E1-DDBBBC759246}" destId="{FCCB04ED-DEAF-4E79-BABB-FD4A6BF7C968}" srcOrd="1" destOrd="0" presId="urn:microsoft.com/office/officeart/2005/8/layout/list1"/>
+    <dgm:cxn modelId="{A62F5636-8873-4A00-B2A5-B4F17579FE36}" srcId="{08AFD4C6-C41E-4BB6-818F-0A4CBD81EBA5}" destId="{A79B687B-16F5-470E-B1E1-DDBBBC759246}" srcOrd="3" destOrd="0" parTransId="{8F5F3ABD-0363-4FC6-8CEF-FA1CEC06B118}" sibTransId="{12F2915A-89C9-40ED-9C3D-D3858DAD886B}"/>
+    <dgm:cxn modelId="{A4FB456E-DD9B-4B48-BF71-057E54B8C07E}" srcId="{08AFD4C6-C41E-4BB6-818F-0A4CBD81EBA5}" destId="{CC0BFA8C-A841-4500-B8D7-201A1A7376D8}" srcOrd="4" destOrd="0" parTransId="{59D9C842-8016-4103-A7B1-59F66A41FAE7}" sibTransId="{2EF7ADB2-E6A7-4FEA-975B-443D056C2361}"/>
+    <dgm:cxn modelId="{1B031D79-ABD3-4F9A-AABD-60B78765C60B}" type="presOf" srcId="{8F322683-765E-42B1-A75C-81444315BF76}" destId="{792B327A-87F9-4C15-8E9E-43F0FAEA00FB}" srcOrd="0" destOrd="0" presId="urn:microsoft.com/office/officeart/2005/8/layout/list1"/>
+    <dgm:cxn modelId="{75C5A216-1F17-44D0-B2B5-70A9681952FD}" srcId="{CC0BFA8C-A841-4500-B8D7-201A1A7376D8}" destId="{C116615E-76FC-47A8-8F14-9A3FA8207BA6}" srcOrd="1" destOrd="0" parTransId="{541796EF-49FC-4E4D-8342-8A6E52FD79CB}" sibTransId="{8F61520D-9E1F-4ACC-A66E-96FFA9882257}"/>
+    <dgm:cxn modelId="{8EEF90AB-47D2-4D62-9D48-C32A325EACA1}" srcId="{CC0BFA8C-A841-4500-B8D7-201A1A7376D8}" destId="{0B0E9FB8-1BAF-46CE-A5CB-78118DB90488}" srcOrd="0" destOrd="0" parTransId="{77B75B0C-4A9E-405B-9DF8-930836986EE0}" sibTransId="{C6DA572D-8BFD-47E6-BD72-C29630668D8B}"/>
+    <dgm:cxn modelId="{9DBF734C-0F27-4445-A579-3B24D4D46CF3}" type="presOf" srcId="{B1E6CD13-531E-4BDF-B9E5-E32CB9CC3258}" destId="{00413630-CD6F-4285-B5A4-275B8238A3C6}" srcOrd="1" destOrd="0" presId="urn:microsoft.com/office/officeart/2005/8/layout/list1"/>
+    <dgm:cxn modelId="{8CE69F79-A1DC-4E9C-BF37-D14D043E949C}" type="presOf" srcId="{06292A25-5896-4266-B197-81F09BCCA07F}" destId="{792B327A-87F9-4C15-8E9E-43F0FAEA00FB}" srcOrd="0" destOrd="1" presId="urn:microsoft.com/office/officeart/2005/8/layout/list1"/>
+    <dgm:cxn modelId="{46A8BE55-ACB9-44F9-BF54-0060DB78B0DC}" srcId="{08AFD4C6-C41E-4BB6-818F-0A4CBD81EBA5}" destId="{CCD6F4D9-E580-44CE-B9EC-B85FAB15514D}" srcOrd="2" destOrd="0" parTransId="{BF5F8383-3A23-41F1-856F-2AAE6E3EB5E9}" sibTransId="{B9986600-715A-4FE9-A774-CA5E44E9E476}"/>
+    <dgm:cxn modelId="{0BEE089C-FC7A-46A5-9D16-67075163C08A}" type="presOf" srcId="{03F5AD9C-8F8A-4E16-80BF-E2CF70BA5975}" destId="{83C7E223-8604-411D-850F-9896621A0F2F}" srcOrd="0" destOrd="0" presId="urn:microsoft.com/office/officeart/2005/8/layout/list1"/>
+    <dgm:cxn modelId="{1E6BF4D0-0060-4FFE-B8C6-2047617D48F3}" type="presOf" srcId="{CCD6F4D9-E580-44CE-B9EC-B85FAB15514D}" destId="{BFC5CB00-4EAD-440C-B68A-FD1E0A63E1E7}" srcOrd="1" destOrd="0" presId="urn:microsoft.com/office/officeart/2005/8/layout/list1"/>
+    <dgm:cxn modelId="{F6D36691-9D72-40E4-A5E2-746F8EF275B8}" type="presOf" srcId="{C116615E-76FC-47A8-8F14-9A3FA8207BA6}" destId="{F91EA70D-CE80-424A-A2E9-DA4113EF35A4}" srcOrd="0" destOrd="1" presId="urn:microsoft.com/office/officeart/2005/8/layout/list1"/>
+    <dgm:cxn modelId="{788086F2-BF7B-4FD7-82D3-D95C82BEFFF4}" srcId="{EEA9A094-4BCC-4FBF-A54D-FFD01ECE375F}" destId="{FC6E38C2-630D-4072-BAC8-3EAAF35965C2}" srcOrd="1" destOrd="0" parTransId="{33DD31CC-2747-44DD-A73E-EFFA98E07034}" sibTransId="{7D67218A-657E-4C7C-BF21-E9E924EB1097}"/>
+    <dgm:cxn modelId="{FEAAAD9C-7FA8-4249-8D90-164BB35F1A40}" srcId="{EEA9A094-4BCC-4FBF-A54D-FFD01ECE375F}" destId="{91A28DF5-1C26-419C-8784-7E7B4F9BA472}" srcOrd="0" destOrd="0" parTransId="{7B31307C-B2A4-4971-BBEB-BFC4823C2B32}" sibTransId="{BE714A8F-10D8-488B-AEB5-09F91BC0AD6C}"/>
+    <dgm:cxn modelId="{98D971E4-4A4E-400B-93A4-027314A4D2FE}" srcId="{08AFD4C6-C41E-4BB6-818F-0A4CBD81EBA5}" destId="{B1E6CD13-531E-4BDF-B9E5-E32CB9CC3258}" srcOrd="1" destOrd="0" parTransId="{941474AB-D886-425E-98A8-D34211947215}" sibTransId="{AAD09A79-83F3-4EB2-AAA2-3CC3051C49CD}"/>
+    <dgm:cxn modelId="{9164DFB0-A2CE-4F2E-8E11-79AB81BEEE9B}" srcId="{EEA9A094-4BCC-4FBF-A54D-FFD01ECE375F}" destId="{432F55CD-36FD-4AEE-96AA-D68DA8DE786D}" srcOrd="2" destOrd="0" parTransId="{4756E7C2-6CDC-45D2-A477-B22D93AA8788}" sibTransId="{A2C8CBB2-D525-4393-8211-4E3400CADD65}"/>
+    <dgm:cxn modelId="{E7F88F65-7DCD-48EC-8F7A-FA40D9A0CF02}" srcId="{08AFD4C6-C41E-4BB6-818F-0A4CBD81EBA5}" destId="{EEA9A094-4BCC-4FBF-A54D-FFD01ECE375F}" srcOrd="0" destOrd="0" parTransId="{16860955-36AE-471A-A212-45BB9F2B11EE}" sibTransId="{EB1D4B32-2FCD-41C2-B6D7-1E3687B33873}"/>
+    <dgm:cxn modelId="{103175FB-6E75-49FA-95F5-305C9594ED1D}" srcId="{B1E6CD13-531E-4BDF-B9E5-E32CB9CC3258}" destId="{03F5AD9C-8F8A-4E16-80BF-E2CF70BA5975}" srcOrd="0" destOrd="0" parTransId="{0E99BDD7-8DA1-41AD-9F18-A022A3F6901C}" sibTransId="{20338D45-8836-49BF-A5A6-C5FD20E83EB9}"/>
+    <dgm:cxn modelId="{99D99F68-971D-4A37-956C-67F0B6495BF8}" type="presOf" srcId="{1BB80CA9-DA5D-4BFB-ABA8-D9520179DED6}" destId="{E02ECDBA-6982-45A0-87B9-6E788424EB4C}" srcOrd="0" destOrd="0" presId="urn:microsoft.com/office/officeart/2005/8/layout/list1"/>
+    <dgm:cxn modelId="{BB95E185-790B-40E2-80F8-8B13CBF18E7B}" type="presOf" srcId="{EEA9A094-4BCC-4FBF-A54D-FFD01ECE375F}" destId="{6C8870DD-F868-4EFE-974A-688CD09E4B30}" srcOrd="1" destOrd="0" presId="urn:microsoft.com/office/officeart/2005/8/layout/list1"/>
+    <dgm:cxn modelId="{A0EBA1AD-BE9A-4F55-925A-8DE621D3979A}" srcId="{CCD6F4D9-E580-44CE-B9EC-B85FAB15514D}" destId="{1BB80CA9-DA5D-4BFB-ABA8-D9520179DED6}" srcOrd="0" destOrd="0" parTransId="{F76A7D89-7813-4ABF-9B6F-D527612490C3}" sibTransId="{16E2B7EC-8443-45FA-A4CF-0F51B0591AED}"/>
     <dgm:cxn modelId="{5F738DA9-AF1C-4E0B-9737-CC422B05534E}" type="presOf" srcId="{08AFD4C6-C41E-4BB6-818F-0A4CBD81EBA5}" destId="{E9272DBB-2D6C-4A90-9286-392A95F3A2BD}" srcOrd="0" destOrd="0" presId="urn:microsoft.com/office/officeart/2005/8/layout/list1"/>
-    <dgm:cxn modelId="{1B95A1F2-5E09-4B80-AC9F-743B070BFD2D}" type="presOf" srcId="{1B005DB3-472B-448A-A805-4599A19C9C07}" destId="{30E9498D-298F-450B-858D-4C317E14DB24}" srcOrd="0" destOrd="0" presId="urn:microsoft.com/office/officeart/2005/8/layout/list1"/>
-    <dgm:cxn modelId="{94FF39BA-5FFE-4D32-ABF2-682A19D6FB53}" srcId="{08AFD4C6-C41E-4BB6-818F-0A4CBD81EBA5}" destId="{1B005DB3-472B-448A-A805-4599A19C9C07}" srcOrd="0" destOrd="0" parTransId="{F4A230F2-CD59-466D-B1EC-541C1566173E}" sibTransId="{C4D2CACD-38DB-4B7E-92F1-CDD2B8F74E56}"/>
-    <dgm:cxn modelId="{E43183C2-0BC6-4567-8D16-1C791778F61A}" srcId="{08AFD4C6-C41E-4BB6-818F-0A4CBD81EBA5}" destId="{D519245D-39A6-4165-82D6-20F5DA8396AA}" srcOrd="2" destOrd="0" parTransId="{4702B203-45CE-4B12-89B4-48560F26287E}" sibTransId="{A57CD843-16C1-425E-95E9-9DA954EB8AE0}"/>
-    <dgm:cxn modelId="{4F7F1119-F99E-4907-8A25-8DF934CF8AA4}" type="presOf" srcId="{D519245D-39A6-4165-82D6-20F5DA8396AA}" destId="{EBD7D697-3674-426C-A8D3-2E8F0E9669A1}" srcOrd="1" destOrd="0" presId="urn:microsoft.com/office/officeart/2005/8/layout/list1"/>
-    <dgm:cxn modelId="{2486AE54-CE02-45CC-8382-FA1E83E3B0A2}" type="presOf" srcId="{D519245D-39A6-4165-82D6-20F5DA8396AA}" destId="{F416E08C-752F-4D92-AD37-2F4C71FA4075}" srcOrd="0" destOrd="0" presId="urn:microsoft.com/office/officeart/2005/8/layout/list1"/>
-    <dgm:cxn modelId="{846A0BE7-96B5-41B0-9248-0996DBFA96B9}" type="presOf" srcId="{0F8B1829-5C53-4B41-9E98-E1669609B844}" destId="{A5EFF379-9116-479F-81BA-041B9ED680BF}" srcOrd="0" destOrd="0" presId="urn:microsoft.com/office/officeart/2005/8/layout/list1"/>
-    <dgm:cxn modelId="{4C2A0184-3A55-446A-9636-7B2ABAC2B9EA}" type="presOf" srcId="{0F8B1829-5C53-4B41-9E98-E1669609B844}" destId="{C73A8D99-D548-4FBA-90A5-1413658EED22}" srcOrd="1" destOrd="0" presId="urn:microsoft.com/office/officeart/2005/8/layout/list1"/>
-    <dgm:cxn modelId="{5D65D43C-DB04-4481-87F4-9F469B028029}" srcId="{08AFD4C6-C41E-4BB6-818F-0A4CBD81EBA5}" destId="{0F8B1829-5C53-4B41-9E98-E1669609B844}" srcOrd="1" destOrd="0" parTransId="{5E0DB286-3820-4612-A2D1-0AA670561D84}" sibTransId="{AA61016F-FA5F-490E-A274-365467364A3E}"/>
-    <dgm:cxn modelId="{4D9EC3F0-FB7F-4EDB-B164-EAC440B2E4F5}" type="presOf" srcId="{1B005DB3-472B-448A-A805-4599A19C9C07}" destId="{3E994891-3FC7-4508-AA2C-6529F3B7F173}" srcOrd="1" destOrd="0" presId="urn:microsoft.com/office/officeart/2005/8/layout/list1"/>
-    <dgm:cxn modelId="{D9B51EE7-69DA-4C5B-8D8F-35E8E5D25773}" type="presParOf" srcId="{E9272DBB-2D6C-4A90-9286-392A95F3A2BD}" destId="{DFBCA64A-4D89-4308-B223-38355C7B62B8}" srcOrd="0" destOrd="0" presId="urn:microsoft.com/office/officeart/2005/8/layout/list1"/>
-    <dgm:cxn modelId="{BFFAD279-02AA-46BE-AF51-FE999A95FD93}" type="presParOf" srcId="{DFBCA64A-4D89-4308-B223-38355C7B62B8}" destId="{30E9498D-298F-450B-858D-4C317E14DB24}" srcOrd="0" destOrd="0" presId="urn:microsoft.com/office/officeart/2005/8/layout/list1"/>
-    <dgm:cxn modelId="{565BDC52-3C08-44BA-80D8-7CD54FBCCD7B}" type="presParOf" srcId="{DFBCA64A-4D89-4308-B223-38355C7B62B8}" destId="{3E994891-3FC7-4508-AA2C-6529F3B7F173}" srcOrd="1" destOrd="0" presId="urn:microsoft.com/office/officeart/2005/8/layout/list1"/>
-    <dgm:cxn modelId="{2BA88068-1A26-4704-8153-893EA246CE92}" type="presParOf" srcId="{E9272DBB-2D6C-4A90-9286-392A95F3A2BD}" destId="{0AB53A35-9F54-4C1A-BFDC-AB41349D5C21}" srcOrd="1" destOrd="0" presId="urn:microsoft.com/office/officeart/2005/8/layout/list1"/>
-    <dgm:cxn modelId="{1711E2DC-C817-4951-A16B-B8F84B5CD9BA}" type="presParOf" srcId="{E9272DBB-2D6C-4A90-9286-392A95F3A2BD}" destId="{F25EA0A9-B79F-4A26-8FB8-EC72DD6C8279}" srcOrd="2" destOrd="0" presId="urn:microsoft.com/office/officeart/2005/8/layout/list1"/>
-    <dgm:cxn modelId="{8F8E77A3-6485-4F48-819C-F91947CD1FA7}" type="presParOf" srcId="{E9272DBB-2D6C-4A90-9286-392A95F3A2BD}" destId="{5ED15094-D8FB-4D97-BE67-0A75E75EE816}" srcOrd="3" destOrd="0" presId="urn:microsoft.com/office/officeart/2005/8/layout/list1"/>
-    <dgm:cxn modelId="{C6DBF554-1748-4024-9B24-796E8A832026}" type="presParOf" srcId="{E9272DBB-2D6C-4A90-9286-392A95F3A2BD}" destId="{3B15655F-7B93-4034-9E76-FD2B4A677A1F}" srcOrd="4" destOrd="0" presId="urn:microsoft.com/office/officeart/2005/8/layout/list1"/>
-    <dgm:cxn modelId="{9FD240F8-5EE4-4642-89A5-28FE879DE9FD}" type="presParOf" srcId="{3B15655F-7B93-4034-9E76-FD2B4A677A1F}" destId="{A5EFF379-9116-479F-81BA-041B9ED680BF}" srcOrd="0" destOrd="0" presId="urn:microsoft.com/office/officeart/2005/8/layout/list1"/>
-    <dgm:cxn modelId="{16530107-025C-46BE-9150-99D234B07321}" type="presParOf" srcId="{3B15655F-7B93-4034-9E76-FD2B4A677A1F}" destId="{C73A8D99-D548-4FBA-90A5-1413658EED22}" srcOrd="1" destOrd="0" presId="urn:microsoft.com/office/officeart/2005/8/layout/list1"/>
-    <dgm:cxn modelId="{FDE4190F-30C6-4BD5-84E2-5F56992CF024}" type="presParOf" srcId="{E9272DBB-2D6C-4A90-9286-392A95F3A2BD}" destId="{66D626D8-4DE6-40EC-A0D7-3CA5EB467E92}" srcOrd="5" destOrd="0" presId="urn:microsoft.com/office/officeart/2005/8/layout/list1"/>
-    <dgm:cxn modelId="{DFB6FD90-D781-44E3-89DA-A3DDF0E773F6}" type="presParOf" srcId="{E9272DBB-2D6C-4A90-9286-392A95F3A2BD}" destId="{97E08C18-C4B8-4ADF-80F6-3405C893E2EF}" srcOrd="6" destOrd="0" presId="urn:microsoft.com/office/officeart/2005/8/layout/list1"/>
-    <dgm:cxn modelId="{D82CFCE7-5C10-4F7A-B58C-D94C1523DF52}" type="presParOf" srcId="{E9272DBB-2D6C-4A90-9286-392A95F3A2BD}" destId="{35FC3F06-4B99-4EB0-B685-1955C2AD229E}" srcOrd="7" destOrd="0" presId="urn:microsoft.com/office/officeart/2005/8/layout/list1"/>
-    <dgm:cxn modelId="{9229DC35-FB8A-47E4-B87E-676E7620BE7C}" type="presParOf" srcId="{E9272DBB-2D6C-4A90-9286-392A95F3A2BD}" destId="{D398EF6B-2B06-43E0-9C45-B2DBB8640227}" srcOrd="8" destOrd="0" presId="urn:microsoft.com/office/officeart/2005/8/layout/list1"/>
-    <dgm:cxn modelId="{D55A827D-802A-4B3D-AF11-6A955266A94A}" type="presParOf" srcId="{D398EF6B-2B06-43E0-9C45-B2DBB8640227}" destId="{F416E08C-752F-4D92-AD37-2F4C71FA4075}" srcOrd="0" destOrd="0" presId="urn:microsoft.com/office/officeart/2005/8/layout/list1"/>
-    <dgm:cxn modelId="{9A835885-F81E-4331-94AB-B0F95AB539C9}" type="presParOf" srcId="{D398EF6B-2B06-43E0-9C45-B2DBB8640227}" destId="{EBD7D697-3674-426C-A8D3-2E8F0E9669A1}" srcOrd="1" destOrd="0" presId="urn:microsoft.com/office/officeart/2005/8/layout/list1"/>
-    <dgm:cxn modelId="{B9577FA9-3F15-4BFB-99F4-F44CD0C094C9}" type="presParOf" srcId="{E9272DBB-2D6C-4A90-9286-392A95F3A2BD}" destId="{641FF595-0738-406F-A1DA-A53FD6AFB8EE}" srcOrd="9" destOrd="0" presId="urn:microsoft.com/office/officeart/2005/8/layout/list1"/>
-    <dgm:cxn modelId="{CC1EB50D-9B18-4CA5-8D12-29A2D62ED233}" type="presParOf" srcId="{E9272DBB-2D6C-4A90-9286-392A95F3A2BD}" destId="{E1A35D26-FE76-4034-A3BB-EDBFAE5491D3}" srcOrd="10" destOrd="0" presId="urn:microsoft.com/office/officeart/2005/8/layout/list1"/>
+    <dgm:cxn modelId="{203A3346-2D7E-4944-B996-40EF677A3A25}" type="presOf" srcId="{CC0BFA8C-A841-4500-B8D7-201A1A7376D8}" destId="{D598E3DC-6EC7-472E-B182-351020995CD2}" srcOrd="0" destOrd="0" presId="urn:microsoft.com/office/officeart/2005/8/layout/list1"/>
+    <dgm:cxn modelId="{A50C44D0-3AFD-44CF-9BDC-E6DBFF4BBDC9}" type="presOf" srcId="{FC6E38C2-630D-4072-BAC8-3EAAF35965C2}" destId="{F4F3316C-7C9E-477A-95CC-6FAD826AC78D}" srcOrd="0" destOrd="1" presId="urn:microsoft.com/office/officeart/2005/8/layout/list1"/>
+    <dgm:cxn modelId="{B8F34F1D-E6E3-4A36-92A9-B3CEF2711337}" type="presOf" srcId="{0B0E9FB8-1BAF-46CE-A5CB-78118DB90488}" destId="{F91EA70D-CE80-424A-A2E9-DA4113EF35A4}" srcOrd="0" destOrd="0" presId="urn:microsoft.com/office/officeart/2005/8/layout/list1"/>
+    <dgm:cxn modelId="{C350D824-2C13-4E3A-997A-1A523B9511A8}" srcId="{A79B687B-16F5-470E-B1E1-DDBBBC759246}" destId="{8F322683-765E-42B1-A75C-81444315BF76}" srcOrd="0" destOrd="0" parTransId="{0B575106-E1FA-4406-BDC4-5EFECD2D2599}" sibTransId="{79213D30-29A6-4ACB-AE30-7A15FE1C420B}"/>
+    <dgm:cxn modelId="{A8B88E9B-FE77-46F9-AFFE-54162494524E}" type="presOf" srcId="{91A28DF5-1C26-419C-8784-7E7B4F9BA472}" destId="{F4F3316C-7C9E-477A-95CC-6FAD826AC78D}" srcOrd="0" destOrd="0" presId="urn:microsoft.com/office/officeart/2005/8/layout/list1"/>
+    <dgm:cxn modelId="{85B72F8D-468D-4C26-98E7-3AC0168CA69C}" type="presOf" srcId="{B1E6CD13-531E-4BDF-B9E5-E32CB9CC3258}" destId="{5E486EC8-A0F0-401E-97A1-772E5AF10D9A}" srcOrd="0" destOrd="0" presId="urn:microsoft.com/office/officeart/2005/8/layout/list1"/>
+    <dgm:cxn modelId="{512EE0B6-2756-45ED-9F82-6D8FAB11105C}" type="presOf" srcId="{432F55CD-36FD-4AEE-96AA-D68DA8DE786D}" destId="{F4F3316C-7C9E-477A-95CC-6FAD826AC78D}" srcOrd="0" destOrd="2" presId="urn:microsoft.com/office/officeart/2005/8/layout/list1"/>
+    <dgm:cxn modelId="{D9809839-7660-43BF-B28F-444C0829B1C7}" type="presParOf" srcId="{E9272DBB-2D6C-4A90-9286-392A95F3A2BD}" destId="{677FD4AD-08F3-47C0-B43D-83F7FA09DED9}" srcOrd="0" destOrd="0" presId="urn:microsoft.com/office/officeart/2005/8/layout/list1"/>
+    <dgm:cxn modelId="{70CF85DE-0674-483F-BA51-8B8825B22FED}" type="presParOf" srcId="{677FD4AD-08F3-47C0-B43D-83F7FA09DED9}" destId="{CD3AD136-FE6A-45E9-A8EF-EB1FB07FA1B0}" srcOrd="0" destOrd="0" presId="urn:microsoft.com/office/officeart/2005/8/layout/list1"/>
+    <dgm:cxn modelId="{FADFDA4D-5539-4E2E-846B-CB8A10EDEDFE}" type="presParOf" srcId="{677FD4AD-08F3-47C0-B43D-83F7FA09DED9}" destId="{6C8870DD-F868-4EFE-974A-688CD09E4B30}" srcOrd="1" destOrd="0" presId="urn:microsoft.com/office/officeart/2005/8/layout/list1"/>
+    <dgm:cxn modelId="{0E9FC4B7-B7F4-446A-A09E-E76A68ABF211}" type="presParOf" srcId="{E9272DBB-2D6C-4A90-9286-392A95F3A2BD}" destId="{5FEBAA16-1883-4761-927B-F038586C5999}" srcOrd="1" destOrd="0" presId="urn:microsoft.com/office/officeart/2005/8/layout/list1"/>
+    <dgm:cxn modelId="{E361AC9B-ABF7-4E10-B7AE-40E8649C5F75}" type="presParOf" srcId="{E9272DBB-2D6C-4A90-9286-392A95F3A2BD}" destId="{F4F3316C-7C9E-477A-95CC-6FAD826AC78D}" srcOrd="2" destOrd="0" presId="urn:microsoft.com/office/officeart/2005/8/layout/list1"/>
+    <dgm:cxn modelId="{0F1D4829-81DA-4A71-A7B8-3706A02C83F4}" type="presParOf" srcId="{E9272DBB-2D6C-4A90-9286-392A95F3A2BD}" destId="{4E058239-01D3-4FB7-B140-9866AEABDE89}" srcOrd="3" destOrd="0" presId="urn:microsoft.com/office/officeart/2005/8/layout/list1"/>
+    <dgm:cxn modelId="{61E60AAD-A3E2-4A35-9040-9189BA4FAB1E}" type="presParOf" srcId="{E9272DBB-2D6C-4A90-9286-392A95F3A2BD}" destId="{7B0C6284-33F9-43F4-B7E4-38E92E241623}" srcOrd="4" destOrd="0" presId="urn:microsoft.com/office/officeart/2005/8/layout/list1"/>
+    <dgm:cxn modelId="{63C485E7-1E89-413F-B4B3-74D9CB082D0B}" type="presParOf" srcId="{7B0C6284-33F9-43F4-B7E4-38E92E241623}" destId="{5E486EC8-A0F0-401E-97A1-772E5AF10D9A}" srcOrd="0" destOrd="0" presId="urn:microsoft.com/office/officeart/2005/8/layout/list1"/>
+    <dgm:cxn modelId="{D0164D21-4FA2-4937-8F7C-9903976BAD8E}" type="presParOf" srcId="{7B0C6284-33F9-43F4-B7E4-38E92E241623}" destId="{00413630-CD6F-4285-B5A4-275B8238A3C6}" srcOrd="1" destOrd="0" presId="urn:microsoft.com/office/officeart/2005/8/layout/list1"/>
+    <dgm:cxn modelId="{1DC68797-2E80-4ED6-AD99-1132565943F6}" type="presParOf" srcId="{E9272DBB-2D6C-4A90-9286-392A95F3A2BD}" destId="{C0BFA1ED-C4DC-49DA-98B1-F246F407008F}" srcOrd="5" destOrd="0" presId="urn:microsoft.com/office/officeart/2005/8/layout/list1"/>
+    <dgm:cxn modelId="{0E7A1139-8F59-4858-9AB8-7B8C76A426D3}" type="presParOf" srcId="{E9272DBB-2D6C-4A90-9286-392A95F3A2BD}" destId="{83C7E223-8604-411D-850F-9896621A0F2F}" srcOrd="6" destOrd="0" presId="urn:microsoft.com/office/officeart/2005/8/layout/list1"/>
+    <dgm:cxn modelId="{EC9324FB-0025-4C77-956D-6A129FA25D7D}" type="presParOf" srcId="{E9272DBB-2D6C-4A90-9286-392A95F3A2BD}" destId="{E171E4F6-50B4-427B-8D75-CA6ACB26FC62}" srcOrd="7" destOrd="0" presId="urn:microsoft.com/office/officeart/2005/8/layout/list1"/>
+    <dgm:cxn modelId="{44D77C39-C27B-4DF2-8065-B34A8D4D283C}" type="presParOf" srcId="{E9272DBB-2D6C-4A90-9286-392A95F3A2BD}" destId="{10B2C37F-426F-49FE-80E5-E9EAC1026A9D}" srcOrd="8" destOrd="0" presId="urn:microsoft.com/office/officeart/2005/8/layout/list1"/>
+    <dgm:cxn modelId="{D40FEF49-5156-40F0-92D1-4D4564991B91}" type="presParOf" srcId="{10B2C37F-426F-49FE-80E5-E9EAC1026A9D}" destId="{6FCC2C02-F1B0-47B8-81C0-1D3867CFDB7E}" srcOrd="0" destOrd="0" presId="urn:microsoft.com/office/officeart/2005/8/layout/list1"/>
+    <dgm:cxn modelId="{133CC5BA-35DE-482C-B207-3F7B032FB2A8}" type="presParOf" srcId="{10B2C37F-426F-49FE-80E5-E9EAC1026A9D}" destId="{BFC5CB00-4EAD-440C-B68A-FD1E0A63E1E7}" srcOrd="1" destOrd="0" presId="urn:microsoft.com/office/officeart/2005/8/layout/list1"/>
+    <dgm:cxn modelId="{A55B1352-EA10-4E4B-8F1F-7A062DB8CD86}" type="presParOf" srcId="{E9272DBB-2D6C-4A90-9286-392A95F3A2BD}" destId="{15022403-9FFF-4920-BAE0-6027B6C4D0CE}" srcOrd="9" destOrd="0" presId="urn:microsoft.com/office/officeart/2005/8/layout/list1"/>
+    <dgm:cxn modelId="{1AF98265-BFCD-4014-A43B-EA55251D2624}" type="presParOf" srcId="{E9272DBB-2D6C-4A90-9286-392A95F3A2BD}" destId="{E02ECDBA-6982-45A0-87B9-6E788424EB4C}" srcOrd="10" destOrd="0" presId="urn:microsoft.com/office/officeart/2005/8/layout/list1"/>
+    <dgm:cxn modelId="{AB966C6F-B947-47BD-A33F-23E04CA81051}" type="presParOf" srcId="{E9272DBB-2D6C-4A90-9286-392A95F3A2BD}" destId="{19DDB678-04C1-4A85-81D3-D640D54536E3}" srcOrd="11" destOrd="0" presId="urn:microsoft.com/office/officeart/2005/8/layout/list1"/>
+    <dgm:cxn modelId="{EF5B3752-5DB9-4506-BD1D-CFF624AAE328}" type="presParOf" srcId="{E9272DBB-2D6C-4A90-9286-392A95F3A2BD}" destId="{2EE9DB0C-EFA3-40B3-A186-C99E3E25BF9A}" srcOrd="12" destOrd="0" presId="urn:microsoft.com/office/officeart/2005/8/layout/list1"/>
+    <dgm:cxn modelId="{2C76BA28-F8B8-47D1-B6C9-E6105CA53E77}" type="presParOf" srcId="{2EE9DB0C-EFA3-40B3-A186-C99E3E25BF9A}" destId="{2BA40631-E19F-43BB-B75E-FE9FD3DEC963}" srcOrd="0" destOrd="0" presId="urn:microsoft.com/office/officeart/2005/8/layout/list1"/>
+    <dgm:cxn modelId="{72B4EB27-0F6F-4966-BD6F-9AB2A999CBB1}" type="presParOf" srcId="{2EE9DB0C-EFA3-40B3-A186-C99E3E25BF9A}" destId="{FCCB04ED-DEAF-4E79-BABB-FD4A6BF7C968}" srcOrd="1" destOrd="0" presId="urn:microsoft.com/office/officeart/2005/8/layout/list1"/>
+    <dgm:cxn modelId="{D8B8851C-B4B6-4020-8707-A308B016F4AA}" type="presParOf" srcId="{E9272DBB-2D6C-4A90-9286-392A95F3A2BD}" destId="{42869384-69AB-4B59-B3C7-2253B6D88C3B}" srcOrd="13" destOrd="0" presId="urn:microsoft.com/office/officeart/2005/8/layout/list1"/>
+    <dgm:cxn modelId="{71C6E35D-590B-442B-9BA8-F69892F56D75}" type="presParOf" srcId="{E9272DBB-2D6C-4A90-9286-392A95F3A2BD}" destId="{792B327A-87F9-4C15-8E9E-43F0FAEA00FB}" srcOrd="14" destOrd="0" presId="urn:microsoft.com/office/officeart/2005/8/layout/list1"/>
+    <dgm:cxn modelId="{3D6549AD-811A-46B2-80C8-85B15800C676}" type="presParOf" srcId="{E9272DBB-2D6C-4A90-9286-392A95F3A2BD}" destId="{39773E99-AADF-4D3C-AFD8-AF6C53CA6B93}" srcOrd="15" destOrd="0" presId="urn:microsoft.com/office/officeart/2005/8/layout/list1"/>
+    <dgm:cxn modelId="{EB5C7786-E214-4DF0-BD52-8319ABE61661}" type="presParOf" srcId="{E9272DBB-2D6C-4A90-9286-392A95F3A2BD}" destId="{00480373-E4FA-4B0A-84BE-6B5886B220CB}" srcOrd="16" destOrd="0" presId="urn:microsoft.com/office/officeart/2005/8/layout/list1"/>
+    <dgm:cxn modelId="{9A68CE41-9274-4DC9-8A34-634846C206C2}" type="presParOf" srcId="{00480373-E4FA-4B0A-84BE-6B5886B220CB}" destId="{D598E3DC-6EC7-472E-B182-351020995CD2}" srcOrd="0" destOrd="0" presId="urn:microsoft.com/office/officeart/2005/8/layout/list1"/>
+    <dgm:cxn modelId="{014C2EA7-B87B-48AB-BC15-195E7722135C}" type="presParOf" srcId="{00480373-E4FA-4B0A-84BE-6B5886B220CB}" destId="{679ECB79-E4C8-45C1-BCF5-7A96F922AE3A}" srcOrd="1" destOrd="0" presId="urn:microsoft.com/office/officeart/2005/8/layout/list1"/>
+    <dgm:cxn modelId="{0344483E-5D57-4635-AC4B-FDCC5592EE38}" type="presParOf" srcId="{E9272DBB-2D6C-4A90-9286-392A95F3A2BD}" destId="{2F00D0E8-2DB1-4336-AC99-C910334F6F36}" srcOrd="17" destOrd="0" presId="urn:microsoft.com/office/officeart/2005/8/layout/list1"/>
+    <dgm:cxn modelId="{72D19A62-6888-4C5B-8E17-FE555194239E}" type="presParOf" srcId="{E9272DBB-2D6C-4A90-9286-392A95F3A2BD}" destId="{F91EA70D-CE80-424A-A2E9-DA4113EF35A4}" srcOrd="18" destOrd="0" presId="urn:microsoft.com/office/officeart/2005/8/layout/list1"/>
   </dgm:cxnLst>
   <dgm:bg/>
   <dgm:whole/>
@@ -1128,15 +1764,15 @@
       <dsp:cNvGrpSpPr/>
     </dsp:nvGrpSpPr>
     <dsp:grpSpPr/>
-    <dsp:sp modelId="{F25EA0A9-B79F-4A26-8FB8-EC72DD6C8279}">
+    <dsp:sp modelId="{F4F3316C-7C9E-477A-95CC-6FAD826AC78D}">
       <dsp:nvSpPr>
         <dsp:cNvPr id="0" name=""/>
         <dsp:cNvSpPr/>
       </dsp:nvSpPr>
       <dsp:spPr>
         <a:xfrm>
-          <a:off x="0" y="231899"/>
-          <a:ext cx="6400800" cy="378000"/>
+          <a:off x="0" y="273929"/>
+          <a:ext cx="8686800" cy="1304100"/>
         </a:xfrm>
         <a:prstGeom prst="rect">
           <a:avLst/>
@@ -1175,16 +1811,83 @@
         </a:effectRef>
         <a:fontRef idx="minor"/>
       </dsp:style>
+      <dsp:txBody>
+        <a:bodyPr spcFirstLastPara="0" vert="horz" wrap="square" lIns="674192" tIns="374904" rIns="674192" bIns="128016" numCol="1" spcCol="1270" anchor="t" anchorCtr="0">
+          <a:noAutofit/>
+        </a:bodyPr>
+        <a:lstStyle/>
+        <a:p>
+          <a:pPr marL="171450" lvl="1" indent="-171450" algn="l" defTabSz="800100">
+            <a:lnSpc>
+              <a:spcPct val="90000"/>
+            </a:lnSpc>
+            <a:spcBef>
+              <a:spcPct val="0"/>
+            </a:spcBef>
+            <a:spcAft>
+              <a:spcPct val="15000"/>
+            </a:spcAft>
+            <a:buChar char="••"/>
+          </a:pPr>
+          <a:r>
+            <a:rPr lang="en-US" sz="1800" kern="1200" dirty="0" smtClean="0"/>
+            <a:t>who the stakeholders are and what they want</a:t>
+          </a:r>
+          <a:endParaRPr lang="en-US" sz="1800" kern="1200" dirty="0"/>
+        </a:p>
+        <a:p>
+          <a:pPr marL="171450" lvl="1" indent="-171450" algn="l" defTabSz="800100">
+            <a:lnSpc>
+              <a:spcPct val="90000"/>
+            </a:lnSpc>
+            <a:spcBef>
+              <a:spcPct val="0"/>
+            </a:spcBef>
+            <a:spcAft>
+              <a:spcPct val="15000"/>
+            </a:spcAft>
+            <a:buChar char="••"/>
+          </a:pPr>
+          <a:r>
+            <a:rPr lang="en-US" sz="1800" kern="1200" dirty="0" smtClean="0"/>
+            <a:t>Who the passengers are and what they want</a:t>
+          </a:r>
+          <a:endParaRPr lang="en-US" sz="1800" kern="1200" dirty="0"/>
+        </a:p>
+        <a:p>
+          <a:pPr marL="171450" lvl="1" indent="-171450" algn="l" defTabSz="800100">
+            <a:lnSpc>
+              <a:spcPct val="90000"/>
+            </a:lnSpc>
+            <a:spcBef>
+              <a:spcPct val="0"/>
+            </a:spcBef>
+            <a:spcAft>
+              <a:spcPct val="15000"/>
+            </a:spcAft>
+            <a:buChar char="••"/>
+          </a:pPr>
+          <a:r>
+            <a:rPr lang="en-US" sz="1800" kern="1200" dirty="0" smtClean="0"/>
+            <a:t>How our solution will help them with their problem .</a:t>
+          </a:r>
+          <a:endParaRPr lang="en-US" sz="1800" kern="1200" dirty="0"/>
+        </a:p>
+      </dsp:txBody>
+      <dsp:txXfrm>
+        <a:off x="0" y="273929"/>
+        <a:ext cx="8686800" cy="1304100"/>
+      </dsp:txXfrm>
     </dsp:sp>
-    <dsp:sp modelId="{3E994891-3FC7-4508-AA2C-6529F3B7F173}">
+    <dsp:sp modelId="{6C8870DD-F868-4EFE-974A-688CD09E4B30}">
       <dsp:nvSpPr>
         <dsp:cNvPr id="0" name=""/>
         <dsp:cNvSpPr/>
       </dsp:nvSpPr>
       <dsp:spPr>
         <a:xfrm>
-          <a:off x="320040" y="10499"/>
-          <a:ext cx="4480560" cy="442800"/>
+          <a:off x="447774" y="19052"/>
+          <a:ext cx="6080760" cy="531360"/>
         </a:xfrm>
         <a:prstGeom prst="roundRect">
           <a:avLst/>
@@ -1225,12 +1928,12 @@
         </a:fontRef>
       </dsp:style>
       <dsp:txBody>
-        <a:bodyPr spcFirstLastPara="0" vert="horz" wrap="square" lIns="169355" tIns="0" rIns="169355" bIns="0" numCol="1" spcCol="1270" anchor="ctr" anchorCtr="0">
+        <a:bodyPr spcFirstLastPara="0" vert="horz" wrap="square" lIns="229838" tIns="0" rIns="229838" bIns="0" numCol="1" spcCol="1270" anchor="ctr" anchorCtr="0">
           <a:noAutofit/>
         </a:bodyPr>
         <a:lstStyle/>
         <a:p>
-          <a:pPr lvl="0" algn="l" defTabSz="666750">
+          <a:pPr lvl="0" algn="l" defTabSz="800100">
             <a:lnSpc>
               <a:spcPct val="90000"/>
             </a:lnSpc>
@@ -1242,26 +1945,26 @@
             </a:spcAft>
           </a:pPr>
           <a:r>
-            <a:rPr lang="en-US" sz="1500" kern="1200" dirty="0" smtClean="0"/>
-            <a:t>test</a:t>
+            <a:rPr lang="en-US" sz="1800" kern="1200" dirty="0" smtClean="0"/>
+            <a:t>The vision document  Contains the general ideas of :</a:t>
           </a:r>
-          <a:endParaRPr lang="en-US" sz="1500" kern="1200" dirty="0"/>
+          <a:endParaRPr lang="en-US" sz="1800" kern="1200" dirty="0"/>
         </a:p>
       </dsp:txBody>
       <dsp:txXfrm>
-        <a:off x="320040" y="10499"/>
-        <a:ext cx="4480560" cy="442800"/>
+        <a:off x="447774" y="19052"/>
+        <a:ext cx="6080760" cy="531360"/>
       </dsp:txXfrm>
     </dsp:sp>
-    <dsp:sp modelId="{97E08C18-C4B8-4ADF-80F6-3405C893E2EF}">
+    <dsp:sp modelId="{83C7E223-8604-411D-850F-9896621A0F2F}">
       <dsp:nvSpPr>
         <dsp:cNvPr id="0" name=""/>
         <dsp:cNvSpPr/>
       </dsp:nvSpPr>
       <dsp:spPr>
         <a:xfrm>
-          <a:off x="0" y="912300"/>
-          <a:ext cx="6400800" cy="378000"/>
+          <a:off x="0" y="1940910"/>
+          <a:ext cx="8686800" cy="737100"/>
         </a:xfrm>
         <a:prstGeom prst="rect">
           <a:avLst/>
@@ -1300,16 +2003,45 @@
         </a:effectRef>
         <a:fontRef idx="minor"/>
       </dsp:style>
+      <dsp:txBody>
+        <a:bodyPr spcFirstLastPara="0" vert="horz" wrap="square" lIns="674192" tIns="374904" rIns="674192" bIns="128016" numCol="1" spcCol="1270" anchor="t" anchorCtr="0">
+          <a:noAutofit/>
+        </a:bodyPr>
+        <a:lstStyle/>
+        <a:p>
+          <a:pPr marL="171450" lvl="1" indent="-171450" algn="l" defTabSz="800100">
+            <a:lnSpc>
+              <a:spcPct val="90000"/>
+            </a:lnSpc>
+            <a:spcBef>
+              <a:spcPct val="0"/>
+            </a:spcBef>
+            <a:spcAft>
+              <a:spcPct val="15000"/>
+            </a:spcAft>
+            <a:buChar char="••"/>
+          </a:pPr>
+          <a:r>
+            <a:rPr lang="en-US" sz="1800" kern="1200" dirty="0" smtClean="0"/>
+            <a:t> the buses are not as reliable as needed by the passengers </a:t>
+          </a:r>
+          <a:endParaRPr lang="en-US" sz="1800" kern="1200" dirty="0"/>
+        </a:p>
+      </dsp:txBody>
+      <dsp:txXfrm>
+        <a:off x="0" y="1940910"/>
+        <a:ext cx="8686800" cy="737100"/>
+      </dsp:txXfrm>
     </dsp:sp>
-    <dsp:sp modelId="{C73A8D99-D548-4FBA-90A5-1413658EED22}">
+    <dsp:sp modelId="{00413630-CD6F-4285-B5A4-275B8238A3C6}">
       <dsp:nvSpPr>
         <dsp:cNvPr id="0" name=""/>
         <dsp:cNvSpPr/>
       </dsp:nvSpPr>
       <dsp:spPr>
         <a:xfrm>
-          <a:off x="320040" y="690899"/>
-          <a:ext cx="4480560" cy="442800"/>
+          <a:off x="434340" y="1675230"/>
+          <a:ext cx="6080760" cy="531360"/>
         </a:xfrm>
         <a:prstGeom prst="roundRect">
           <a:avLst/>
@@ -1350,12 +2082,12 @@
         </a:fontRef>
       </dsp:style>
       <dsp:txBody>
-        <a:bodyPr spcFirstLastPara="0" vert="horz" wrap="square" lIns="169355" tIns="0" rIns="169355" bIns="0" numCol="1" spcCol="1270" anchor="ctr" anchorCtr="0">
+        <a:bodyPr spcFirstLastPara="0" vert="horz" wrap="square" lIns="229838" tIns="0" rIns="229838" bIns="0" numCol="1" spcCol="1270" anchor="ctr" anchorCtr="0">
           <a:noAutofit/>
         </a:bodyPr>
         <a:lstStyle/>
         <a:p>
-          <a:pPr lvl="0" algn="l" defTabSz="666750">
+          <a:pPr lvl="0" algn="l" defTabSz="800100">
             <a:lnSpc>
               <a:spcPct val="90000"/>
             </a:lnSpc>
@@ -1366,23 +2098,27 @@
               <a:spcPct val="35000"/>
             </a:spcAft>
           </a:pPr>
-          <a:endParaRPr lang="en-US" sz="1500" kern="1200"/>
+          <a:r>
+            <a:rPr lang="en-US" sz="1800" kern="1200" dirty="0" smtClean="0"/>
+            <a:t>The main Issue:</a:t>
+          </a:r>
+          <a:endParaRPr lang="en-US" sz="1800" kern="1200" dirty="0"/>
         </a:p>
       </dsp:txBody>
       <dsp:txXfrm>
-        <a:off x="320040" y="690899"/>
-        <a:ext cx="4480560" cy="442800"/>
+        <a:off x="434340" y="1675230"/>
+        <a:ext cx="6080760" cy="531360"/>
       </dsp:txXfrm>
     </dsp:sp>
-    <dsp:sp modelId="{E1A35D26-FE76-4034-A3BB-EDBFAE5491D3}">
+    <dsp:sp modelId="{E02ECDBA-6982-45A0-87B9-6E788424EB4C}">
       <dsp:nvSpPr>
         <dsp:cNvPr id="0" name=""/>
         <dsp:cNvSpPr/>
       </dsp:nvSpPr>
       <dsp:spPr>
         <a:xfrm>
-          <a:off x="0" y="1592700"/>
-          <a:ext cx="6400800" cy="378000"/>
+          <a:off x="0" y="3040890"/>
+          <a:ext cx="8686800" cy="737100"/>
         </a:xfrm>
         <a:prstGeom prst="rect">
           <a:avLst/>
@@ -1421,16 +2157,45 @@
         </a:effectRef>
         <a:fontRef idx="minor"/>
       </dsp:style>
+      <dsp:txBody>
+        <a:bodyPr spcFirstLastPara="0" vert="horz" wrap="square" lIns="674192" tIns="374904" rIns="674192" bIns="128016" numCol="1" spcCol="1270" anchor="t" anchorCtr="0">
+          <a:noAutofit/>
+        </a:bodyPr>
+        <a:lstStyle/>
+        <a:p>
+          <a:pPr marL="171450" lvl="1" indent="-171450" algn="l" defTabSz="800100">
+            <a:lnSpc>
+              <a:spcPct val="90000"/>
+            </a:lnSpc>
+            <a:spcBef>
+              <a:spcPct val="0"/>
+            </a:spcBef>
+            <a:spcAft>
+              <a:spcPct val="15000"/>
+            </a:spcAft>
+            <a:buChar char="••"/>
+          </a:pPr>
+          <a:r>
+            <a:rPr lang="en-US" sz="1800" kern="1200" dirty="0" smtClean="0"/>
+            <a:t>Create a program that will do the following : </a:t>
+          </a:r>
+          <a:endParaRPr lang="en-US" sz="1800" kern="1200" dirty="0"/>
+        </a:p>
+      </dsp:txBody>
+      <dsp:txXfrm>
+        <a:off x="0" y="3040890"/>
+        <a:ext cx="8686800" cy="737100"/>
+      </dsp:txXfrm>
     </dsp:sp>
-    <dsp:sp modelId="{EBD7D697-3674-426C-A8D3-2E8F0E9669A1}">
+    <dsp:sp modelId="{BFC5CB00-4EAD-440C-B68A-FD1E0A63E1E7}">
       <dsp:nvSpPr>
         <dsp:cNvPr id="0" name=""/>
         <dsp:cNvSpPr/>
       </dsp:nvSpPr>
       <dsp:spPr>
         <a:xfrm>
-          <a:off x="320040" y="1371300"/>
-          <a:ext cx="4480560" cy="442800"/>
+          <a:off x="537326" y="2762250"/>
+          <a:ext cx="5919559" cy="531360"/>
         </a:xfrm>
         <a:prstGeom prst="roundRect">
           <a:avLst/>
@@ -1471,12 +2236,12 @@
         </a:fontRef>
       </dsp:style>
       <dsp:txBody>
-        <a:bodyPr spcFirstLastPara="0" vert="horz" wrap="square" lIns="169355" tIns="0" rIns="169355" bIns="0" numCol="1" spcCol="1270" anchor="ctr" anchorCtr="0">
+        <a:bodyPr spcFirstLastPara="0" vert="horz" wrap="square" lIns="229838" tIns="0" rIns="229838" bIns="0" numCol="1" spcCol="1270" anchor="ctr" anchorCtr="0">
           <a:noAutofit/>
         </a:bodyPr>
         <a:lstStyle/>
         <a:p>
-          <a:pPr lvl="0" algn="l" defTabSz="666750">
+          <a:pPr lvl="0" algn="l" defTabSz="800100">
             <a:lnSpc>
               <a:spcPct val="90000"/>
             </a:lnSpc>
@@ -1487,12 +2252,370 @@
               <a:spcPct val="35000"/>
             </a:spcAft>
           </a:pPr>
-          <a:endParaRPr lang="en-US" sz="1500" kern="1200"/>
+          <a:r>
+            <a:rPr lang="en-US" sz="1800" kern="1200" dirty="0" smtClean="0"/>
+            <a:t>The Solution :</a:t>
+          </a:r>
+          <a:endParaRPr lang="en-US" sz="1800" kern="1200" dirty="0"/>
         </a:p>
       </dsp:txBody>
       <dsp:txXfrm>
-        <a:off x="320040" y="1371300"/>
-        <a:ext cx="4480560" cy="442800"/>
+        <a:off x="537326" y="2762250"/>
+        <a:ext cx="5919559" cy="531360"/>
+      </dsp:txXfrm>
+    </dsp:sp>
+    <dsp:sp modelId="{792B327A-87F9-4C15-8E9E-43F0FAEA00FB}">
+      <dsp:nvSpPr>
+        <dsp:cNvPr id="0" name=""/>
+        <dsp:cNvSpPr/>
+      </dsp:nvSpPr>
+      <dsp:spPr>
+        <a:xfrm>
+          <a:off x="0" y="4140870"/>
+          <a:ext cx="8686800" cy="1020600"/>
+        </a:xfrm>
+        <a:prstGeom prst="rect">
+          <a:avLst/>
+        </a:prstGeom>
+        <a:solidFill>
+          <a:schemeClr val="lt1">
+            <a:alpha val="90000"/>
+            <a:hueOff val="0"/>
+            <a:satOff val="0"/>
+            <a:lumOff val="0"/>
+            <a:alphaOff val="0"/>
+          </a:schemeClr>
+        </a:solidFill>
+        <a:ln w="38100" cap="flat" cmpd="sng" algn="ctr">
+          <a:solidFill>
+            <a:schemeClr val="accent1">
+              <a:hueOff val="0"/>
+              <a:satOff val="0"/>
+              <a:lumOff val="0"/>
+              <a:alphaOff val="0"/>
+            </a:schemeClr>
+          </a:solidFill>
+          <a:prstDash val="solid"/>
+        </a:ln>
+        <a:effectLst/>
+      </dsp:spPr>
+      <dsp:style>
+        <a:lnRef idx="2">
+          <a:scrgbClr r="0" g="0" b="0"/>
+        </a:lnRef>
+        <a:fillRef idx="1">
+          <a:scrgbClr r="0" g="0" b="0"/>
+        </a:fillRef>
+        <a:effectRef idx="0">
+          <a:scrgbClr r="0" g="0" b="0"/>
+        </a:effectRef>
+        <a:fontRef idx="minor"/>
+      </dsp:style>
+      <dsp:txBody>
+        <a:bodyPr spcFirstLastPara="0" vert="horz" wrap="square" lIns="674192" tIns="374904" rIns="674192" bIns="128016" numCol="1" spcCol="1270" anchor="t" anchorCtr="0">
+          <a:noAutofit/>
+        </a:bodyPr>
+        <a:lstStyle/>
+        <a:p>
+          <a:pPr marL="171450" lvl="1" indent="-171450" algn="l" defTabSz="800100">
+            <a:lnSpc>
+              <a:spcPct val="90000"/>
+            </a:lnSpc>
+            <a:spcBef>
+              <a:spcPct val="0"/>
+            </a:spcBef>
+            <a:spcAft>
+              <a:spcPct val="15000"/>
+            </a:spcAft>
+            <a:buChar char="••"/>
+          </a:pPr>
+          <a:r>
+            <a:rPr lang="en-US" sz="1800" kern="1200" dirty="0" smtClean="0"/>
+            <a:t>When last bus left. </a:t>
+          </a:r>
+          <a:endParaRPr lang="en-US" sz="1800" kern="1200" dirty="0"/>
+        </a:p>
+        <a:p>
+          <a:pPr marL="171450" lvl="1" indent="-171450" algn="l" defTabSz="800100">
+            <a:lnSpc>
+              <a:spcPct val="90000"/>
+            </a:lnSpc>
+            <a:spcBef>
+              <a:spcPct val="0"/>
+            </a:spcBef>
+            <a:spcAft>
+              <a:spcPct val="15000"/>
+            </a:spcAft>
+            <a:buChar char="••"/>
+          </a:pPr>
+          <a:r>
+            <a:rPr lang="en-US" sz="1800" kern="1200" dirty="0" smtClean="0"/>
+            <a:t>When the next bus is due.</a:t>
+          </a:r>
+          <a:endParaRPr lang="en-US" sz="1800" kern="1200" dirty="0"/>
+        </a:p>
+      </dsp:txBody>
+      <dsp:txXfrm>
+        <a:off x="0" y="4140870"/>
+        <a:ext cx="8686800" cy="1020600"/>
+      </dsp:txXfrm>
+    </dsp:sp>
+    <dsp:sp modelId="{FCCB04ED-DEAF-4E79-BABB-FD4A6BF7C968}">
+      <dsp:nvSpPr>
+        <dsp:cNvPr id="0" name=""/>
+        <dsp:cNvSpPr/>
+      </dsp:nvSpPr>
+      <dsp:spPr>
+        <a:xfrm>
+          <a:off x="2105871" y="3916678"/>
+          <a:ext cx="5812902" cy="531360"/>
+        </a:xfrm>
+        <a:prstGeom prst="roundRect">
+          <a:avLst/>
+        </a:prstGeom>
+        <a:solidFill>
+          <a:schemeClr val="accent1">
+            <a:hueOff val="0"/>
+            <a:satOff val="0"/>
+            <a:lumOff val="0"/>
+            <a:alphaOff val="0"/>
+          </a:schemeClr>
+        </a:solidFill>
+        <a:ln w="38100" cap="flat" cmpd="sng" algn="ctr">
+          <a:solidFill>
+            <a:schemeClr val="lt1">
+              <a:hueOff val="0"/>
+              <a:satOff val="0"/>
+              <a:lumOff val="0"/>
+              <a:alphaOff val="0"/>
+            </a:schemeClr>
+          </a:solidFill>
+          <a:prstDash val="solid"/>
+        </a:ln>
+        <a:effectLst/>
+      </dsp:spPr>
+      <dsp:style>
+        <a:lnRef idx="2">
+          <a:scrgbClr r="0" g="0" b="0"/>
+        </a:lnRef>
+        <a:fillRef idx="1">
+          <a:scrgbClr r="0" g="0" b="0"/>
+        </a:fillRef>
+        <a:effectRef idx="0">
+          <a:scrgbClr r="0" g="0" b="0"/>
+        </a:effectRef>
+        <a:fontRef idx="minor">
+          <a:schemeClr val="lt1"/>
+        </a:fontRef>
+      </dsp:style>
+      <dsp:txBody>
+        <a:bodyPr spcFirstLastPara="0" vert="horz" wrap="square" lIns="229838" tIns="0" rIns="229838" bIns="0" numCol="1" spcCol="1270" anchor="ctr" anchorCtr="0">
+          <a:noAutofit/>
+        </a:bodyPr>
+        <a:lstStyle/>
+        <a:p>
+          <a:pPr lvl="0" algn="l" defTabSz="800100">
+            <a:lnSpc>
+              <a:spcPct val="90000"/>
+            </a:lnSpc>
+            <a:spcBef>
+              <a:spcPct val="0"/>
+            </a:spcBef>
+            <a:spcAft>
+              <a:spcPct val="35000"/>
+            </a:spcAft>
+          </a:pPr>
+          <a:r>
+            <a:rPr lang="en-US" sz="1800" kern="1200" dirty="0" smtClean="0"/>
+            <a:t>Give the knowledge of Buses (for the passenger)</a:t>
+          </a:r>
+          <a:endParaRPr lang="en-US" sz="1800" kern="1200" dirty="0"/>
+        </a:p>
+      </dsp:txBody>
+      <dsp:txXfrm>
+        <a:off x="2105871" y="3916678"/>
+        <a:ext cx="5812902" cy="531360"/>
+      </dsp:txXfrm>
+    </dsp:sp>
+    <dsp:sp modelId="{F91EA70D-CE80-424A-A2E9-DA4113EF35A4}">
+      <dsp:nvSpPr>
+        <dsp:cNvPr id="0" name=""/>
+        <dsp:cNvSpPr/>
+      </dsp:nvSpPr>
+      <dsp:spPr>
+        <a:xfrm>
+          <a:off x="0" y="5532600"/>
+          <a:ext cx="8686800" cy="1020600"/>
+        </a:xfrm>
+        <a:prstGeom prst="rect">
+          <a:avLst/>
+        </a:prstGeom>
+        <a:solidFill>
+          <a:schemeClr val="lt1">
+            <a:alpha val="90000"/>
+            <a:hueOff val="0"/>
+            <a:satOff val="0"/>
+            <a:lumOff val="0"/>
+            <a:alphaOff val="0"/>
+          </a:schemeClr>
+        </a:solidFill>
+        <a:ln w="38100" cap="flat" cmpd="sng" algn="ctr">
+          <a:solidFill>
+            <a:schemeClr val="accent1">
+              <a:hueOff val="0"/>
+              <a:satOff val="0"/>
+              <a:lumOff val="0"/>
+              <a:alphaOff val="0"/>
+            </a:schemeClr>
+          </a:solidFill>
+          <a:prstDash val="solid"/>
+        </a:ln>
+        <a:effectLst/>
+      </dsp:spPr>
+      <dsp:style>
+        <a:lnRef idx="2">
+          <a:scrgbClr r="0" g="0" b="0"/>
+        </a:lnRef>
+        <a:fillRef idx="1">
+          <a:scrgbClr r="0" g="0" b="0"/>
+        </a:fillRef>
+        <a:effectRef idx="0">
+          <a:scrgbClr r="0" g="0" b="0"/>
+        </a:effectRef>
+        <a:fontRef idx="minor"/>
+      </dsp:style>
+      <dsp:txBody>
+        <a:bodyPr spcFirstLastPara="0" vert="horz" wrap="square" lIns="674192" tIns="374904" rIns="674192" bIns="128016" numCol="1" spcCol="1270" anchor="t" anchorCtr="0">
+          <a:noAutofit/>
+        </a:bodyPr>
+        <a:lstStyle/>
+        <a:p>
+          <a:pPr marL="171450" lvl="1" indent="-171450" algn="l" defTabSz="800100">
+            <a:lnSpc>
+              <a:spcPct val="90000"/>
+            </a:lnSpc>
+            <a:spcBef>
+              <a:spcPct val="0"/>
+            </a:spcBef>
+            <a:spcAft>
+              <a:spcPct val="15000"/>
+            </a:spcAft>
+            <a:buChar char="••"/>
+          </a:pPr>
+          <a:r>
+            <a:rPr lang="en-US" sz="1800" kern="1200" dirty="0" smtClean="0"/>
+            <a:t>How many potential passengers are at the stops?</a:t>
+          </a:r>
+          <a:endParaRPr lang="en-US" sz="1800" kern="1200" dirty="0"/>
+        </a:p>
+        <a:p>
+          <a:pPr marL="171450" lvl="1" indent="-171450" algn="l" defTabSz="800100">
+            <a:lnSpc>
+              <a:spcPct val="90000"/>
+            </a:lnSpc>
+            <a:spcBef>
+              <a:spcPct val="0"/>
+            </a:spcBef>
+            <a:spcAft>
+              <a:spcPct val="15000"/>
+            </a:spcAft>
+            <a:buChar char="••"/>
+          </a:pPr>
+          <a:r>
+            <a:rPr lang="en-US" sz="1800" kern="1200" dirty="0" smtClean="0"/>
+            <a:t>How many passengers are on the buses ?</a:t>
+          </a:r>
+          <a:endParaRPr lang="en-US" sz="1800" kern="1200" dirty="0"/>
+        </a:p>
+      </dsp:txBody>
+      <dsp:txXfrm>
+        <a:off x="0" y="5532600"/>
+        <a:ext cx="8686800" cy="1020600"/>
+      </dsp:txXfrm>
+    </dsp:sp>
+    <dsp:sp modelId="{679ECB79-E4C8-45C1-BCF5-7A96F922AE3A}">
+      <dsp:nvSpPr>
+        <dsp:cNvPr id="0" name=""/>
+        <dsp:cNvSpPr/>
+      </dsp:nvSpPr>
+      <dsp:spPr>
+        <a:xfrm>
+          <a:off x="2193616" y="5196840"/>
+          <a:ext cx="6080760" cy="531360"/>
+        </a:xfrm>
+        <a:prstGeom prst="roundRect">
+          <a:avLst/>
+        </a:prstGeom>
+        <a:solidFill>
+          <a:schemeClr val="accent1">
+            <a:hueOff val="0"/>
+            <a:satOff val="0"/>
+            <a:lumOff val="0"/>
+            <a:alphaOff val="0"/>
+          </a:schemeClr>
+        </a:solidFill>
+        <a:ln w="38100" cap="flat" cmpd="sng" algn="ctr">
+          <a:solidFill>
+            <a:schemeClr val="lt1">
+              <a:hueOff val="0"/>
+              <a:satOff val="0"/>
+              <a:lumOff val="0"/>
+              <a:alphaOff val="0"/>
+            </a:schemeClr>
+          </a:solidFill>
+          <a:prstDash val="solid"/>
+        </a:ln>
+        <a:effectLst/>
+      </dsp:spPr>
+      <dsp:style>
+        <a:lnRef idx="2">
+          <a:scrgbClr r="0" g="0" b="0"/>
+        </a:lnRef>
+        <a:fillRef idx="1">
+          <a:scrgbClr r="0" g="0" b="0"/>
+        </a:fillRef>
+        <a:effectRef idx="0">
+          <a:scrgbClr r="0" g="0" b="0"/>
+        </a:effectRef>
+        <a:fontRef idx="minor">
+          <a:schemeClr val="lt1"/>
+        </a:fontRef>
+      </dsp:style>
+      <dsp:txBody>
+        <a:bodyPr spcFirstLastPara="0" vert="horz" wrap="square" lIns="229838" tIns="0" rIns="229838" bIns="0" numCol="1" spcCol="1270" anchor="ctr" anchorCtr="0">
+          <a:noAutofit/>
+        </a:bodyPr>
+        <a:lstStyle/>
+        <a:p>
+          <a:pPr lvl="0" algn="l" defTabSz="800100">
+            <a:lnSpc>
+              <a:spcPct val="90000"/>
+            </a:lnSpc>
+            <a:spcBef>
+              <a:spcPct val="0"/>
+            </a:spcBef>
+            <a:spcAft>
+              <a:spcPct val="35000"/>
+            </a:spcAft>
+          </a:pPr>
+          <a:r>
+            <a:rPr lang="en-US" sz="1800" kern="1200" dirty="0" smtClean="0"/>
+            <a:t>Provide </a:t>
+          </a:r>
+          <a:r>
+            <a:rPr lang="en-US" sz="1800" i="1" kern="1200" dirty="0" smtClean="0"/>
+            <a:t>Passenger Information </a:t>
+          </a:r>
+          <a:r>
+            <a:rPr lang="en-US" sz="1800" kern="1200" dirty="0" smtClean="0"/>
+            <a:t>(for the administrators). </a:t>
+          </a:r>
+          <a:endParaRPr lang="en-US" sz="1800" kern="1200" dirty="0"/>
+        </a:p>
+      </dsp:txBody>
+      <dsp:txXfrm>
+        <a:off x="2193616" y="5196840"/>
+        <a:ext cx="6080760" cy="531360"/>
       </dsp:txXfrm>
     </dsp:sp>
   </dsp:spTree>
@@ -2840,7 +3963,8 @@
           <a:p>
             <a:fld id="{A201E73C-6F5C-424C-8AAA-DFB631002592}" type="datetimeFigureOut">
               <a:rPr lang="en-US" smtClean="0"/>
-              <a:t>3/16/2012</a:t>
+              <a:pPr/>
+              <a:t>3/20/2012</a:t>
             </a:fld>
             <a:endParaRPr lang="en-US"/>
           </a:p>
@@ -3001,6 +4125,7 @@
           <a:p>
             <a:fld id="{D2C20754-2859-45A8-8015-4CC934F73286}" type="slidenum">
               <a:rPr lang="en-US" smtClean="0"/>
+              <a:pPr/>
               <a:t>‹#›</a:t>
             </a:fld>
             <a:endParaRPr lang="en-US"/>
@@ -3172,7 +4297,8 @@
           <a:p>
             <a:fld id="{D2C20754-2859-45A8-8015-4CC934F73286}" type="slidenum">
               <a:rPr lang="en-US" smtClean="0"/>
-              <a:t>2</a:t>
+              <a:pPr/>
+              <a:t>1</a:t>
             </a:fld>
             <a:endParaRPr lang="en-US"/>
           </a:p>
@@ -3220,7 +4346,8 @@
           <a:p>
             <a:fld id="{02457259-08D9-41C8-9292-106002D02644}" type="datetime1">
               <a:rPr lang="en-US" smtClean="0"/>
-              <a:t>3/16/2012</a:t>
+              <a:pPr/>
+              <a:t>3/20/2012</a:t>
             </a:fld>
             <a:endParaRPr lang="en-US"/>
           </a:p>
@@ -3262,6 +4389,7 @@
           <a:p>
             <a:fld id="{5AA9F0AF-4E0E-4166-BABF-1BA966AE8628}" type="slidenum">
               <a:rPr lang="en-US" smtClean="0"/>
+              <a:pPr/>
               <a:t>‹#›</a:t>
             </a:fld>
             <a:endParaRPr lang="en-US" dirty="0"/>
@@ -3392,7 +4520,8 @@
           <a:p>
             <a:fld id="{325F140D-A13A-46FC-9F61-D90FA4B17A95}" type="datetime1">
               <a:rPr lang="en-US" smtClean="0"/>
-              <a:t>3/16/2012</a:t>
+              <a:pPr/>
+              <a:t>3/20/2012</a:t>
             </a:fld>
             <a:endParaRPr lang="en-US"/>
           </a:p>
@@ -3634,7 +4763,8 @@
           <a:p>
             <a:fld id="{703E8025-8E2D-4D0D-AD35-AEF7F9FA2A5C}" type="datetime1">
               <a:rPr lang="en-US" smtClean="0"/>
-              <a:t>3/16/2012</a:t>
+              <a:pPr/>
+              <a:t>3/20/2012</a:t>
             </a:fld>
             <a:endParaRPr lang="en-US"/>
           </a:p>
@@ -3918,7 +5048,8 @@
           <a:p>
             <a:fld id="{2F3B8C18-4A8A-4088-A495-52BD160FF0F0}" type="datetime1">
               <a:rPr lang="en-US" smtClean="0"/>
-              <a:t>3/16/2012</a:t>
+              <a:pPr/>
+              <a:t>3/20/2012</a:t>
             </a:fld>
             <a:endParaRPr lang="en-US"/>
           </a:p>
@@ -4336,7 +5467,8 @@
           <a:p>
             <a:fld id="{4B29AFA3-FC8B-4265-9A29-01AB897EBB77}" type="datetime1">
               <a:rPr lang="en-US" smtClean="0"/>
-              <a:t>3/16/2012</a:t>
+              <a:pPr/>
+              <a:t>3/20/2012</a:t>
             </a:fld>
             <a:endParaRPr lang="en-US"/>
           </a:p>
@@ -4450,7 +5582,8 @@
           <a:p>
             <a:fld id="{CD1C773E-B9F2-4B0C-8C62-20798607D466}" type="datetime1">
               <a:rPr lang="en-US" smtClean="0"/>
-              <a:t>3/16/2012</a:t>
+              <a:pPr/>
+              <a:t>3/20/2012</a:t>
             </a:fld>
             <a:endParaRPr lang="en-US"/>
           </a:p>
@@ -4541,7 +5674,8 @@
           <a:p>
             <a:fld id="{911F04A4-BB92-43C7-BD7C-B26625321B3F}" type="datetime1">
               <a:rPr lang="en-US" smtClean="0"/>
-              <a:t>3/16/2012</a:t>
+              <a:pPr/>
+              <a:t>3/20/2012</a:t>
             </a:fld>
             <a:endParaRPr lang="en-US"/>
           </a:p>
@@ -4814,7 +5948,8 @@
           <a:p>
             <a:fld id="{081C5804-C814-4EDD-980D-EFFDC181840F}" type="datetime1">
               <a:rPr lang="en-US" smtClean="0"/>
-              <a:t>3/16/2012</a:t>
+              <a:pPr/>
+              <a:t>3/20/2012</a:t>
             </a:fld>
             <a:endParaRPr lang="en-US"/>
           </a:p>
@@ -5063,7 +6198,8 @@
           <a:p>
             <a:fld id="{CB1B9C3A-9A4F-4163-A9C5-F55B52C1F6F4}" type="datetime1">
               <a:rPr lang="en-US" smtClean="0"/>
-              <a:t>3/16/2012</a:t>
+              <a:pPr/>
+              <a:t>3/20/2012</a:t>
             </a:fld>
             <a:endParaRPr lang="en-US"/>
           </a:p>
@@ -5291,7 +6427,8 @@
           <a:p>
             <a:fld id="{491CEF5D-9F60-4BCC-8A7A-292C75E624A5}" type="datetime1">
               <a:rPr lang="en-US" smtClean="0"/>
-              <a:t>3/16/2012</a:t>
+              <a:pPr/>
+              <a:t>3/20/2012</a:t>
             </a:fld>
             <a:endParaRPr lang="en-US"/>
           </a:p>
@@ -5709,129 +6846,6 @@
           </a:p>
         </p:txBody>
       </p:sp>
-      <p:sp>
-        <p:nvSpPr>
-          <p:cNvPr id="4" name="Slide Number Placeholder 3"/>
-          <p:cNvSpPr>
-            <a:spLocks noGrp="1"/>
-          </p:cNvSpPr>
-          <p:nvPr>
-            <p:ph type="sldNum" sz="quarter" idx="12"/>
-          </p:nvPr>
-        </p:nvSpPr>
-        <p:spPr/>
-        <p:txBody>
-          <a:bodyPr/>
-          <a:lstStyle/>
-          <a:p>
-            <a:fld id="{5AA9F0AF-4E0E-4166-BABF-1BA966AE8628}" type="slidenum">
-              <a:rPr lang="en-US" smtClean="0"/>
-              <a:t>1</a:t>
-            </a:fld>
-            <a:endParaRPr lang="en-US" dirty="0"/>
-          </a:p>
-        </p:txBody>
-      </p:sp>
-      <p:graphicFrame>
-        <p:nvGraphicFramePr>
-          <p:cNvPr id="5" name="Object 4"/>
-          <p:cNvGraphicFramePr>
-            <a:graphicFrameLocks/>
-          </p:cNvGraphicFramePr>
-          <p:nvPr/>
-        </p:nvGraphicFramePr>
-        <p:xfrm>
-          <a:off x="1524000" y="838200"/>
-          <a:ext cx="6096000" cy="4064000"/>
-        </p:xfrm>
-        <a:graphic>
-          <a:graphicData uri="http://schemas.openxmlformats.org/presentationml/2006/ole">
-            <p:oleObj spid="_x0000_s2050" name="Acrobat Document" r:id="rId3" imgW="0" imgH="0" progId="AcroExch.Document.7">
-              <p:embed/>
-            </p:oleObj>
-          </a:graphicData>
-        </a:graphic>
-      </p:graphicFrame>
-    </p:spTree>
-  </p:cSld>
-  <p:clrMapOvr>
-    <a:masterClrMapping/>
-  </p:clrMapOvr>
-  <p:timing>
-    <p:tnLst>
-      <p:par>
-        <p:cTn id="1" dur="indefinite" restart="never" nodeType="tmRoot"/>
-      </p:par>
-    </p:tnLst>
-  </p:timing>
-</p:sld>
-</file>
-
-<file path=ppt/slides/slide2.xml><?xml version="1.0" encoding="utf-8"?>
-<p:sld xmlns:a="http://schemas.openxmlformats.org/drawingml/2006/main" xmlns:r="http://schemas.openxmlformats.org/officeDocument/2006/relationships" xmlns:p="http://schemas.openxmlformats.org/presentationml/2006/main">
-  <p:cSld>
-    <p:spTree>
-      <p:nvGrpSpPr>
-        <p:cNvPr id="1" name=""/>
-        <p:cNvGrpSpPr/>
-        <p:nvPr/>
-      </p:nvGrpSpPr>
-      <p:grpSpPr>
-        <a:xfrm>
-          <a:off x="0" y="0"/>
-          <a:ext cx="0" cy="0"/>
-          <a:chOff x="0" y="0"/>
-          <a:chExt cx="0" cy="0"/>
-        </a:xfrm>
-      </p:grpSpPr>
-      <p:sp>
-        <p:nvSpPr>
-          <p:cNvPr id="2" name="Title 1"/>
-          <p:cNvSpPr>
-            <a:spLocks noGrp="1"/>
-          </p:cNvSpPr>
-          <p:nvPr>
-            <p:ph type="ctrTitle" idx="4294967295"/>
-          </p:nvPr>
-        </p:nvSpPr>
-        <p:spPr>
-          <a:xfrm>
-            <a:off x="685800" y="2130425"/>
-            <a:ext cx="7772400" cy="1470025"/>
-          </a:xfrm>
-        </p:spPr>
-        <p:txBody>
-          <a:bodyPr/>
-          <a:lstStyle/>
-          <a:p>
-            <a:endParaRPr lang="en-US" dirty="0"/>
-          </a:p>
-        </p:txBody>
-      </p:sp>
-      <p:sp>
-        <p:nvSpPr>
-          <p:cNvPr id="3" name="Subtitle 2"/>
-          <p:cNvSpPr>
-            <a:spLocks noGrp="1"/>
-          </p:cNvSpPr>
-          <p:nvPr>
-            <p:ph type="subTitle" idx="4294967295"/>
-          </p:nvPr>
-        </p:nvSpPr>
-        <p:spPr>
-          <a:xfrm>
-            <a:off x="1371600" y="3886200"/>
-            <a:ext cx="6400800" cy="1752600"/>
-          </a:xfrm>
-        </p:spPr>
-        <p:txBody>
-          <a:bodyPr/>
-          <a:lstStyle/>
-          <a:p>
-            <a:endParaRPr lang="en-US" dirty="0"/>
-          </a:p>
-        </p:txBody>
-      </p:sp>
       <p:graphicFrame>
         <p:nvGraphicFramePr>
           <p:cNvPr id="5" name="SmartArt Placeholder 4"/>
@@ -5843,8 +6857,8 @@
           </p:nvPr>
         </p:nvGraphicFramePr>
         <p:xfrm>
-          <a:off x="1371600" y="152400"/>
-          <a:ext cx="6400800" cy="1981200"/>
+          <a:off x="228600" y="152400"/>
+          <a:ext cx="8686800" cy="6553200"/>
         </p:xfrm>
         <a:graphic>
           <a:graphicData uri="http://schemas.openxmlformats.org/drawingml/2006/diagram">
@@ -5867,14 +6881,6 @@
           <a:bodyPr/>
           <a:lstStyle/>
           <a:p>
-            <a:fld id="{5AA9F0AF-4E0E-4166-BABF-1BA966AE8628}" type="slidenum">
-              <a:rPr lang="en-US" smtClean="0">
-                <a:solidFill>
-                  <a:schemeClr val="tx1"/>
-                </a:solidFill>
-              </a:rPr>
-              <a:t>2</a:t>
-            </a:fld>
             <a:endParaRPr lang="en-US" dirty="0">
               <a:solidFill>
                 <a:schemeClr val="tx1"/>
@@ -5891,9 +6897,90 @@
   <p:timing>
     <p:tnLst>
       <p:par>
-        <p:cTn id="1" dur="indefinite" restart="never" nodeType="tmRoot"/>
+        <p:cTn id="1" dur="indefinite" restart="never" nodeType="tmRoot">
+          <p:childTnLst>
+            <p:seq concurrent="1" nextAc="seek">
+              <p:cTn id="2" dur="indefinite" nodeType="mainSeq">
+                <p:childTnLst>
+                  <p:par>
+                    <p:cTn id="3" fill="hold">
+                      <p:stCondLst>
+                        <p:cond delay="indefinite"/>
+                      </p:stCondLst>
+                      <p:childTnLst>
+                        <p:par>
+                          <p:cTn id="4" fill="hold">
+                            <p:stCondLst>
+                              <p:cond delay="0"/>
+                            </p:stCondLst>
+                            <p:childTnLst>
+                              <p:par>
+                                <p:cTn id="5" presetID="10" presetClass="entr" presetSubtype="0" fill="hold" grpId="0" nodeType="clickEffect">
+                                  <p:stCondLst>
+                                    <p:cond delay="0"/>
+                                  </p:stCondLst>
+                                  <p:childTnLst>
+                                    <p:set>
+                                      <p:cBhvr>
+                                        <p:cTn id="6" dur="1" fill="hold">
+                                          <p:stCondLst>
+                                            <p:cond delay="0"/>
+                                          </p:stCondLst>
+                                        </p:cTn>
+                                        <p:tgtEl>
+                                          <p:spTgt spid="5"/>
+                                        </p:tgtEl>
+                                        <p:attrNameLst>
+                                          <p:attrName>style.visibility</p:attrName>
+                                        </p:attrNameLst>
+                                      </p:cBhvr>
+                                      <p:to>
+                                        <p:strVal val="visible"/>
+                                      </p:to>
+                                    </p:set>
+                                    <p:animEffect transition="in" filter="fade">
+                                      <p:cBhvr>
+                                        <p:cTn id="7" dur="500"/>
+                                        <p:tgtEl>
+                                          <p:spTgt spid="5"/>
+                                        </p:tgtEl>
+                                      </p:cBhvr>
+                                    </p:animEffect>
+                                  </p:childTnLst>
+                                </p:cTn>
+                              </p:par>
+                            </p:childTnLst>
+                          </p:cTn>
+                        </p:par>
+                      </p:childTnLst>
+                    </p:cTn>
+                  </p:par>
+                </p:childTnLst>
+              </p:cTn>
+              <p:prevCondLst>
+                <p:cond evt="onPrev" delay="0">
+                  <p:tgtEl>
+                    <p:sldTgt/>
+                  </p:tgtEl>
+                </p:cond>
+              </p:prevCondLst>
+              <p:nextCondLst>
+                <p:cond evt="onNext" delay="0">
+                  <p:tgtEl>
+                    <p:sldTgt/>
+                  </p:tgtEl>
+                </p:cond>
+              </p:nextCondLst>
+            </p:seq>
+          </p:childTnLst>
+        </p:cTn>
       </p:par>
     </p:tnLst>
+    <p:bldLst>
+      <p:bldGraphic spid="5" grpId="0">
+        <p:bldAsOne/>
+      </p:bldGraphic>
+    </p:bldLst>
   </p:timing>
 </p:sld>
 </file>

--- a/LCO_Brief_Placeholder/SEFornofCompiling1.pptx
+++ b/LCO_Brief_Placeholder/SEFornofCompiling1.pptx
@@ -5,10 +5,30 @@
     <p:sldMasterId id="2147483648" r:id="rId1"/>
   </p:sldMasterIdLst>
   <p:notesMasterIdLst>
-    <p:notesMasterId r:id="rId3"/>
+    <p:notesMasterId r:id="rId23"/>
   </p:notesMasterIdLst>
   <p:sldIdLst>
-    <p:sldId id="257" r:id="rId2"/>
+    <p:sldId id="258" r:id="rId2"/>
+    <p:sldId id="259" r:id="rId3"/>
+    <p:sldId id="257" r:id="rId4"/>
+    <p:sldId id="261" r:id="rId5"/>
+    <p:sldId id="262" r:id="rId6"/>
+    <p:sldId id="263" r:id="rId7"/>
+    <p:sldId id="264" r:id="rId8"/>
+    <p:sldId id="265" r:id="rId9"/>
+    <p:sldId id="266" r:id="rId10"/>
+    <p:sldId id="267" r:id="rId11"/>
+    <p:sldId id="268" r:id="rId12"/>
+    <p:sldId id="269" r:id="rId13"/>
+    <p:sldId id="270" r:id="rId14"/>
+    <p:sldId id="271" r:id="rId15"/>
+    <p:sldId id="272" r:id="rId16"/>
+    <p:sldId id="273" r:id="rId17"/>
+    <p:sldId id="274" r:id="rId18"/>
+    <p:sldId id="275" r:id="rId19"/>
+    <p:sldId id="276" r:id="rId20"/>
+    <p:sldId id="277" r:id="rId21"/>
+    <p:sldId id="260" r:id="rId22"/>
   </p:sldIdLst>
   <p:sldSz cx="9144000" cy="6858000" type="screen4x3"/>
   <p:notesSz cx="6858000" cy="9144000"/>
@@ -1147,7 +1167,11 @@
         <a:p>
           <a:r>
             <a:rPr lang="en-US" dirty="0" smtClean="0"/>
-            <a:t>who the stakeholders are and what they want</a:t>
+            <a:t>Who </a:t>
+          </a:r>
+          <a:r>
+            <a:rPr lang="en-US" dirty="0" smtClean="0"/>
+            <a:t>the stakeholders are and what they want</a:t>
           </a:r>
           <a:endParaRPr lang="en-US" dirty="0"/>
         </a:p>
@@ -1295,7 +1319,15 @@
         <a:p>
           <a:r>
             <a:rPr lang="en-US" dirty="0" smtClean="0"/>
-            <a:t> the buses are not as reliable as needed by the passengers </a:t>
+            <a:t> </a:t>
+          </a:r>
+          <a:r>
+            <a:rPr lang="en-US" dirty="0" smtClean="0"/>
+            <a:t>The </a:t>
+          </a:r>
+          <a:r>
+            <a:rPr lang="en-US" dirty="0" smtClean="0"/>
+            <a:t>buses are not as reliable as needed by the passengers </a:t>
           </a:r>
           <a:endParaRPr lang="en-US" dirty="0"/>
         </a:p>
@@ -1831,7 +1863,11 @@
           </a:pPr>
           <a:r>
             <a:rPr lang="en-US" sz="1800" kern="1200" dirty="0" smtClean="0"/>
-            <a:t>who the stakeholders are and what they want</a:t>
+            <a:t>Who </a:t>
+          </a:r>
+          <a:r>
+            <a:rPr lang="en-US" sz="1800" kern="1200" dirty="0" smtClean="0"/>
+            <a:t>the stakeholders are and what they want</a:t>
           </a:r>
           <a:endParaRPr lang="en-US" sz="1800" kern="1200" dirty="0"/>
         </a:p>
@@ -2023,7 +2059,15 @@
           </a:pPr>
           <a:r>
             <a:rPr lang="en-US" sz="1800" kern="1200" dirty="0" smtClean="0"/>
-            <a:t> the buses are not as reliable as needed by the passengers </a:t>
+            <a:t> </a:t>
+          </a:r>
+          <a:r>
+            <a:rPr lang="en-US" sz="1800" kern="1200" dirty="0" smtClean="0"/>
+            <a:t>The </a:t>
+          </a:r>
+          <a:r>
+            <a:rPr lang="en-US" sz="1800" kern="1200" dirty="0" smtClean="0"/>
+            <a:t>buses are not as reliable as needed by the passengers </a:t>
           </a:r>
           <a:endParaRPr lang="en-US" sz="1800" kern="1200" dirty="0"/>
         </a:p>
@@ -4233,6 +4277,14 @@
 <file path=ppt/notesSlides/notesSlide1.xml><?xml version="1.0" encoding="utf-8"?>
 <p:notes xmlns:a="http://schemas.openxmlformats.org/drawingml/2006/main" xmlns:r="http://schemas.openxmlformats.org/officeDocument/2006/relationships" xmlns:p="http://schemas.openxmlformats.org/presentationml/2006/main">
   <p:cSld>
+    <p:bg>
+      <p:bgPr>
+        <a:solidFill>
+          <a:srgbClr val="FFFFFF"/>
+        </a:solidFill>
+        <a:effectLst/>
+      </p:bgPr>
+    </p:bg>
     <p:spTree>
       <p:nvGrpSpPr>
         <p:cNvPr id="1" name=""/>
@@ -4249,6 +4301,244 @@
       </p:grpSpPr>
       <p:sp>
         <p:nvSpPr>
+          <p:cNvPr id="7" name="Rectangle 6"/>
+          <p:cNvSpPr>
+            <a:spLocks noGrp="1" noChangeArrowheads="1"/>
+          </p:cNvSpPr>
+          <p:nvPr>
+            <p:ph type="sldNum"/>
+          </p:nvPr>
+        </p:nvSpPr>
+        <p:spPr>
+          <a:ln/>
+        </p:spPr>
+        <p:txBody>
+          <a:bodyPr/>
+          <a:lstStyle/>
+          <a:p>
+            <a:fld id="{A204C182-FF77-4436-BC50-00947948708D}" type="slidenum">
+              <a:rPr lang="en-US"/>
+              <a:pPr/>
+              <a:t>2</a:t>
+            </a:fld>
+            <a:endParaRPr lang="en-US"/>
+          </a:p>
+        </p:txBody>
+      </p:sp>
+      <p:sp>
+        <p:nvSpPr>
+          <p:cNvPr id="15361" name="Rectangle 1"/>
+          <p:cNvSpPr txBox="1">
+            <a:spLocks noChangeArrowheads="1"/>
+          </p:cNvSpPr>
+          <p:nvPr>
+            <p:ph type="sldImg"/>
+          </p:nvPr>
+        </p:nvSpPr>
+        <p:spPr bwMode="auto">
+          <a:xfrm>
+            <a:off x="1210236" y="694171"/>
+            <a:ext cx="4437529" cy="3429000"/>
+          </a:xfrm>
+          <a:prstGeom prst="rect">
+            <a:avLst/>
+          </a:prstGeom>
+          <a:solidFill>
+            <a:srgbClr val="FFFFFF"/>
+          </a:solidFill>
+          <a:ln>
+            <a:solidFill>
+              <a:srgbClr val="000000"/>
+            </a:solidFill>
+            <a:miter lim="800000"/>
+            <a:headEnd/>
+            <a:tailEnd/>
+          </a:ln>
+        </p:spPr>
+      </p:sp>
+      <p:sp>
+        <p:nvSpPr>
+          <p:cNvPr id="15362" name="Rectangle 2"/>
+          <p:cNvSpPr txBox="1">
+            <a:spLocks noChangeArrowheads="1"/>
+          </p:cNvSpPr>
+          <p:nvPr>
+            <p:ph type="body" idx="1"/>
+          </p:nvPr>
+        </p:nvSpPr>
+        <p:spPr bwMode="auto">
+          <a:xfrm>
+            <a:off x="686360" y="4342535"/>
+            <a:ext cx="5486681" cy="4114511"/>
+          </a:xfrm>
+          <a:prstGeom prst="rect">
+            <a:avLst/>
+          </a:prstGeom>
+          <a:noFill/>
+          <a:ln>
+            <a:round/>
+            <a:headEnd/>
+            <a:tailEnd/>
+          </a:ln>
+        </p:spPr>
+        <p:txBody>
+          <a:bodyPr wrap="none" anchor="ctr"/>
+          <a:lstStyle/>
+          <a:p>
+            <a:endParaRPr lang="en-US"/>
+          </a:p>
+        </p:txBody>
+      </p:sp>
+    </p:spTree>
+  </p:cSld>
+  <p:clrMapOvr>
+    <a:masterClrMapping/>
+  </p:clrMapOvr>
+</p:notes>
+</file>
+
+<file path=ppt/notesSlides/notesSlide10.xml><?xml version="1.0" encoding="utf-8"?>
+<p:notes xmlns:a="http://schemas.openxmlformats.org/drawingml/2006/main" xmlns:r="http://schemas.openxmlformats.org/officeDocument/2006/relationships" xmlns:p="http://schemas.openxmlformats.org/presentationml/2006/main">
+  <p:cSld>
+    <p:bg>
+      <p:bgPr>
+        <a:solidFill>
+          <a:srgbClr val="FFFFFF"/>
+        </a:solidFill>
+        <a:effectLst/>
+      </p:bgPr>
+    </p:bg>
+    <p:spTree>
+      <p:nvGrpSpPr>
+        <p:cNvPr id="1" name=""/>
+        <p:cNvGrpSpPr/>
+        <p:nvPr/>
+      </p:nvGrpSpPr>
+      <p:grpSpPr>
+        <a:xfrm>
+          <a:off x="0" y="0"/>
+          <a:ext cx="0" cy="0"/>
+          <a:chOff x="0" y="0"/>
+          <a:chExt cx="0" cy="0"/>
+        </a:xfrm>
+      </p:grpSpPr>
+      <p:sp>
+        <p:nvSpPr>
+          <p:cNvPr id="7" name="Rectangle 6"/>
+          <p:cNvSpPr>
+            <a:spLocks noGrp="1" noChangeArrowheads="1"/>
+          </p:cNvSpPr>
+          <p:nvPr>
+            <p:ph type="sldNum"/>
+          </p:nvPr>
+        </p:nvSpPr>
+        <p:spPr>
+          <a:ln/>
+        </p:spPr>
+        <p:txBody>
+          <a:bodyPr/>
+          <a:lstStyle/>
+          <a:p>
+            <a:fld id="{3D2CEAEB-6047-4239-B975-3CEF6456D6C3}" type="slidenum">
+              <a:rPr lang="en-US"/>
+              <a:pPr/>
+              <a:t>20</a:t>
+            </a:fld>
+            <a:endParaRPr lang="en-US"/>
+          </a:p>
+        </p:txBody>
+      </p:sp>
+      <p:sp>
+        <p:nvSpPr>
+          <p:cNvPr id="20481" name="Rectangle 1"/>
+          <p:cNvSpPr txBox="1">
+            <a:spLocks noChangeArrowheads="1"/>
+          </p:cNvSpPr>
+          <p:nvPr>
+            <p:ph type="sldImg"/>
+          </p:nvPr>
+        </p:nvSpPr>
+        <p:spPr bwMode="auto">
+          <a:xfrm>
+            <a:off x="1143000" y="693738"/>
+            <a:ext cx="4572000" cy="3429000"/>
+          </a:xfrm>
+          <a:prstGeom prst="rect">
+            <a:avLst/>
+          </a:prstGeom>
+          <a:solidFill>
+            <a:srgbClr val="FFFFFF"/>
+          </a:solidFill>
+          <a:ln>
+            <a:solidFill>
+              <a:srgbClr val="000000"/>
+            </a:solidFill>
+            <a:miter lim="800000"/>
+            <a:headEnd/>
+            <a:tailEnd/>
+          </a:ln>
+        </p:spPr>
+      </p:sp>
+      <p:sp>
+        <p:nvSpPr>
+          <p:cNvPr id="20482" name="Rectangle 2"/>
+          <p:cNvSpPr txBox="1">
+            <a:spLocks noChangeArrowheads="1"/>
+          </p:cNvSpPr>
+          <p:nvPr>
+            <p:ph type="body" idx="1"/>
+          </p:nvPr>
+        </p:nvSpPr>
+        <p:spPr bwMode="auto">
+          <a:xfrm>
+            <a:off x="686360" y="4342535"/>
+            <a:ext cx="5486681" cy="4114511"/>
+          </a:xfrm>
+          <a:prstGeom prst="rect">
+            <a:avLst/>
+          </a:prstGeom>
+          <a:noFill/>
+          <a:ln>
+            <a:round/>
+            <a:headEnd/>
+            <a:tailEnd/>
+          </a:ln>
+        </p:spPr>
+        <p:txBody>
+          <a:bodyPr wrap="none" anchor="ctr"/>
+          <a:lstStyle/>
+          <a:p>
+            <a:endParaRPr lang="en-US"/>
+          </a:p>
+        </p:txBody>
+      </p:sp>
+    </p:spTree>
+  </p:cSld>
+  <p:clrMapOvr>
+    <a:masterClrMapping/>
+  </p:clrMapOvr>
+</p:notes>
+</file>
+
+<file path=ppt/notesSlides/notesSlide2.xml><?xml version="1.0" encoding="utf-8"?>
+<p:notes xmlns:a="http://schemas.openxmlformats.org/drawingml/2006/main" xmlns:r="http://schemas.openxmlformats.org/officeDocument/2006/relationships" xmlns:p="http://schemas.openxmlformats.org/presentationml/2006/main">
+  <p:cSld>
+    <p:spTree>
+      <p:nvGrpSpPr>
+        <p:cNvPr id="1" name=""/>
+        <p:cNvGrpSpPr/>
+        <p:nvPr/>
+      </p:nvGrpSpPr>
+      <p:grpSpPr>
+        <a:xfrm>
+          <a:off x="0" y="0"/>
+          <a:ext cx="0" cy="0"/>
+          <a:chOff x="0" y="0"/>
+          <a:chExt cx="0" cy="0"/>
+        </a:xfrm>
+      </p:grpSpPr>
+      <p:sp>
+        <p:nvSpPr>
           <p:cNvPr id="2" name="Slide Image Placeholder 1"/>
           <p:cNvSpPr>
             <a:spLocks noGrp="1" noRot="1" noChangeAspect="1"/>
@@ -4298,8 +4588,803 @@
             <a:fld id="{D2C20754-2859-45A8-8015-4CC934F73286}" type="slidenum">
               <a:rPr lang="en-US" smtClean="0"/>
               <a:pPr/>
-              <a:t>1</a:t>
+              <a:t>3</a:t>
             </a:fld>
+            <a:endParaRPr lang="en-US"/>
+          </a:p>
+        </p:txBody>
+      </p:sp>
+    </p:spTree>
+  </p:cSld>
+  <p:clrMapOvr>
+    <a:masterClrMapping/>
+  </p:clrMapOvr>
+</p:notes>
+</file>
+
+<file path=ppt/notesSlides/notesSlide3.xml><?xml version="1.0" encoding="utf-8"?>
+<p:notes xmlns:a="http://schemas.openxmlformats.org/drawingml/2006/main" xmlns:r="http://schemas.openxmlformats.org/officeDocument/2006/relationships" xmlns:p="http://schemas.openxmlformats.org/presentationml/2006/main">
+  <p:cSld>
+    <p:spTree>
+      <p:nvGrpSpPr>
+        <p:cNvPr id="1" name=""/>
+        <p:cNvGrpSpPr/>
+        <p:nvPr/>
+      </p:nvGrpSpPr>
+      <p:grpSpPr>
+        <a:xfrm>
+          <a:off x="0" y="0"/>
+          <a:ext cx="0" cy="0"/>
+          <a:chOff x="0" y="0"/>
+          <a:chExt cx="0" cy="0"/>
+        </a:xfrm>
+      </p:grpSpPr>
+      <p:sp>
+        <p:nvSpPr>
+          <p:cNvPr id="2" name="Slide Image Placeholder 1"/>
+          <p:cNvSpPr>
+            <a:spLocks noGrp="1" noRot="1" noChangeAspect="1"/>
+          </p:cNvSpPr>
+          <p:nvPr>
+            <p:ph type="sldImg"/>
+          </p:nvPr>
+        </p:nvSpPr>
+        <p:spPr/>
+      </p:sp>
+      <p:sp>
+        <p:nvSpPr>
+          <p:cNvPr id="3" name="Notes Placeholder 2"/>
+          <p:cNvSpPr>
+            <a:spLocks noGrp="1"/>
+          </p:cNvSpPr>
+          <p:nvPr>
+            <p:ph type="body" idx="1"/>
+          </p:nvPr>
+        </p:nvSpPr>
+        <p:spPr/>
+        <p:txBody>
+          <a:bodyPr>
+            <a:normAutofit/>
+          </a:bodyPr>
+          <a:lstStyle/>
+          <a:p>
+            <a:endParaRPr lang="en-US" dirty="0"/>
+          </a:p>
+        </p:txBody>
+      </p:sp>
+      <p:sp>
+        <p:nvSpPr>
+          <p:cNvPr id="4" name="Slide Number Placeholder 3"/>
+          <p:cNvSpPr>
+            <a:spLocks noGrp="1"/>
+          </p:cNvSpPr>
+          <p:nvPr>
+            <p:ph type="sldNum" sz="quarter" idx="10"/>
+          </p:nvPr>
+        </p:nvSpPr>
+        <p:spPr/>
+        <p:txBody>
+          <a:bodyPr/>
+          <a:lstStyle/>
+          <a:p>
+            <a:fld id="{CB7D4244-23A8-4EAC-AE97-3623EC42045E}" type="slidenum">
+              <a:rPr lang="en-US" smtClean="0"/>
+              <a:pPr/>
+              <a:t>9</a:t>
+            </a:fld>
+            <a:endParaRPr lang="en-US"/>
+          </a:p>
+        </p:txBody>
+      </p:sp>
+    </p:spTree>
+  </p:cSld>
+  <p:clrMapOvr>
+    <a:masterClrMapping/>
+  </p:clrMapOvr>
+</p:notes>
+</file>
+
+<file path=ppt/notesSlides/notesSlide4.xml><?xml version="1.0" encoding="utf-8"?>
+<p:notes xmlns:a="http://schemas.openxmlformats.org/drawingml/2006/main" xmlns:r="http://schemas.openxmlformats.org/officeDocument/2006/relationships" xmlns:p="http://schemas.openxmlformats.org/presentationml/2006/main">
+  <p:cSld>
+    <p:spTree>
+      <p:nvGrpSpPr>
+        <p:cNvPr id="1" name=""/>
+        <p:cNvGrpSpPr/>
+        <p:nvPr/>
+      </p:nvGrpSpPr>
+      <p:grpSpPr>
+        <a:xfrm>
+          <a:off x="0" y="0"/>
+          <a:ext cx="0" cy="0"/>
+          <a:chOff x="0" y="0"/>
+          <a:chExt cx="0" cy="0"/>
+        </a:xfrm>
+      </p:grpSpPr>
+      <p:sp>
+        <p:nvSpPr>
+          <p:cNvPr id="2" name="Slide Image Placeholder 1"/>
+          <p:cNvSpPr>
+            <a:spLocks noGrp="1" noRot="1" noChangeAspect="1"/>
+          </p:cNvSpPr>
+          <p:nvPr>
+            <p:ph type="sldImg"/>
+          </p:nvPr>
+        </p:nvSpPr>
+        <p:spPr/>
+      </p:sp>
+      <p:sp>
+        <p:nvSpPr>
+          <p:cNvPr id="3" name="Notes Placeholder 2"/>
+          <p:cNvSpPr>
+            <a:spLocks noGrp="1"/>
+          </p:cNvSpPr>
+          <p:nvPr>
+            <p:ph type="body" idx="1"/>
+          </p:nvPr>
+        </p:nvSpPr>
+        <p:spPr/>
+        <p:txBody>
+          <a:bodyPr>
+            <a:normAutofit/>
+          </a:bodyPr>
+          <a:lstStyle/>
+          <a:p>
+            <a:r>
+              <a:rPr lang="en-US" dirty="0" smtClean="0"/>
+              <a:t>According to the risk mitigation </a:t>
+            </a:r>
+            <a:r>
+              <a:rPr lang="en-US" dirty="0" err="1" smtClean="0"/>
+              <a:t>rup</a:t>
+            </a:r>
+            <a:r>
+              <a:rPr lang="en-US" dirty="0" smtClean="0"/>
+              <a:t> template,</a:t>
+            </a:r>
+            <a:r>
+              <a:rPr lang="en-US" baseline="0" dirty="0" smtClean="0"/>
+              <a:t> we need to list the “top 10” risks in the project. </a:t>
+            </a:r>
+            <a:endParaRPr lang="en-US" dirty="0"/>
+          </a:p>
+        </p:txBody>
+      </p:sp>
+      <p:sp>
+        <p:nvSpPr>
+          <p:cNvPr id="4" name="Slide Number Placeholder 3"/>
+          <p:cNvSpPr>
+            <a:spLocks noGrp="1"/>
+          </p:cNvSpPr>
+          <p:nvPr>
+            <p:ph type="sldNum" sz="quarter" idx="10"/>
+          </p:nvPr>
+        </p:nvSpPr>
+        <p:spPr/>
+        <p:txBody>
+          <a:bodyPr/>
+          <a:lstStyle/>
+          <a:p>
+            <a:fld id="{CB7D4244-23A8-4EAC-AE97-3623EC42045E}" type="slidenum">
+              <a:rPr lang="en-US" smtClean="0"/>
+              <a:pPr/>
+              <a:t>10</a:t>
+            </a:fld>
+            <a:endParaRPr lang="en-US"/>
+          </a:p>
+        </p:txBody>
+      </p:sp>
+    </p:spTree>
+  </p:cSld>
+  <p:clrMapOvr>
+    <a:masterClrMapping/>
+  </p:clrMapOvr>
+</p:notes>
+</file>
+
+<file path=ppt/notesSlides/notesSlide5.xml><?xml version="1.0" encoding="utf-8"?>
+<p:notes xmlns:a="http://schemas.openxmlformats.org/drawingml/2006/main" xmlns:r="http://schemas.openxmlformats.org/officeDocument/2006/relationships" xmlns:p="http://schemas.openxmlformats.org/presentationml/2006/main">
+  <p:cSld>
+    <p:bg>
+      <p:bgPr>
+        <a:solidFill>
+          <a:srgbClr val="FFFFFF"/>
+        </a:solidFill>
+        <a:effectLst/>
+      </p:bgPr>
+    </p:bg>
+    <p:spTree>
+      <p:nvGrpSpPr>
+        <p:cNvPr id="1" name=""/>
+        <p:cNvGrpSpPr/>
+        <p:nvPr/>
+      </p:nvGrpSpPr>
+      <p:grpSpPr>
+        <a:xfrm>
+          <a:off x="0" y="0"/>
+          <a:ext cx="0" cy="0"/>
+          <a:chOff x="0" y="0"/>
+          <a:chExt cx="0" cy="0"/>
+        </a:xfrm>
+      </p:grpSpPr>
+      <p:sp>
+        <p:nvSpPr>
+          <p:cNvPr id="7" name="Rectangle 6"/>
+          <p:cNvSpPr>
+            <a:spLocks noGrp="1" noChangeArrowheads="1"/>
+          </p:cNvSpPr>
+          <p:nvPr>
+            <p:ph type="sldNum"/>
+          </p:nvPr>
+        </p:nvSpPr>
+        <p:spPr>
+          <a:ln/>
+        </p:spPr>
+        <p:txBody>
+          <a:bodyPr/>
+          <a:lstStyle/>
+          <a:p>
+            <a:fld id="{5424D3AD-BB66-4F5C-B866-4C2123CD4EDA}" type="slidenum">
+              <a:rPr lang="en-US"/>
+              <a:pPr/>
+              <a:t>11</a:t>
+            </a:fld>
+            <a:endParaRPr lang="en-US"/>
+          </a:p>
+        </p:txBody>
+      </p:sp>
+      <p:sp>
+        <p:nvSpPr>
+          <p:cNvPr id="22529" name="Rectangle 1"/>
+          <p:cNvSpPr txBox="1">
+            <a:spLocks noChangeArrowheads="1"/>
+          </p:cNvSpPr>
+          <p:nvPr>
+            <p:ph type="sldImg"/>
+          </p:nvPr>
+        </p:nvSpPr>
+        <p:spPr bwMode="auto">
+          <a:xfrm>
+            <a:off x="1210236" y="694171"/>
+            <a:ext cx="4437529" cy="3429000"/>
+          </a:xfrm>
+          <a:prstGeom prst="rect">
+            <a:avLst/>
+          </a:prstGeom>
+          <a:solidFill>
+            <a:srgbClr val="FFFFFF"/>
+          </a:solidFill>
+          <a:ln>
+            <a:solidFill>
+              <a:srgbClr val="000000"/>
+            </a:solidFill>
+            <a:miter lim="800000"/>
+            <a:headEnd/>
+            <a:tailEnd/>
+          </a:ln>
+        </p:spPr>
+      </p:sp>
+      <p:sp>
+        <p:nvSpPr>
+          <p:cNvPr id="22530" name="Rectangle 2"/>
+          <p:cNvSpPr txBox="1">
+            <a:spLocks noChangeArrowheads="1"/>
+          </p:cNvSpPr>
+          <p:nvPr>
+            <p:ph type="body" idx="1"/>
+          </p:nvPr>
+        </p:nvSpPr>
+        <p:spPr bwMode="auto">
+          <a:xfrm>
+            <a:off x="686360" y="4342535"/>
+            <a:ext cx="5486681" cy="4114511"/>
+          </a:xfrm>
+          <a:prstGeom prst="rect">
+            <a:avLst/>
+          </a:prstGeom>
+          <a:noFill/>
+          <a:ln>
+            <a:round/>
+            <a:headEnd/>
+            <a:tailEnd/>
+          </a:ln>
+        </p:spPr>
+        <p:txBody>
+          <a:bodyPr wrap="none" anchor="ctr"/>
+          <a:lstStyle/>
+          <a:p>
+            <a:endParaRPr lang="en-US"/>
+          </a:p>
+        </p:txBody>
+      </p:sp>
+    </p:spTree>
+  </p:cSld>
+  <p:clrMapOvr>
+    <a:masterClrMapping/>
+  </p:clrMapOvr>
+</p:notes>
+</file>
+
+<file path=ppt/notesSlides/notesSlide6.xml><?xml version="1.0" encoding="utf-8"?>
+<p:notes xmlns:a="http://schemas.openxmlformats.org/drawingml/2006/main" xmlns:r="http://schemas.openxmlformats.org/officeDocument/2006/relationships" xmlns:p="http://schemas.openxmlformats.org/presentationml/2006/main">
+  <p:cSld>
+    <p:bg>
+      <p:bgPr>
+        <a:solidFill>
+          <a:srgbClr val="FFFFFF"/>
+        </a:solidFill>
+        <a:effectLst/>
+      </p:bgPr>
+    </p:bg>
+    <p:spTree>
+      <p:nvGrpSpPr>
+        <p:cNvPr id="1" name=""/>
+        <p:cNvGrpSpPr/>
+        <p:nvPr/>
+      </p:nvGrpSpPr>
+      <p:grpSpPr>
+        <a:xfrm>
+          <a:off x="0" y="0"/>
+          <a:ext cx="0" cy="0"/>
+          <a:chOff x="0" y="0"/>
+          <a:chExt cx="0" cy="0"/>
+        </a:xfrm>
+      </p:grpSpPr>
+      <p:sp>
+        <p:nvSpPr>
+          <p:cNvPr id="7" name="Rectangle 6"/>
+          <p:cNvSpPr>
+            <a:spLocks noGrp="1" noChangeArrowheads="1"/>
+          </p:cNvSpPr>
+          <p:nvPr>
+            <p:ph type="sldNum"/>
+          </p:nvPr>
+        </p:nvSpPr>
+        <p:spPr>
+          <a:ln/>
+        </p:spPr>
+        <p:txBody>
+          <a:bodyPr/>
+          <a:lstStyle/>
+          <a:p>
+            <a:fld id="{84F354D4-1058-47E6-822B-B270E01C7F3F}" type="slidenum">
+              <a:rPr lang="en-US"/>
+              <a:pPr/>
+              <a:t>16</a:t>
+            </a:fld>
+            <a:endParaRPr lang="en-US"/>
+          </a:p>
+        </p:txBody>
+      </p:sp>
+      <p:sp>
+        <p:nvSpPr>
+          <p:cNvPr id="19457" name="Rectangle 1"/>
+          <p:cNvSpPr txBox="1">
+            <a:spLocks noChangeArrowheads="1"/>
+          </p:cNvSpPr>
+          <p:nvPr>
+            <p:ph type="sldImg"/>
+          </p:nvPr>
+        </p:nvSpPr>
+        <p:spPr bwMode="auto">
+          <a:xfrm>
+            <a:off x="1143000" y="693738"/>
+            <a:ext cx="4572000" cy="3429000"/>
+          </a:xfrm>
+          <a:prstGeom prst="rect">
+            <a:avLst/>
+          </a:prstGeom>
+          <a:solidFill>
+            <a:srgbClr val="FFFFFF"/>
+          </a:solidFill>
+          <a:ln>
+            <a:solidFill>
+              <a:srgbClr val="000000"/>
+            </a:solidFill>
+            <a:miter lim="800000"/>
+            <a:headEnd/>
+            <a:tailEnd/>
+          </a:ln>
+        </p:spPr>
+      </p:sp>
+      <p:sp>
+        <p:nvSpPr>
+          <p:cNvPr id="19458" name="Rectangle 2"/>
+          <p:cNvSpPr txBox="1">
+            <a:spLocks noChangeArrowheads="1"/>
+          </p:cNvSpPr>
+          <p:nvPr>
+            <p:ph type="body" idx="1"/>
+          </p:nvPr>
+        </p:nvSpPr>
+        <p:spPr bwMode="auto">
+          <a:xfrm>
+            <a:off x="686360" y="4342535"/>
+            <a:ext cx="5486681" cy="4114511"/>
+          </a:xfrm>
+          <a:prstGeom prst="rect">
+            <a:avLst/>
+          </a:prstGeom>
+          <a:noFill/>
+          <a:ln>
+            <a:round/>
+            <a:headEnd/>
+            <a:tailEnd/>
+          </a:ln>
+        </p:spPr>
+        <p:txBody>
+          <a:bodyPr wrap="none" anchor="ctr"/>
+          <a:lstStyle/>
+          <a:p>
+            <a:endParaRPr lang="en-US"/>
+          </a:p>
+        </p:txBody>
+      </p:sp>
+    </p:spTree>
+  </p:cSld>
+  <p:clrMapOvr>
+    <a:masterClrMapping/>
+  </p:clrMapOvr>
+</p:notes>
+</file>
+
+<file path=ppt/notesSlides/notesSlide7.xml><?xml version="1.0" encoding="utf-8"?>
+<p:notes xmlns:a="http://schemas.openxmlformats.org/drawingml/2006/main" xmlns:r="http://schemas.openxmlformats.org/officeDocument/2006/relationships" xmlns:p="http://schemas.openxmlformats.org/presentationml/2006/main">
+  <p:cSld>
+    <p:bg>
+      <p:bgPr>
+        <a:solidFill>
+          <a:srgbClr val="FFFFFF"/>
+        </a:solidFill>
+        <a:effectLst/>
+      </p:bgPr>
+    </p:bg>
+    <p:spTree>
+      <p:nvGrpSpPr>
+        <p:cNvPr id="1" name=""/>
+        <p:cNvGrpSpPr/>
+        <p:nvPr/>
+      </p:nvGrpSpPr>
+      <p:grpSpPr>
+        <a:xfrm>
+          <a:off x="0" y="0"/>
+          <a:ext cx="0" cy="0"/>
+          <a:chOff x="0" y="0"/>
+          <a:chExt cx="0" cy="0"/>
+        </a:xfrm>
+      </p:grpSpPr>
+      <p:sp>
+        <p:nvSpPr>
+          <p:cNvPr id="7" name="Rectangle 6"/>
+          <p:cNvSpPr>
+            <a:spLocks noGrp="1" noChangeArrowheads="1"/>
+          </p:cNvSpPr>
+          <p:nvPr>
+            <p:ph type="sldNum"/>
+          </p:nvPr>
+        </p:nvSpPr>
+        <p:spPr>
+          <a:ln/>
+        </p:spPr>
+        <p:txBody>
+          <a:bodyPr/>
+          <a:lstStyle/>
+          <a:p>
+            <a:fld id="{F64DA0EC-78EA-4A65-B306-5B730F9A8279}" type="slidenum">
+              <a:rPr lang="en-US"/>
+              <a:pPr/>
+              <a:t>17</a:t>
+            </a:fld>
+            <a:endParaRPr lang="en-US"/>
+          </a:p>
+        </p:txBody>
+      </p:sp>
+      <p:sp>
+        <p:nvSpPr>
+          <p:cNvPr id="17409" name="Rectangle 1"/>
+          <p:cNvSpPr txBox="1">
+            <a:spLocks noChangeArrowheads="1"/>
+          </p:cNvSpPr>
+          <p:nvPr>
+            <p:ph type="sldImg"/>
+          </p:nvPr>
+        </p:nvSpPr>
+        <p:spPr bwMode="auto">
+          <a:xfrm>
+            <a:off x="1143000" y="693738"/>
+            <a:ext cx="4572000" cy="3429000"/>
+          </a:xfrm>
+          <a:prstGeom prst="rect">
+            <a:avLst/>
+          </a:prstGeom>
+          <a:solidFill>
+            <a:srgbClr val="FFFFFF"/>
+          </a:solidFill>
+          <a:ln>
+            <a:solidFill>
+              <a:srgbClr val="000000"/>
+            </a:solidFill>
+            <a:miter lim="800000"/>
+            <a:headEnd/>
+            <a:tailEnd/>
+          </a:ln>
+        </p:spPr>
+      </p:sp>
+      <p:sp>
+        <p:nvSpPr>
+          <p:cNvPr id="17410" name="Rectangle 2"/>
+          <p:cNvSpPr txBox="1">
+            <a:spLocks noChangeArrowheads="1"/>
+          </p:cNvSpPr>
+          <p:nvPr>
+            <p:ph type="body" idx="1"/>
+          </p:nvPr>
+        </p:nvSpPr>
+        <p:spPr bwMode="auto">
+          <a:xfrm>
+            <a:off x="686360" y="4342535"/>
+            <a:ext cx="5486681" cy="4114511"/>
+          </a:xfrm>
+          <a:prstGeom prst="rect">
+            <a:avLst/>
+          </a:prstGeom>
+          <a:noFill/>
+          <a:ln>
+            <a:round/>
+            <a:headEnd/>
+            <a:tailEnd/>
+          </a:ln>
+        </p:spPr>
+        <p:txBody>
+          <a:bodyPr wrap="none" anchor="ctr"/>
+          <a:lstStyle/>
+          <a:p>
+            <a:endParaRPr lang="en-US"/>
+          </a:p>
+        </p:txBody>
+      </p:sp>
+    </p:spTree>
+  </p:cSld>
+  <p:clrMapOvr>
+    <a:masterClrMapping/>
+  </p:clrMapOvr>
+</p:notes>
+</file>
+
+<file path=ppt/notesSlides/notesSlide8.xml><?xml version="1.0" encoding="utf-8"?>
+<p:notes xmlns:a="http://schemas.openxmlformats.org/drawingml/2006/main" xmlns:r="http://schemas.openxmlformats.org/officeDocument/2006/relationships" xmlns:p="http://schemas.openxmlformats.org/presentationml/2006/main">
+  <p:cSld>
+    <p:bg>
+      <p:bgPr>
+        <a:solidFill>
+          <a:srgbClr val="FFFFFF"/>
+        </a:solidFill>
+        <a:effectLst/>
+      </p:bgPr>
+    </p:bg>
+    <p:spTree>
+      <p:nvGrpSpPr>
+        <p:cNvPr id="1" name=""/>
+        <p:cNvGrpSpPr/>
+        <p:nvPr/>
+      </p:nvGrpSpPr>
+      <p:grpSpPr>
+        <a:xfrm>
+          <a:off x="0" y="0"/>
+          <a:ext cx="0" cy="0"/>
+          <a:chOff x="0" y="0"/>
+          <a:chExt cx="0" cy="0"/>
+        </a:xfrm>
+      </p:grpSpPr>
+      <p:sp>
+        <p:nvSpPr>
+          <p:cNvPr id="7" name="Rectangle 6"/>
+          <p:cNvSpPr>
+            <a:spLocks noGrp="1" noChangeArrowheads="1"/>
+          </p:cNvSpPr>
+          <p:nvPr>
+            <p:ph type="sldNum"/>
+          </p:nvPr>
+        </p:nvSpPr>
+        <p:spPr>
+          <a:ln/>
+        </p:spPr>
+        <p:txBody>
+          <a:bodyPr/>
+          <a:lstStyle/>
+          <a:p>
+            <a:fld id="{8A1CB9CE-F7DC-445C-BA88-0493CB55B215}" type="slidenum">
+              <a:rPr lang="en-US"/>
+              <a:pPr/>
+              <a:t>18</a:t>
+            </a:fld>
+            <a:endParaRPr lang="en-US"/>
+          </a:p>
+        </p:txBody>
+      </p:sp>
+      <p:sp>
+        <p:nvSpPr>
+          <p:cNvPr id="18433" name="Rectangle 1"/>
+          <p:cNvSpPr txBox="1">
+            <a:spLocks noChangeArrowheads="1"/>
+          </p:cNvSpPr>
+          <p:nvPr>
+            <p:ph type="sldImg"/>
+          </p:nvPr>
+        </p:nvSpPr>
+        <p:spPr bwMode="auto">
+          <a:xfrm>
+            <a:off x="1143000" y="693738"/>
+            <a:ext cx="4572000" cy="3429000"/>
+          </a:xfrm>
+          <a:prstGeom prst="rect">
+            <a:avLst/>
+          </a:prstGeom>
+          <a:solidFill>
+            <a:srgbClr val="FFFFFF"/>
+          </a:solidFill>
+          <a:ln>
+            <a:solidFill>
+              <a:srgbClr val="000000"/>
+            </a:solidFill>
+            <a:miter lim="800000"/>
+            <a:headEnd/>
+            <a:tailEnd/>
+          </a:ln>
+        </p:spPr>
+      </p:sp>
+      <p:sp>
+        <p:nvSpPr>
+          <p:cNvPr id="18434" name="Rectangle 2"/>
+          <p:cNvSpPr txBox="1">
+            <a:spLocks noChangeArrowheads="1"/>
+          </p:cNvSpPr>
+          <p:nvPr>
+            <p:ph type="body" idx="1"/>
+          </p:nvPr>
+        </p:nvSpPr>
+        <p:spPr bwMode="auto">
+          <a:xfrm>
+            <a:off x="686360" y="4342535"/>
+            <a:ext cx="5486681" cy="4114511"/>
+          </a:xfrm>
+          <a:prstGeom prst="rect">
+            <a:avLst/>
+          </a:prstGeom>
+          <a:noFill/>
+          <a:ln>
+            <a:round/>
+            <a:headEnd/>
+            <a:tailEnd/>
+          </a:ln>
+        </p:spPr>
+        <p:txBody>
+          <a:bodyPr wrap="none" anchor="ctr"/>
+          <a:lstStyle/>
+          <a:p>
+            <a:endParaRPr lang="en-US"/>
+          </a:p>
+        </p:txBody>
+      </p:sp>
+    </p:spTree>
+  </p:cSld>
+  <p:clrMapOvr>
+    <a:masterClrMapping/>
+  </p:clrMapOvr>
+</p:notes>
+</file>
+
+<file path=ppt/notesSlides/notesSlide9.xml><?xml version="1.0" encoding="utf-8"?>
+<p:notes xmlns:a="http://schemas.openxmlformats.org/drawingml/2006/main" xmlns:r="http://schemas.openxmlformats.org/officeDocument/2006/relationships" xmlns:p="http://schemas.openxmlformats.org/presentationml/2006/main">
+  <p:cSld>
+    <p:bg>
+      <p:bgPr>
+        <a:solidFill>
+          <a:srgbClr val="FFFFFF"/>
+        </a:solidFill>
+        <a:effectLst/>
+      </p:bgPr>
+    </p:bg>
+    <p:spTree>
+      <p:nvGrpSpPr>
+        <p:cNvPr id="1" name=""/>
+        <p:cNvGrpSpPr/>
+        <p:nvPr/>
+      </p:nvGrpSpPr>
+      <p:grpSpPr>
+        <a:xfrm>
+          <a:off x="0" y="0"/>
+          <a:ext cx="0" cy="0"/>
+          <a:chOff x="0" y="0"/>
+          <a:chExt cx="0" cy="0"/>
+        </a:xfrm>
+      </p:grpSpPr>
+      <p:sp>
+        <p:nvSpPr>
+          <p:cNvPr id="7" name="Rectangle 6"/>
+          <p:cNvSpPr>
+            <a:spLocks noGrp="1" noChangeArrowheads="1"/>
+          </p:cNvSpPr>
+          <p:nvPr>
+            <p:ph type="sldNum"/>
+          </p:nvPr>
+        </p:nvSpPr>
+        <p:spPr>
+          <a:ln/>
+        </p:spPr>
+        <p:txBody>
+          <a:bodyPr/>
+          <a:lstStyle/>
+          <a:p>
+            <a:fld id="{7BA0123D-32C7-4DB6-AFF6-A12E45A91046}" type="slidenum">
+              <a:rPr lang="en-US"/>
+              <a:pPr/>
+              <a:t>19</a:t>
+            </a:fld>
+            <a:endParaRPr lang="en-US"/>
+          </a:p>
+        </p:txBody>
+      </p:sp>
+      <p:sp>
+        <p:nvSpPr>
+          <p:cNvPr id="21505" name="Rectangle 1"/>
+          <p:cNvSpPr txBox="1">
+            <a:spLocks noChangeArrowheads="1"/>
+          </p:cNvSpPr>
+          <p:nvPr>
+            <p:ph type="sldImg"/>
+          </p:nvPr>
+        </p:nvSpPr>
+        <p:spPr bwMode="auto">
+          <a:xfrm>
+            <a:off x="1143000" y="693738"/>
+            <a:ext cx="4572000" cy="3429000"/>
+          </a:xfrm>
+          <a:prstGeom prst="rect">
+            <a:avLst/>
+          </a:prstGeom>
+          <a:solidFill>
+            <a:srgbClr val="FFFFFF"/>
+          </a:solidFill>
+          <a:ln>
+            <a:solidFill>
+              <a:srgbClr val="000000"/>
+            </a:solidFill>
+            <a:miter lim="800000"/>
+            <a:headEnd/>
+            <a:tailEnd/>
+          </a:ln>
+        </p:spPr>
+      </p:sp>
+      <p:sp>
+        <p:nvSpPr>
+          <p:cNvPr id="21506" name="Rectangle 2"/>
+          <p:cNvSpPr txBox="1">
+            <a:spLocks noChangeArrowheads="1"/>
+          </p:cNvSpPr>
+          <p:nvPr>
+            <p:ph type="body" idx="1"/>
+          </p:nvPr>
+        </p:nvSpPr>
+        <p:spPr bwMode="auto">
+          <a:xfrm>
+            <a:off x="686360" y="4342535"/>
+            <a:ext cx="5486681" cy="4114511"/>
+          </a:xfrm>
+          <a:prstGeom prst="rect">
+            <a:avLst/>
+          </a:prstGeom>
+          <a:noFill/>
+          <a:ln>
+            <a:round/>
+            <a:headEnd/>
+            <a:tailEnd/>
+          </a:ln>
+        </p:spPr>
+        <p:txBody>
+          <a:bodyPr wrap="none" anchor="ctr"/>
+          <a:lstStyle/>
+          <a:p>
             <a:endParaRPr lang="en-US"/>
           </a:p>
         </p:txBody>
@@ -6800,6 +7885,2921 @@
       </p:grpSpPr>
       <p:sp>
         <p:nvSpPr>
+          <p:cNvPr id="10" name="Title 9"/>
+          <p:cNvSpPr>
+            <a:spLocks noGrp="1"/>
+          </p:cNvSpPr>
+          <p:nvPr>
+            <p:ph type="title"/>
+          </p:nvPr>
+        </p:nvSpPr>
+        <p:spPr/>
+        <p:txBody>
+          <a:bodyPr>
+            <a:normAutofit fontScale="90000"/>
+          </a:bodyPr>
+          <a:lstStyle/>
+          <a:p>
+            <a:r>
+              <a:rPr lang="en-US" dirty="0" err="1" smtClean="0"/>
+              <a:t>JagTrack</a:t>
+            </a:r>
+            <a:r>
+              <a:rPr lang="en-US" dirty="0" smtClean="0"/>
+              <a:t> </a:t>
+            </a:r>
+            <a:br>
+              <a:rPr lang="en-US" dirty="0" smtClean="0"/>
+            </a:br>
+            <a:r>
+              <a:rPr lang="en-US" dirty="0" smtClean="0"/>
+              <a:t>LCO Milestone Briefing</a:t>
+            </a:r>
+            <a:endParaRPr lang="en-US" dirty="0"/>
+          </a:p>
+        </p:txBody>
+      </p:sp>
+      <p:sp>
+        <p:nvSpPr>
+          <p:cNvPr id="4" name="Slide Number Placeholder 3"/>
+          <p:cNvSpPr>
+            <a:spLocks noGrp="1"/>
+          </p:cNvSpPr>
+          <p:nvPr>
+            <p:ph type="sldNum" sz="quarter" idx="12"/>
+          </p:nvPr>
+        </p:nvSpPr>
+        <p:spPr/>
+        <p:txBody>
+          <a:bodyPr/>
+          <a:lstStyle/>
+          <a:p>
+            <a:fld id="{B6F15528-21DE-4FAA-801E-634DDDAF4B2B}" type="slidenum">
+              <a:rPr lang="en-US" smtClean="0"/>
+              <a:pPr/>
+              <a:t>1</a:t>
+            </a:fld>
+            <a:endParaRPr lang="en-US"/>
+          </a:p>
+        </p:txBody>
+      </p:sp>
+      <p:sp>
+        <p:nvSpPr>
+          <p:cNvPr id="11" name="TextBox 10"/>
+          <p:cNvSpPr txBox="1"/>
+          <p:nvPr/>
+        </p:nvSpPr>
+        <p:spPr>
+          <a:xfrm>
+            <a:off x="3657600" y="3581400"/>
+            <a:ext cx="4343400" cy="1569660"/>
+          </a:xfrm>
+          <a:prstGeom prst="rect">
+            <a:avLst/>
+          </a:prstGeom>
+          <a:noFill/>
+        </p:spPr>
+        <p:txBody>
+          <a:bodyPr wrap="square" rtlCol="0">
+            <a:spAutoFit/>
+          </a:bodyPr>
+          <a:lstStyle/>
+          <a:p>
+            <a:pPr algn="r"/>
+            <a:r>
+              <a:rPr lang="en-US" sz="3200" dirty="0" smtClean="0"/>
+              <a:t>Presented by:</a:t>
+            </a:r>
+          </a:p>
+          <a:p>
+            <a:pPr algn="r"/>
+            <a:r>
+              <a:rPr lang="en-US" sz="3200" dirty="0" smtClean="0"/>
+              <a:t>Hayden </a:t>
+            </a:r>
+            <a:r>
+              <a:rPr lang="en-US" sz="3200" dirty="0" err="1" smtClean="0"/>
+              <a:t>Chudy</a:t>
+            </a:r>
+            <a:endParaRPr lang="en-US" sz="3200" dirty="0" smtClean="0"/>
+          </a:p>
+          <a:p>
+            <a:pPr algn="r"/>
+            <a:r>
+              <a:rPr lang="en-US" sz="3200" dirty="0" smtClean="0"/>
+              <a:t>Robert </a:t>
+            </a:r>
+            <a:r>
+              <a:rPr lang="en-US" sz="3200" dirty="0" err="1" smtClean="0"/>
+              <a:t>Fornof</a:t>
+            </a:r>
+            <a:endParaRPr lang="en-US" sz="3200" dirty="0"/>
+          </a:p>
+        </p:txBody>
+      </p:sp>
+    </p:spTree>
+  </p:cSld>
+  <p:clrMapOvr>
+    <a:masterClrMapping/>
+  </p:clrMapOvr>
+</p:sld>
+</file>
+
+<file path=ppt/slides/slide10.xml><?xml version="1.0" encoding="utf-8"?>
+<p:sld xmlns:a="http://schemas.openxmlformats.org/drawingml/2006/main" xmlns:r="http://schemas.openxmlformats.org/officeDocument/2006/relationships" xmlns:p="http://schemas.openxmlformats.org/presentationml/2006/main">
+  <p:cSld>
+    <p:spTree>
+      <p:nvGrpSpPr>
+        <p:cNvPr id="1" name=""/>
+        <p:cNvGrpSpPr/>
+        <p:nvPr/>
+      </p:nvGrpSpPr>
+      <p:grpSpPr>
+        <a:xfrm>
+          <a:off x="0" y="0"/>
+          <a:ext cx="0" cy="0"/>
+          <a:chOff x="0" y="0"/>
+          <a:chExt cx="0" cy="0"/>
+        </a:xfrm>
+      </p:grpSpPr>
+      <p:sp>
+        <p:nvSpPr>
+          <p:cNvPr id="2" name="Title 1"/>
+          <p:cNvSpPr>
+            <a:spLocks noGrp="1"/>
+          </p:cNvSpPr>
+          <p:nvPr>
+            <p:ph type="title"/>
+          </p:nvPr>
+        </p:nvSpPr>
+        <p:spPr/>
+        <p:txBody>
+          <a:bodyPr/>
+          <a:lstStyle/>
+          <a:p>
+            <a:r>
+              <a:rPr lang="en-US" dirty="0" smtClean="0"/>
+              <a:t>Risk List</a:t>
+            </a:r>
+            <a:endParaRPr lang="en-US" dirty="0"/>
+          </a:p>
+        </p:txBody>
+      </p:sp>
+      <p:sp>
+        <p:nvSpPr>
+          <p:cNvPr id="3" name="Content Placeholder 2"/>
+          <p:cNvSpPr>
+            <a:spLocks noGrp="1"/>
+          </p:cNvSpPr>
+          <p:nvPr>
+            <p:ph idx="1"/>
+          </p:nvPr>
+        </p:nvSpPr>
+        <p:spPr/>
+        <p:txBody>
+          <a:bodyPr>
+            <a:noAutofit/>
+          </a:bodyPr>
+          <a:lstStyle/>
+          <a:p>
+            <a:r>
+              <a:rPr lang="en-US" sz="1700" dirty="0" smtClean="0"/>
+              <a:t>Tools</a:t>
+            </a:r>
+          </a:p>
+          <a:p>
+            <a:pPr lvl="1"/>
+            <a:r>
+              <a:rPr lang="en-US" sz="1700" dirty="0" err="1" smtClean="0"/>
+              <a:t>Plugins</a:t>
+            </a:r>
+            <a:r>
+              <a:rPr lang="en-US" sz="1700" dirty="0" smtClean="0"/>
+              <a:t>/SDK that are required for Android development may be difficult to install and configure</a:t>
+            </a:r>
+          </a:p>
+          <a:p>
+            <a:pPr lvl="1"/>
+            <a:r>
+              <a:rPr lang="en-US" sz="1700" dirty="0" smtClean="0"/>
+              <a:t>Mitigation Plan: We will have setup instructions for the tools posted on </a:t>
+            </a:r>
+            <a:r>
+              <a:rPr lang="en-US" sz="1700" dirty="0" err="1" smtClean="0"/>
+              <a:t>G</a:t>
+            </a:r>
+            <a:r>
+              <a:rPr lang="en-US" sz="1700" dirty="0" err="1" smtClean="0"/>
+              <a:t>itHub</a:t>
+            </a:r>
+            <a:endParaRPr lang="en-US" sz="1700" dirty="0" smtClean="0"/>
+          </a:p>
+          <a:p>
+            <a:r>
+              <a:rPr lang="en-US" sz="1700" dirty="0" smtClean="0"/>
+              <a:t>Requirements</a:t>
+            </a:r>
+          </a:p>
+          <a:p>
+            <a:pPr lvl="1"/>
+            <a:r>
+              <a:rPr lang="en-US" sz="1700" dirty="0" smtClean="0"/>
+              <a:t>The </a:t>
+            </a:r>
+            <a:r>
+              <a:rPr lang="en-US" sz="1700" dirty="0" err="1" smtClean="0"/>
+              <a:t>JagTran</a:t>
+            </a:r>
+            <a:r>
+              <a:rPr lang="en-US" sz="1700" dirty="0" smtClean="0"/>
+              <a:t> </a:t>
+            </a:r>
+            <a:r>
+              <a:rPr lang="en-US" sz="1700" dirty="0" smtClean="0"/>
+              <a:t>management may not fully specify what they want from the system, causing requirements to change in the middle of the project.</a:t>
+            </a:r>
+          </a:p>
+          <a:p>
+            <a:pPr lvl="1"/>
+            <a:r>
+              <a:rPr lang="en-US" sz="1700" dirty="0" smtClean="0"/>
+              <a:t>Mitigation Plan: By using an iterative development process, the </a:t>
+            </a:r>
+            <a:r>
+              <a:rPr lang="en-US" sz="1700" dirty="0" err="1" smtClean="0"/>
+              <a:t>JagTrack</a:t>
+            </a:r>
+            <a:r>
+              <a:rPr lang="en-US" sz="1700" dirty="0" smtClean="0"/>
+              <a:t> </a:t>
+            </a:r>
+            <a:r>
+              <a:rPr lang="en-US" sz="1700" dirty="0" smtClean="0"/>
+              <a:t>team is prepared to handle changing requirements</a:t>
+            </a:r>
+          </a:p>
+          <a:p>
+            <a:r>
+              <a:rPr lang="en-US" sz="1700" dirty="0" smtClean="0"/>
+              <a:t>Estimation</a:t>
+            </a:r>
+          </a:p>
+          <a:p>
+            <a:pPr lvl="1"/>
+            <a:r>
+              <a:rPr lang="en-US" sz="1700" dirty="0" smtClean="0"/>
+              <a:t>The time </a:t>
+            </a:r>
+            <a:r>
+              <a:rPr lang="en-US" sz="1700" dirty="0" smtClean="0"/>
+              <a:t>required to </a:t>
+            </a:r>
+            <a:r>
+              <a:rPr lang="en-US" sz="1700" dirty="0" smtClean="0"/>
+              <a:t>complete the project is underestimated since most of the staff involved will be learning new skills</a:t>
+            </a:r>
+          </a:p>
+          <a:p>
+            <a:pPr lvl="1"/>
+            <a:r>
+              <a:rPr lang="en-US" sz="1700" dirty="0" smtClean="0"/>
+              <a:t>Mitigation Plan:</a:t>
+            </a:r>
+          </a:p>
+          <a:p>
+            <a:pPr lvl="2"/>
+            <a:r>
+              <a:rPr lang="en-US" sz="1700" dirty="0" smtClean="0"/>
+              <a:t>The work has been divided amongst many different staff members so that each member doesn’t have to do too much work</a:t>
+            </a:r>
+          </a:p>
+          <a:p>
+            <a:pPr lvl="2"/>
+            <a:r>
+              <a:rPr lang="en-US" sz="1700" dirty="0" err="1" smtClean="0"/>
+              <a:t>GitHub</a:t>
+            </a:r>
+            <a:r>
+              <a:rPr lang="en-US" sz="1700" dirty="0" smtClean="0"/>
+              <a:t> </a:t>
+            </a:r>
+            <a:r>
+              <a:rPr lang="en-US" sz="1700" dirty="0" smtClean="0"/>
+              <a:t>contains links to tutorials do decrease the amount of overhead for mundane tasks such as configuration management and version control</a:t>
+            </a:r>
+          </a:p>
+          <a:p>
+            <a:pPr lvl="1"/>
+            <a:endParaRPr lang="en-US" sz="1700" dirty="0" smtClean="0"/>
+          </a:p>
+        </p:txBody>
+      </p:sp>
+    </p:spTree>
+  </p:cSld>
+  <p:clrMapOvr>
+    <a:masterClrMapping/>
+  </p:clrMapOvr>
+  <p:timing>
+    <p:tnLst>
+      <p:par>
+        <p:cTn id="1" dur="indefinite" restart="never" nodeType="tmRoot"/>
+      </p:par>
+    </p:tnLst>
+  </p:timing>
+</p:sld>
+</file>
+
+<file path=ppt/slides/slide11.xml><?xml version="1.0" encoding="utf-8"?>
+<p:sld xmlns:a="http://schemas.openxmlformats.org/drawingml/2006/main" xmlns:r="http://schemas.openxmlformats.org/officeDocument/2006/relationships" xmlns:p="http://schemas.openxmlformats.org/presentationml/2006/main">
+  <p:cSld>
+    <p:spTree>
+      <p:nvGrpSpPr>
+        <p:cNvPr id="1" name=""/>
+        <p:cNvGrpSpPr/>
+        <p:nvPr/>
+      </p:nvGrpSpPr>
+      <p:grpSpPr>
+        <a:xfrm>
+          <a:off x="0" y="0"/>
+          <a:ext cx="0" cy="0"/>
+          <a:chOff x="0" y="0"/>
+          <a:chExt cx="0" cy="0"/>
+        </a:xfrm>
+      </p:grpSpPr>
+      <p:sp>
+        <p:nvSpPr>
+          <p:cNvPr id="13313" name="Rectangle 1"/>
+          <p:cNvSpPr>
+            <a:spLocks noGrp="1" noChangeArrowheads="1"/>
+          </p:cNvSpPr>
+          <p:nvPr>
+            <p:ph type="title"/>
+          </p:nvPr>
+        </p:nvSpPr>
+        <p:spPr>
+          <a:xfrm>
+            <a:off x="456481" y="273629"/>
+            <a:ext cx="8228160" cy="1144921"/>
+          </a:xfrm>
+          <a:ln/>
+        </p:spPr>
+        <p:txBody>
+          <a:bodyPr tIns="32803"/>
+          <a:lstStyle/>
+          <a:p>
+            <a:pPr>
+              <a:tabLst>
+                <a:tab pos="656650" algn="l"/>
+                <a:tab pos="1313299" algn="l"/>
+                <a:tab pos="1969949" algn="l"/>
+                <a:tab pos="2626599" algn="l"/>
+                <a:tab pos="3283248" algn="l"/>
+                <a:tab pos="3939898" algn="l"/>
+                <a:tab pos="4596548" algn="l"/>
+                <a:tab pos="5253198" algn="l"/>
+                <a:tab pos="5909847" algn="l"/>
+                <a:tab pos="6566497" algn="l"/>
+                <a:tab pos="7223147" algn="l"/>
+                <a:tab pos="7879796" algn="l"/>
+              </a:tabLst>
+            </a:pPr>
+            <a:r>
+              <a:rPr lang="en-US" dirty="0"/>
+              <a:t>Initial Domain Model</a:t>
+            </a:r>
+          </a:p>
+        </p:txBody>
+      </p:sp>
+      <p:pic>
+        <p:nvPicPr>
+          <p:cNvPr id="13314" name="Picture 2"/>
+          <p:cNvPicPr>
+            <a:picLocks noChangeAspect="1" noChangeArrowheads="1"/>
+          </p:cNvPicPr>
+          <p:nvPr/>
+        </p:nvPicPr>
+        <p:blipFill>
+          <a:blip r:embed="rId3" cstate="print"/>
+          <a:srcRect/>
+          <a:stretch>
+            <a:fillRect/>
+          </a:stretch>
+        </p:blipFill>
+        <p:spPr bwMode="auto">
+          <a:xfrm>
+            <a:off x="165601" y="1160762"/>
+            <a:ext cx="8625600" cy="5641073"/>
+          </a:xfrm>
+          <a:prstGeom prst="rect">
+            <a:avLst/>
+          </a:prstGeom>
+          <a:noFill/>
+          <a:ln w="9525">
+            <a:noFill/>
+            <a:round/>
+            <a:headEnd/>
+            <a:tailEnd/>
+          </a:ln>
+          <a:effectLst/>
+        </p:spPr>
+      </p:pic>
+    </p:spTree>
+  </p:cSld>
+  <p:clrMapOvr>
+    <a:masterClrMapping/>
+  </p:clrMapOvr>
+  <p:transition spd="med"/>
+  <p:timing>
+    <p:tnLst>
+      <p:par>
+        <p:cTn id="1" dur="indefinite" nodeType="tmRoot">
+          <p:childTnLst>
+            <p:seq concurrent="1" nextAc="seek">
+              <p:cTn id="2" dur="0" nodeType="mainSeq"/>
+              <p:prevCondLst>
+                <p:cond evt="onPrev" delay="0">
+                  <p:tgtEl>
+                    <p:sldTgt/>
+                  </p:tgtEl>
+                </p:cond>
+              </p:prevCondLst>
+              <p:nextCondLst>
+                <p:cond evt="onNext" delay="0">
+                  <p:tgtEl>
+                    <p:sldTgt/>
+                  </p:tgtEl>
+                </p:cond>
+              </p:nextCondLst>
+            </p:seq>
+          </p:childTnLst>
+        </p:cTn>
+      </p:par>
+    </p:tnLst>
+  </p:timing>
+</p:sld>
+</file>
+
+<file path=ppt/slides/slide12.xml><?xml version="1.0" encoding="utf-8"?>
+<p:sld xmlns:a="http://schemas.openxmlformats.org/drawingml/2006/main" xmlns:r="http://schemas.openxmlformats.org/officeDocument/2006/relationships" xmlns:p="http://schemas.openxmlformats.org/presentationml/2006/main">
+  <p:cSld>
+    <p:spTree>
+      <p:nvGrpSpPr>
+        <p:cNvPr id="1" name=""/>
+        <p:cNvGrpSpPr/>
+        <p:nvPr/>
+      </p:nvGrpSpPr>
+      <p:grpSpPr>
+        <a:xfrm>
+          <a:off x="0" y="0"/>
+          <a:ext cx="0" cy="0"/>
+          <a:chOff x="0" y="0"/>
+          <a:chExt cx="0" cy="0"/>
+        </a:xfrm>
+      </p:grpSpPr>
+      <p:sp>
+        <p:nvSpPr>
+          <p:cNvPr id="4" name="Title 3"/>
+          <p:cNvSpPr>
+            <a:spLocks noGrp="1"/>
+          </p:cNvSpPr>
+          <p:nvPr>
+            <p:ph type="title"/>
+          </p:nvPr>
+        </p:nvSpPr>
+        <p:spPr/>
+        <p:txBody>
+          <a:bodyPr>
+            <a:noAutofit/>
+          </a:bodyPr>
+          <a:lstStyle/>
+          <a:p>
+            <a:r>
+              <a:rPr lang="en-US" sz="3600" dirty="0" smtClean="0"/>
+              <a:t>Requirements Traceability</a:t>
+            </a:r>
+            <a:endParaRPr lang="en-US" sz="3600" dirty="0"/>
+          </a:p>
+        </p:txBody>
+      </p:sp>
+      <p:sp>
+        <p:nvSpPr>
+          <p:cNvPr id="5" name="Content Placeholder 4"/>
+          <p:cNvSpPr>
+            <a:spLocks noGrp="1"/>
+          </p:cNvSpPr>
+          <p:nvPr>
+            <p:ph idx="1"/>
+          </p:nvPr>
+        </p:nvSpPr>
+        <p:spPr>
+          <a:xfrm>
+            <a:off x="3581400" y="304800"/>
+            <a:ext cx="5111750" cy="5853113"/>
+          </a:xfrm>
+        </p:spPr>
+        <p:txBody>
+          <a:bodyPr/>
+          <a:lstStyle/>
+          <a:p>
+            <a:r>
+              <a:rPr lang="en-US" dirty="0" smtClean="0"/>
+              <a:t>At the beginning of each phase of the development process, the requirements and constraints will be assessed and changed according to new manifestations in the process and product.</a:t>
+            </a:r>
+            <a:endParaRPr lang="en-US" dirty="0"/>
+          </a:p>
+        </p:txBody>
+      </p:sp>
+      <p:sp>
+        <p:nvSpPr>
+          <p:cNvPr id="6" name="Text Placeholder 5"/>
+          <p:cNvSpPr>
+            <a:spLocks noGrp="1"/>
+          </p:cNvSpPr>
+          <p:nvPr>
+            <p:ph type="body" sz="half" idx="2"/>
+          </p:nvPr>
+        </p:nvSpPr>
+        <p:spPr/>
+        <p:txBody>
+          <a:bodyPr/>
+          <a:lstStyle/>
+          <a:p>
+            <a:r>
+              <a:rPr lang="en-US" sz="2800" dirty="0" smtClean="0">
+                <a:solidFill>
+                  <a:srgbClr val="FF0000"/>
+                </a:solidFill>
+              </a:rPr>
+              <a:t>Phase</a:t>
+            </a:r>
+          </a:p>
+          <a:p>
+            <a:endParaRPr lang="en-US" sz="2800" dirty="0"/>
+          </a:p>
+          <a:p>
+            <a:r>
+              <a:rPr lang="en-US" sz="2800" dirty="0" smtClean="0"/>
+              <a:t>Iteration</a:t>
+            </a:r>
+          </a:p>
+          <a:p>
+            <a:endParaRPr lang="en-US" sz="2800" dirty="0"/>
+          </a:p>
+          <a:p>
+            <a:r>
+              <a:rPr lang="en-US" sz="2800" dirty="0" smtClean="0"/>
+              <a:t>Prototype Release</a:t>
+            </a:r>
+          </a:p>
+          <a:p>
+            <a:endParaRPr lang="en-US" sz="2800" dirty="0"/>
+          </a:p>
+          <a:p>
+            <a:r>
+              <a:rPr lang="en-US" sz="2800" dirty="0" smtClean="0"/>
+              <a:t>Customer Meeting</a:t>
+            </a:r>
+          </a:p>
+          <a:p>
+            <a:endParaRPr lang="en-US" sz="2800" dirty="0"/>
+          </a:p>
+          <a:p>
+            <a:endParaRPr lang="en-US" dirty="0"/>
+          </a:p>
+        </p:txBody>
+      </p:sp>
+      <p:pic>
+        <p:nvPicPr>
+          <p:cNvPr id="9" name="Picture 8" descr="newjagmedium.jpg"/>
+          <p:cNvPicPr>
+            <a:picLocks noChangeAspect="1"/>
+          </p:cNvPicPr>
+          <p:nvPr/>
+        </p:nvPicPr>
+        <p:blipFill>
+          <a:blip r:embed="rId2" cstate="print"/>
+          <a:stretch>
+            <a:fillRect/>
+          </a:stretch>
+        </p:blipFill>
+        <p:spPr>
+          <a:xfrm>
+            <a:off x="533401" y="5023837"/>
+            <a:ext cx="1981200" cy="1490294"/>
+          </a:xfrm>
+          <a:prstGeom prst="rect">
+            <a:avLst/>
+          </a:prstGeom>
+        </p:spPr>
+      </p:pic>
+      <p:pic>
+        <p:nvPicPr>
+          <p:cNvPr id="10" name="Content Placeholder 8" descr="safe_image.gif"/>
+          <p:cNvPicPr>
+            <a:picLocks noChangeAspect="1"/>
+          </p:cNvPicPr>
+          <p:nvPr/>
+        </p:nvPicPr>
+        <p:blipFill>
+          <a:blip r:embed="rId3" cstate="print"/>
+          <a:stretch>
+            <a:fillRect/>
+          </a:stretch>
+        </p:blipFill>
+        <p:spPr>
+          <a:xfrm>
+            <a:off x="8610600" y="6357196"/>
+            <a:ext cx="533400" cy="500804"/>
+          </a:xfrm>
+          <a:prstGeom prst="rect">
+            <a:avLst/>
+          </a:prstGeom>
+          <a:noFill/>
+        </p:spPr>
+      </p:pic>
+    </p:spTree>
+  </p:cSld>
+  <p:clrMapOvr>
+    <a:masterClrMapping/>
+  </p:clrMapOvr>
+  <p:timing>
+    <p:tnLst>
+      <p:par>
+        <p:cTn id="1" dur="indefinite" restart="never" nodeType="tmRoot"/>
+      </p:par>
+    </p:tnLst>
+  </p:timing>
+</p:sld>
+</file>
+
+<file path=ppt/slides/slide13.xml><?xml version="1.0" encoding="utf-8"?>
+<p:sld xmlns:a="http://schemas.openxmlformats.org/drawingml/2006/main" xmlns:r="http://schemas.openxmlformats.org/officeDocument/2006/relationships" xmlns:p="http://schemas.openxmlformats.org/presentationml/2006/main">
+  <p:cSld>
+    <p:spTree>
+      <p:nvGrpSpPr>
+        <p:cNvPr id="1" name=""/>
+        <p:cNvGrpSpPr/>
+        <p:nvPr/>
+      </p:nvGrpSpPr>
+      <p:grpSpPr>
+        <a:xfrm>
+          <a:off x="0" y="0"/>
+          <a:ext cx="0" cy="0"/>
+          <a:chOff x="0" y="0"/>
+          <a:chExt cx="0" cy="0"/>
+        </a:xfrm>
+      </p:grpSpPr>
+      <p:sp>
+        <p:nvSpPr>
+          <p:cNvPr id="4" name="Title 3"/>
+          <p:cNvSpPr>
+            <a:spLocks noGrp="1"/>
+          </p:cNvSpPr>
+          <p:nvPr>
+            <p:ph type="title"/>
+          </p:nvPr>
+        </p:nvSpPr>
+        <p:spPr/>
+        <p:txBody>
+          <a:bodyPr>
+            <a:noAutofit/>
+          </a:bodyPr>
+          <a:lstStyle/>
+          <a:p>
+            <a:r>
+              <a:rPr lang="en-US" sz="3600" dirty="0" smtClean="0"/>
+              <a:t>Requirements Traceability</a:t>
+            </a:r>
+            <a:endParaRPr lang="en-US" sz="3600" dirty="0"/>
+          </a:p>
+        </p:txBody>
+      </p:sp>
+      <p:sp>
+        <p:nvSpPr>
+          <p:cNvPr id="5" name="Content Placeholder 4"/>
+          <p:cNvSpPr>
+            <a:spLocks noGrp="1"/>
+          </p:cNvSpPr>
+          <p:nvPr>
+            <p:ph idx="1"/>
+          </p:nvPr>
+        </p:nvSpPr>
+        <p:spPr>
+          <a:xfrm>
+            <a:off x="3581400" y="304800"/>
+            <a:ext cx="5111750" cy="5853113"/>
+          </a:xfrm>
+        </p:spPr>
+        <p:txBody>
+          <a:bodyPr/>
+          <a:lstStyle/>
+          <a:p>
+            <a:r>
+              <a:rPr lang="en-US" dirty="0" smtClean="0"/>
+              <a:t>Much like the process at the end of each phase, requirements will be assessed at the end and all throughout the iterations until release. If changes in requirements are required mid iteration they will be addressed when needed.</a:t>
+            </a:r>
+            <a:endParaRPr lang="en-US" dirty="0"/>
+          </a:p>
+        </p:txBody>
+      </p:sp>
+      <p:sp>
+        <p:nvSpPr>
+          <p:cNvPr id="6" name="Text Placeholder 5"/>
+          <p:cNvSpPr>
+            <a:spLocks noGrp="1"/>
+          </p:cNvSpPr>
+          <p:nvPr>
+            <p:ph type="body" sz="half" idx="2"/>
+          </p:nvPr>
+        </p:nvSpPr>
+        <p:spPr/>
+        <p:txBody>
+          <a:bodyPr/>
+          <a:lstStyle/>
+          <a:p>
+            <a:r>
+              <a:rPr lang="en-US" sz="2800" dirty="0" smtClean="0"/>
+              <a:t>Phase</a:t>
+            </a:r>
+          </a:p>
+          <a:p>
+            <a:endParaRPr lang="en-US" sz="2800" dirty="0"/>
+          </a:p>
+          <a:p>
+            <a:r>
+              <a:rPr lang="en-US" sz="2800" dirty="0" smtClean="0">
+                <a:solidFill>
+                  <a:srgbClr val="FF0000"/>
+                </a:solidFill>
+              </a:rPr>
+              <a:t>Iteration</a:t>
+            </a:r>
+          </a:p>
+          <a:p>
+            <a:endParaRPr lang="en-US" sz="2800" dirty="0"/>
+          </a:p>
+          <a:p>
+            <a:r>
+              <a:rPr lang="en-US" sz="2800" dirty="0" smtClean="0"/>
+              <a:t>Prototype Release</a:t>
+            </a:r>
+          </a:p>
+          <a:p>
+            <a:endParaRPr lang="en-US" sz="2800" dirty="0"/>
+          </a:p>
+          <a:p>
+            <a:r>
+              <a:rPr lang="en-US" sz="2800" dirty="0" smtClean="0"/>
+              <a:t>Customer Meeting</a:t>
+            </a:r>
+          </a:p>
+          <a:p>
+            <a:endParaRPr lang="en-US" sz="2800" dirty="0"/>
+          </a:p>
+          <a:p>
+            <a:endParaRPr lang="en-US" dirty="0"/>
+          </a:p>
+        </p:txBody>
+      </p:sp>
+      <p:pic>
+        <p:nvPicPr>
+          <p:cNvPr id="7" name="Picture 6" descr="newjagmedium.jpg"/>
+          <p:cNvPicPr>
+            <a:picLocks noChangeAspect="1"/>
+          </p:cNvPicPr>
+          <p:nvPr/>
+        </p:nvPicPr>
+        <p:blipFill>
+          <a:blip r:embed="rId2" cstate="print"/>
+          <a:stretch>
+            <a:fillRect/>
+          </a:stretch>
+        </p:blipFill>
+        <p:spPr>
+          <a:xfrm>
+            <a:off x="533401" y="5023837"/>
+            <a:ext cx="1981200" cy="1490294"/>
+          </a:xfrm>
+          <a:prstGeom prst="rect">
+            <a:avLst/>
+          </a:prstGeom>
+        </p:spPr>
+      </p:pic>
+      <p:pic>
+        <p:nvPicPr>
+          <p:cNvPr id="8" name="Content Placeholder 8" descr="safe_image.gif"/>
+          <p:cNvPicPr>
+            <a:picLocks noChangeAspect="1"/>
+          </p:cNvPicPr>
+          <p:nvPr/>
+        </p:nvPicPr>
+        <p:blipFill>
+          <a:blip r:embed="rId3" cstate="print"/>
+          <a:stretch>
+            <a:fillRect/>
+          </a:stretch>
+        </p:blipFill>
+        <p:spPr>
+          <a:xfrm>
+            <a:off x="8610600" y="6357196"/>
+            <a:ext cx="533400" cy="500804"/>
+          </a:xfrm>
+          <a:prstGeom prst="rect">
+            <a:avLst/>
+          </a:prstGeom>
+          <a:noFill/>
+        </p:spPr>
+      </p:pic>
+    </p:spTree>
+  </p:cSld>
+  <p:clrMapOvr>
+    <a:masterClrMapping/>
+  </p:clrMapOvr>
+  <p:timing>
+    <p:tnLst>
+      <p:par>
+        <p:cTn id="1" dur="indefinite" restart="never" nodeType="tmRoot"/>
+      </p:par>
+    </p:tnLst>
+  </p:timing>
+</p:sld>
+</file>
+
+<file path=ppt/slides/slide14.xml><?xml version="1.0" encoding="utf-8"?>
+<p:sld xmlns:a="http://schemas.openxmlformats.org/drawingml/2006/main" xmlns:r="http://schemas.openxmlformats.org/officeDocument/2006/relationships" xmlns:p="http://schemas.openxmlformats.org/presentationml/2006/main">
+  <p:cSld>
+    <p:spTree>
+      <p:nvGrpSpPr>
+        <p:cNvPr id="1" name=""/>
+        <p:cNvGrpSpPr/>
+        <p:nvPr/>
+      </p:nvGrpSpPr>
+      <p:grpSpPr>
+        <a:xfrm>
+          <a:off x="0" y="0"/>
+          <a:ext cx="0" cy="0"/>
+          <a:chOff x="0" y="0"/>
+          <a:chExt cx="0" cy="0"/>
+        </a:xfrm>
+      </p:grpSpPr>
+      <p:sp>
+        <p:nvSpPr>
+          <p:cNvPr id="4" name="Title 3"/>
+          <p:cNvSpPr>
+            <a:spLocks noGrp="1"/>
+          </p:cNvSpPr>
+          <p:nvPr>
+            <p:ph type="title"/>
+          </p:nvPr>
+        </p:nvSpPr>
+        <p:spPr/>
+        <p:txBody>
+          <a:bodyPr>
+            <a:noAutofit/>
+          </a:bodyPr>
+          <a:lstStyle/>
+          <a:p>
+            <a:r>
+              <a:rPr lang="en-US" sz="3600" dirty="0" smtClean="0"/>
+              <a:t>Requirements Traceability</a:t>
+            </a:r>
+            <a:endParaRPr lang="en-US" sz="3600" dirty="0"/>
+          </a:p>
+        </p:txBody>
+      </p:sp>
+      <p:sp>
+        <p:nvSpPr>
+          <p:cNvPr id="5" name="Content Placeholder 4"/>
+          <p:cNvSpPr>
+            <a:spLocks noGrp="1"/>
+          </p:cNvSpPr>
+          <p:nvPr>
+            <p:ph idx="1"/>
+          </p:nvPr>
+        </p:nvSpPr>
+        <p:spPr>
+          <a:xfrm>
+            <a:off x="3581400" y="304800"/>
+            <a:ext cx="5111750" cy="5853113"/>
+          </a:xfrm>
+        </p:spPr>
+        <p:txBody>
+          <a:bodyPr/>
+          <a:lstStyle/>
+          <a:p>
+            <a:r>
+              <a:rPr lang="en-US" dirty="0" smtClean="0"/>
+              <a:t>Whenever a prototype is released the information gathered from the prototype will be used to update the requirements and confirm that the project is holding to the requirements already established.</a:t>
+            </a:r>
+            <a:endParaRPr lang="en-US" dirty="0"/>
+          </a:p>
+        </p:txBody>
+      </p:sp>
+      <p:sp>
+        <p:nvSpPr>
+          <p:cNvPr id="6" name="Text Placeholder 5"/>
+          <p:cNvSpPr>
+            <a:spLocks noGrp="1"/>
+          </p:cNvSpPr>
+          <p:nvPr>
+            <p:ph type="body" sz="half" idx="2"/>
+          </p:nvPr>
+        </p:nvSpPr>
+        <p:spPr/>
+        <p:txBody>
+          <a:bodyPr/>
+          <a:lstStyle/>
+          <a:p>
+            <a:r>
+              <a:rPr lang="en-US" sz="2800" dirty="0" smtClean="0"/>
+              <a:t>Phase</a:t>
+            </a:r>
+          </a:p>
+          <a:p>
+            <a:endParaRPr lang="en-US" sz="2800" dirty="0"/>
+          </a:p>
+          <a:p>
+            <a:r>
+              <a:rPr lang="en-US" sz="2800" dirty="0" smtClean="0"/>
+              <a:t>Iteration</a:t>
+            </a:r>
+          </a:p>
+          <a:p>
+            <a:endParaRPr lang="en-US" sz="2800" dirty="0"/>
+          </a:p>
+          <a:p>
+            <a:r>
+              <a:rPr lang="en-US" sz="2800" dirty="0" smtClean="0">
+                <a:solidFill>
+                  <a:srgbClr val="FF0000"/>
+                </a:solidFill>
+              </a:rPr>
+              <a:t>Prototype Release</a:t>
+            </a:r>
+          </a:p>
+          <a:p>
+            <a:endParaRPr lang="en-US" sz="2800" dirty="0"/>
+          </a:p>
+          <a:p>
+            <a:r>
+              <a:rPr lang="en-US" sz="2800" dirty="0" smtClean="0"/>
+              <a:t>Customer Meeting</a:t>
+            </a:r>
+          </a:p>
+          <a:p>
+            <a:endParaRPr lang="en-US" sz="2800" dirty="0"/>
+          </a:p>
+          <a:p>
+            <a:endParaRPr lang="en-US" dirty="0"/>
+          </a:p>
+        </p:txBody>
+      </p:sp>
+      <p:pic>
+        <p:nvPicPr>
+          <p:cNvPr id="7" name="Picture 6" descr="newjagmedium.jpg"/>
+          <p:cNvPicPr>
+            <a:picLocks noChangeAspect="1"/>
+          </p:cNvPicPr>
+          <p:nvPr/>
+        </p:nvPicPr>
+        <p:blipFill>
+          <a:blip r:embed="rId2" cstate="print"/>
+          <a:stretch>
+            <a:fillRect/>
+          </a:stretch>
+        </p:blipFill>
+        <p:spPr>
+          <a:xfrm>
+            <a:off x="533401" y="5023837"/>
+            <a:ext cx="1981200" cy="1490294"/>
+          </a:xfrm>
+          <a:prstGeom prst="rect">
+            <a:avLst/>
+          </a:prstGeom>
+        </p:spPr>
+      </p:pic>
+      <p:pic>
+        <p:nvPicPr>
+          <p:cNvPr id="8" name="Content Placeholder 8" descr="safe_image.gif"/>
+          <p:cNvPicPr>
+            <a:picLocks noChangeAspect="1"/>
+          </p:cNvPicPr>
+          <p:nvPr/>
+        </p:nvPicPr>
+        <p:blipFill>
+          <a:blip r:embed="rId3" cstate="print"/>
+          <a:stretch>
+            <a:fillRect/>
+          </a:stretch>
+        </p:blipFill>
+        <p:spPr>
+          <a:xfrm>
+            <a:off x="8610600" y="6357196"/>
+            <a:ext cx="533400" cy="500804"/>
+          </a:xfrm>
+          <a:prstGeom prst="rect">
+            <a:avLst/>
+          </a:prstGeom>
+          <a:noFill/>
+        </p:spPr>
+      </p:pic>
+    </p:spTree>
+  </p:cSld>
+  <p:clrMapOvr>
+    <a:masterClrMapping/>
+  </p:clrMapOvr>
+  <p:timing>
+    <p:tnLst>
+      <p:par>
+        <p:cTn id="1" dur="indefinite" restart="never" nodeType="tmRoot"/>
+      </p:par>
+    </p:tnLst>
+  </p:timing>
+</p:sld>
+</file>
+
+<file path=ppt/slides/slide15.xml><?xml version="1.0" encoding="utf-8"?>
+<p:sld xmlns:a="http://schemas.openxmlformats.org/drawingml/2006/main" xmlns:r="http://schemas.openxmlformats.org/officeDocument/2006/relationships" xmlns:p="http://schemas.openxmlformats.org/presentationml/2006/main">
+  <p:cSld>
+    <p:spTree>
+      <p:nvGrpSpPr>
+        <p:cNvPr id="1" name=""/>
+        <p:cNvGrpSpPr/>
+        <p:nvPr/>
+      </p:nvGrpSpPr>
+      <p:grpSpPr>
+        <a:xfrm>
+          <a:off x="0" y="0"/>
+          <a:ext cx="0" cy="0"/>
+          <a:chOff x="0" y="0"/>
+          <a:chExt cx="0" cy="0"/>
+        </a:xfrm>
+      </p:grpSpPr>
+      <p:sp>
+        <p:nvSpPr>
+          <p:cNvPr id="4" name="Title 3"/>
+          <p:cNvSpPr>
+            <a:spLocks noGrp="1"/>
+          </p:cNvSpPr>
+          <p:nvPr>
+            <p:ph type="title"/>
+          </p:nvPr>
+        </p:nvSpPr>
+        <p:spPr/>
+        <p:txBody>
+          <a:bodyPr>
+            <a:noAutofit/>
+          </a:bodyPr>
+          <a:lstStyle/>
+          <a:p>
+            <a:r>
+              <a:rPr lang="en-US" sz="3600" dirty="0" smtClean="0"/>
+              <a:t>Requirements Traceability</a:t>
+            </a:r>
+            <a:endParaRPr lang="en-US" sz="3600" dirty="0"/>
+          </a:p>
+        </p:txBody>
+      </p:sp>
+      <p:sp>
+        <p:nvSpPr>
+          <p:cNvPr id="5" name="Content Placeholder 4"/>
+          <p:cNvSpPr>
+            <a:spLocks noGrp="1"/>
+          </p:cNvSpPr>
+          <p:nvPr>
+            <p:ph idx="1"/>
+          </p:nvPr>
+        </p:nvSpPr>
+        <p:spPr>
+          <a:noFill/>
+        </p:spPr>
+        <p:txBody>
+          <a:bodyPr>
+            <a:normAutofit lnSpcReduction="10000"/>
+          </a:bodyPr>
+          <a:lstStyle/>
+          <a:p>
+            <a:r>
+              <a:rPr lang="en-US" dirty="0" smtClean="0"/>
+              <a:t>Every customer meeting will provide feedback from both team leaders and the customer as to assess whether the project is holding to the original and current requirements. Any changes needing to take place can be addressed at these meetings and implemented if deemed necessary.</a:t>
+            </a:r>
+            <a:endParaRPr lang="en-US" dirty="0"/>
+          </a:p>
+        </p:txBody>
+      </p:sp>
+      <p:sp>
+        <p:nvSpPr>
+          <p:cNvPr id="6" name="Text Placeholder 5"/>
+          <p:cNvSpPr>
+            <a:spLocks noGrp="1"/>
+          </p:cNvSpPr>
+          <p:nvPr>
+            <p:ph type="body" sz="half" idx="2"/>
+          </p:nvPr>
+        </p:nvSpPr>
+        <p:spPr/>
+        <p:txBody>
+          <a:bodyPr/>
+          <a:lstStyle/>
+          <a:p>
+            <a:r>
+              <a:rPr lang="en-US" sz="2800" dirty="0" smtClean="0"/>
+              <a:t>Phase</a:t>
+            </a:r>
+          </a:p>
+          <a:p>
+            <a:endParaRPr lang="en-US" sz="2800" dirty="0"/>
+          </a:p>
+          <a:p>
+            <a:r>
+              <a:rPr lang="en-US" sz="2800" dirty="0" smtClean="0"/>
+              <a:t>Iteration</a:t>
+            </a:r>
+          </a:p>
+          <a:p>
+            <a:endParaRPr lang="en-US" sz="2800" dirty="0"/>
+          </a:p>
+          <a:p>
+            <a:r>
+              <a:rPr lang="en-US" sz="2800" dirty="0" smtClean="0"/>
+              <a:t>Prototype Release</a:t>
+            </a:r>
+          </a:p>
+          <a:p>
+            <a:endParaRPr lang="en-US" sz="2800" dirty="0"/>
+          </a:p>
+          <a:p>
+            <a:r>
+              <a:rPr lang="en-US" sz="2800" dirty="0" smtClean="0">
+                <a:solidFill>
+                  <a:srgbClr val="FF0000"/>
+                </a:solidFill>
+              </a:rPr>
+              <a:t>Customer Meeting</a:t>
+            </a:r>
+          </a:p>
+          <a:p>
+            <a:endParaRPr lang="en-US" sz="2800" dirty="0"/>
+          </a:p>
+          <a:p>
+            <a:endParaRPr lang="en-US" dirty="0"/>
+          </a:p>
+        </p:txBody>
+      </p:sp>
+      <p:pic>
+        <p:nvPicPr>
+          <p:cNvPr id="8" name="Picture 7" descr="newjagmedium.jpg"/>
+          <p:cNvPicPr>
+            <a:picLocks noChangeAspect="1"/>
+          </p:cNvPicPr>
+          <p:nvPr/>
+        </p:nvPicPr>
+        <p:blipFill>
+          <a:blip r:embed="rId2" cstate="print"/>
+          <a:stretch>
+            <a:fillRect/>
+          </a:stretch>
+        </p:blipFill>
+        <p:spPr>
+          <a:xfrm>
+            <a:off x="533401" y="5023837"/>
+            <a:ext cx="1981200" cy="1490294"/>
+          </a:xfrm>
+          <a:prstGeom prst="rect">
+            <a:avLst/>
+          </a:prstGeom>
+        </p:spPr>
+      </p:pic>
+      <p:pic>
+        <p:nvPicPr>
+          <p:cNvPr id="9" name="Content Placeholder 8" descr="safe_image.gif"/>
+          <p:cNvPicPr>
+            <a:picLocks noChangeAspect="1"/>
+          </p:cNvPicPr>
+          <p:nvPr/>
+        </p:nvPicPr>
+        <p:blipFill>
+          <a:blip r:embed="rId3" cstate="print"/>
+          <a:stretch>
+            <a:fillRect/>
+          </a:stretch>
+        </p:blipFill>
+        <p:spPr>
+          <a:xfrm>
+            <a:off x="8610600" y="6357196"/>
+            <a:ext cx="533400" cy="500804"/>
+          </a:xfrm>
+          <a:prstGeom prst="rect">
+            <a:avLst/>
+          </a:prstGeom>
+          <a:noFill/>
+        </p:spPr>
+      </p:pic>
+    </p:spTree>
+  </p:cSld>
+  <p:clrMapOvr>
+    <a:masterClrMapping/>
+  </p:clrMapOvr>
+  <p:timing>
+    <p:tnLst>
+      <p:par>
+        <p:cTn id="1" dur="indefinite" restart="never" nodeType="tmRoot"/>
+      </p:par>
+    </p:tnLst>
+  </p:timing>
+</p:sld>
+</file>
+
+<file path=ppt/slides/slide16.xml><?xml version="1.0" encoding="utf-8"?>
+<p:sld xmlns:a="http://schemas.openxmlformats.org/drawingml/2006/main" xmlns:r="http://schemas.openxmlformats.org/officeDocument/2006/relationships" xmlns:p="http://schemas.openxmlformats.org/presentationml/2006/main">
+  <p:cSld>
+    <p:spTree>
+      <p:nvGrpSpPr>
+        <p:cNvPr id="1" name=""/>
+        <p:cNvGrpSpPr/>
+        <p:nvPr/>
+      </p:nvGrpSpPr>
+      <p:grpSpPr>
+        <a:xfrm>
+          <a:off x="0" y="0"/>
+          <a:ext cx="0" cy="0"/>
+          <a:chOff x="0" y="0"/>
+          <a:chExt cx="0" cy="0"/>
+        </a:xfrm>
+      </p:grpSpPr>
+      <p:sp>
+        <p:nvSpPr>
+          <p:cNvPr id="10241" name="Rectangle 1"/>
+          <p:cNvSpPr>
+            <a:spLocks noGrp="1" noChangeArrowheads="1"/>
+          </p:cNvSpPr>
+          <p:nvPr>
+            <p:ph type="title"/>
+          </p:nvPr>
+        </p:nvSpPr>
+        <p:spPr>
+          <a:xfrm>
+            <a:off x="456481" y="273629"/>
+            <a:ext cx="8228160" cy="1144921"/>
+          </a:xfrm>
+          <a:ln/>
+        </p:spPr>
+        <p:txBody>
+          <a:bodyPr tIns="32803">
+            <a:normAutofit fontScale="90000"/>
+          </a:bodyPr>
+          <a:lstStyle/>
+          <a:p>
+            <a:pPr>
+              <a:tabLst>
+                <a:tab pos="656650" algn="l"/>
+                <a:tab pos="1313299" algn="l"/>
+                <a:tab pos="1969949" algn="l"/>
+                <a:tab pos="2626599" algn="l"/>
+                <a:tab pos="3283248" algn="l"/>
+                <a:tab pos="3939898" algn="l"/>
+                <a:tab pos="4596548" algn="l"/>
+                <a:tab pos="5253198" algn="l"/>
+                <a:tab pos="5909847" algn="l"/>
+                <a:tab pos="6566497" algn="l"/>
+                <a:tab pos="7223147" algn="l"/>
+                <a:tab pos="7879796" algn="l"/>
+              </a:tabLst>
+            </a:pPr>
+            <a:r>
+              <a:rPr lang="en-US" dirty="0"/>
+              <a:t>Recommendations on components to buy/build/reuse</a:t>
+            </a:r>
+          </a:p>
+        </p:txBody>
+      </p:sp>
+      <p:sp>
+        <p:nvSpPr>
+          <p:cNvPr id="10242" name="Rectangle 2"/>
+          <p:cNvSpPr>
+            <a:spLocks noGrp="1" noChangeArrowheads="1"/>
+          </p:cNvSpPr>
+          <p:nvPr>
+            <p:ph type="body" idx="1"/>
+          </p:nvPr>
+        </p:nvSpPr>
+        <p:spPr>
+          <a:xfrm>
+            <a:off x="653760" y="1795869"/>
+            <a:ext cx="8032320" cy="4526395"/>
+          </a:xfrm>
+          <a:ln/>
+        </p:spPr>
+        <p:txBody>
+          <a:bodyPr/>
+          <a:lstStyle/>
+          <a:p>
+            <a:pPr marL="391686" indent="-293764">
+              <a:buClr>
+                <a:srgbClr val="FF6633"/>
+              </a:buClr>
+              <a:buSzPct val="45000"/>
+              <a:buFont typeface="Wingdings" charset="2"/>
+              <a:buChar char=""/>
+              <a:tabLst>
+                <a:tab pos="656650" algn="l"/>
+                <a:tab pos="1313299" algn="l"/>
+                <a:tab pos="1969949" algn="l"/>
+                <a:tab pos="2626599" algn="l"/>
+                <a:tab pos="3283248" algn="l"/>
+                <a:tab pos="3939898" algn="l"/>
+                <a:tab pos="4596548" algn="l"/>
+                <a:tab pos="5253198" algn="l"/>
+                <a:tab pos="5909847" algn="l"/>
+                <a:tab pos="6566497" algn="l"/>
+                <a:tab pos="7223147" algn="l"/>
+                <a:tab pos="7879796" algn="l"/>
+              </a:tabLst>
+            </a:pPr>
+            <a:r>
+              <a:rPr lang="en-US" dirty="0"/>
+              <a:t>GPS sensors ($40 - $200)</a:t>
+            </a:r>
+          </a:p>
+          <a:p>
+            <a:pPr marL="391686" indent="-293764">
+              <a:buClr>
+                <a:srgbClr val="FF6633"/>
+              </a:buClr>
+              <a:buSzPct val="45000"/>
+              <a:buFont typeface="Wingdings" charset="2"/>
+              <a:buChar char=""/>
+              <a:tabLst>
+                <a:tab pos="656650" algn="l"/>
+                <a:tab pos="1313299" algn="l"/>
+                <a:tab pos="1969949" algn="l"/>
+                <a:tab pos="2626599" algn="l"/>
+                <a:tab pos="3283248" algn="l"/>
+                <a:tab pos="3939898" algn="l"/>
+                <a:tab pos="4596548" algn="l"/>
+                <a:tab pos="5253198" algn="l"/>
+                <a:tab pos="5909847" algn="l"/>
+                <a:tab pos="6566497" algn="l"/>
+                <a:tab pos="7223147" algn="l"/>
+                <a:tab pos="7879796" algn="l"/>
+              </a:tabLst>
+            </a:pPr>
+            <a:r>
+              <a:rPr lang="en-US" dirty="0"/>
+              <a:t>Possibly motion sensors ($20 - $300</a:t>
+            </a:r>
+            <a:r>
+              <a:rPr lang="en-US" dirty="0" smtClean="0"/>
+              <a:t>)</a:t>
+            </a:r>
+          </a:p>
+          <a:p>
+            <a:pPr marL="391686" indent="-293764">
+              <a:buClr>
+                <a:srgbClr val="FF6633"/>
+              </a:buClr>
+              <a:buSzPct val="45000"/>
+              <a:buFont typeface="Wingdings" charset="2"/>
+              <a:buChar char=""/>
+              <a:tabLst>
+                <a:tab pos="656650" algn="l"/>
+                <a:tab pos="1313299" algn="l"/>
+                <a:tab pos="1969949" algn="l"/>
+                <a:tab pos="2626599" algn="l"/>
+                <a:tab pos="3283248" algn="l"/>
+                <a:tab pos="3939898" algn="l"/>
+                <a:tab pos="4596548" algn="l"/>
+                <a:tab pos="5253198" algn="l"/>
+                <a:tab pos="5909847" algn="l"/>
+                <a:tab pos="6566497" algn="l"/>
+                <a:tab pos="7223147" algn="l"/>
+                <a:tab pos="7879796" algn="l"/>
+              </a:tabLst>
+            </a:pPr>
+            <a:r>
+              <a:rPr lang="en-US" dirty="0" smtClean="0"/>
+              <a:t>Visual Paradigm</a:t>
+            </a:r>
+          </a:p>
+          <a:p>
+            <a:pPr marL="391686" indent="-293764">
+              <a:buClr>
+                <a:srgbClr val="FF6633"/>
+              </a:buClr>
+              <a:buSzPct val="45000"/>
+              <a:buFont typeface="Wingdings" charset="2"/>
+              <a:buChar char=""/>
+              <a:tabLst>
+                <a:tab pos="656650" algn="l"/>
+                <a:tab pos="1313299" algn="l"/>
+                <a:tab pos="1969949" algn="l"/>
+                <a:tab pos="2626599" algn="l"/>
+                <a:tab pos="3283248" algn="l"/>
+                <a:tab pos="3939898" algn="l"/>
+                <a:tab pos="4596548" algn="l"/>
+                <a:tab pos="5253198" algn="l"/>
+                <a:tab pos="5909847" algn="l"/>
+                <a:tab pos="6566497" algn="l"/>
+                <a:tab pos="7223147" algn="l"/>
+                <a:tab pos="7879796" algn="l"/>
+              </a:tabLst>
+            </a:pPr>
+            <a:r>
+              <a:rPr lang="en-US" dirty="0" smtClean="0"/>
+              <a:t>Possible software libraries</a:t>
+            </a:r>
+            <a:endParaRPr lang="en-US" dirty="0"/>
+          </a:p>
+          <a:p>
+            <a:pPr marL="391686" indent="-293764">
+              <a:buClr>
+                <a:srgbClr val="FF6633"/>
+              </a:buClr>
+              <a:buSzPct val="45000"/>
+              <a:buFont typeface="Wingdings" charset="2"/>
+              <a:buChar char=""/>
+              <a:tabLst>
+                <a:tab pos="656650" algn="l"/>
+                <a:tab pos="1313299" algn="l"/>
+                <a:tab pos="1969949" algn="l"/>
+                <a:tab pos="2626599" algn="l"/>
+                <a:tab pos="3283248" algn="l"/>
+                <a:tab pos="3939898" algn="l"/>
+                <a:tab pos="4596548" algn="l"/>
+                <a:tab pos="5253198" algn="l"/>
+                <a:tab pos="5909847" algn="l"/>
+                <a:tab pos="6566497" algn="l"/>
+                <a:tab pos="7223147" algn="l"/>
+                <a:tab pos="7879796" algn="l"/>
+              </a:tabLst>
+            </a:pPr>
+            <a:endParaRPr lang="en-US" dirty="0"/>
+          </a:p>
+        </p:txBody>
+      </p:sp>
+    </p:spTree>
+  </p:cSld>
+  <p:clrMapOvr>
+    <a:masterClrMapping/>
+  </p:clrMapOvr>
+  <p:transition spd="med"/>
+  <p:timing>
+    <p:tnLst>
+      <p:par>
+        <p:cTn id="1" dur="indefinite" nodeType="tmRoot">
+          <p:childTnLst>
+            <p:seq concurrent="1" nextAc="seek">
+              <p:cTn id="2" dur="0" nodeType="mainSeq"/>
+              <p:prevCondLst>
+                <p:cond evt="onPrev" delay="0">
+                  <p:tgtEl>
+                    <p:sldTgt/>
+                  </p:tgtEl>
+                </p:cond>
+              </p:prevCondLst>
+              <p:nextCondLst>
+                <p:cond evt="onNext" delay="0">
+                  <p:tgtEl>
+                    <p:sldTgt/>
+                  </p:tgtEl>
+                </p:cond>
+              </p:nextCondLst>
+            </p:seq>
+          </p:childTnLst>
+        </p:cTn>
+      </p:par>
+    </p:tnLst>
+  </p:timing>
+</p:sld>
+</file>
+
+<file path=ppt/slides/slide17.xml><?xml version="1.0" encoding="utf-8"?>
+<p:sld xmlns:a="http://schemas.openxmlformats.org/drawingml/2006/main" xmlns:r="http://schemas.openxmlformats.org/officeDocument/2006/relationships" xmlns:p="http://schemas.openxmlformats.org/presentationml/2006/main">
+  <p:cSld>
+    <p:spTree>
+      <p:nvGrpSpPr>
+        <p:cNvPr id="1" name=""/>
+        <p:cNvGrpSpPr/>
+        <p:nvPr/>
+      </p:nvGrpSpPr>
+      <p:grpSpPr>
+        <a:xfrm>
+          <a:off x="0" y="0"/>
+          <a:ext cx="0" cy="0"/>
+          <a:chOff x="0" y="0"/>
+          <a:chExt cx="0" cy="0"/>
+        </a:xfrm>
+      </p:grpSpPr>
+      <p:sp>
+        <p:nvSpPr>
+          <p:cNvPr id="8193" name="Rectangle 1"/>
+          <p:cNvSpPr>
+            <a:spLocks noGrp="1" noChangeArrowheads="1"/>
+          </p:cNvSpPr>
+          <p:nvPr>
+            <p:ph type="title"/>
+          </p:nvPr>
+        </p:nvSpPr>
+        <p:spPr>
+          <a:xfrm>
+            <a:off x="456481" y="273629"/>
+            <a:ext cx="8228160" cy="1144921"/>
+          </a:xfrm>
+          <a:ln/>
+        </p:spPr>
+        <p:txBody>
+          <a:bodyPr tIns="32803">
+            <a:normAutofit fontScale="90000"/>
+          </a:bodyPr>
+          <a:lstStyle/>
+          <a:p>
+            <a:pPr>
+              <a:tabLst>
+                <a:tab pos="656650" algn="l"/>
+                <a:tab pos="1313299" algn="l"/>
+                <a:tab pos="1969949" algn="l"/>
+                <a:tab pos="2626599" algn="l"/>
+                <a:tab pos="3283248" algn="l"/>
+                <a:tab pos="3939898" algn="l"/>
+                <a:tab pos="4596548" algn="l"/>
+                <a:tab pos="5253198" algn="l"/>
+                <a:tab pos="5909847" algn="l"/>
+                <a:tab pos="6566497" algn="l"/>
+                <a:tab pos="7223147" algn="l"/>
+                <a:tab pos="7879796" algn="l"/>
+              </a:tabLst>
+            </a:pPr>
+            <a:r>
+              <a:rPr lang="en-US" dirty="0"/>
+              <a:t>High Level Candidate Architecture</a:t>
+            </a:r>
+          </a:p>
+        </p:txBody>
+      </p:sp>
+      <p:sp>
+        <p:nvSpPr>
+          <p:cNvPr id="8194" name="Rectangle 2"/>
+          <p:cNvSpPr>
+            <a:spLocks noGrp="1" noChangeArrowheads="1"/>
+          </p:cNvSpPr>
+          <p:nvPr>
+            <p:ph type="body" idx="1"/>
+          </p:nvPr>
+        </p:nvSpPr>
+        <p:spPr>
+          <a:xfrm>
+            <a:off x="653760" y="1795869"/>
+            <a:ext cx="8032320" cy="4526395"/>
+          </a:xfrm>
+          <a:ln/>
+        </p:spPr>
+        <p:txBody>
+          <a:bodyPr>
+            <a:normAutofit lnSpcReduction="10000"/>
+          </a:bodyPr>
+          <a:lstStyle/>
+          <a:p>
+            <a:pPr marL="391686" indent="-293764">
+              <a:buClr>
+                <a:srgbClr val="FF6633"/>
+              </a:buClr>
+              <a:buSzPct val="45000"/>
+              <a:buFont typeface="Wingdings" charset="2"/>
+              <a:buChar char=""/>
+              <a:tabLst>
+                <a:tab pos="656650" algn="l"/>
+                <a:tab pos="1313299" algn="l"/>
+                <a:tab pos="1969949" algn="l"/>
+                <a:tab pos="2626599" algn="l"/>
+                <a:tab pos="3283248" algn="l"/>
+                <a:tab pos="3939898" algn="l"/>
+                <a:tab pos="4596548" algn="l"/>
+                <a:tab pos="5253198" algn="l"/>
+                <a:tab pos="5909847" algn="l"/>
+                <a:tab pos="6566497" algn="l"/>
+                <a:tab pos="7223147" algn="l"/>
+                <a:tab pos="7879796" algn="l"/>
+              </a:tabLst>
+            </a:pPr>
+            <a:r>
+              <a:rPr lang="en-US" dirty="0"/>
+              <a:t>All data storage will be done via SQL </a:t>
+            </a:r>
+            <a:r>
+              <a:rPr lang="en-US" dirty="0" smtClean="0"/>
+              <a:t>database (database model /provider subject to change)</a:t>
+            </a:r>
+            <a:endParaRPr lang="en-US" dirty="0"/>
+          </a:p>
+          <a:p>
+            <a:pPr marL="391686" indent="-293764">
+              <a:buClr>
+                <a:srgbClr val="FF6633"/>
+              </a:buClr>
+              <a:buSzPct val="45000"/>
+              <a:buFont typeface="Wingdings" charset="2"/>
+              <a:buChar char=""/>
+              <a:tabLst>
+                <a:tab pos="656650" algn="l"/>
+                <a:tab pos="1313299" algn="l"/>
+                <a:tab pos="1969949" algn="l"/>
+                <a:tab pos="2626599" algn="l"/>
+                <a:tab pos="3283248" algn="l"/>
+                <a:tab pos="3939898" algn="l"/>
+                <a:tab pos="4596548" algn="l"/>
+                <a:tab pos="5253198" algn="l"/>
+                <a:tab pos="5909847" algn="l"/>
+                <a:tab pos="6566497" algn="l"/>
+                <a:tab pos="7223147" algn="l"/>
+                <a:tab pos="7879796" algn="l"/>
+              </a:tabLst>
+            </a:pPr>
+            <a:r>
+              <a:rPr lang="en-US" dirty="0"/>
+              <a:t>Bus locations can be obtained via GPS sensors</a:t>
+            </a:r>
+          </a:p>
+          <a:p>
+            <a:pPr marL="391686" indent="-293764">
+              <a:buClr>
+                <a:srgbClr val="FF6633"/>
+              </a:buClr>
+              <a:buSzPct val="45000"/>
+              <a:buFont typeface="Wingdings" charset="2"/>
+              <a:buChar char=""/>
+              <a:tabLst>
+                <a:tab pos="656650" algn="l"/>
+                <a:tab pos="1313299" algn="l"/>
+                <a:tab pos="1969949" algn="l"/>
+                <a:tab pos="2626599" algn="l"/>
+                <a:tab pos="3283248" algn="l"/>
+                <a:tab pos="3939898" algn="l"/>
+                <a:tab pos="4596548" algn="l"/>
+                <a:tab pos="5253198" algn="l"/>
+                <a:tab pos="5909847" algn="l"/>
+                <a:tab pos="6566497" algn="l"/>
+                <a:tab pos="7223147" algn="l"/>
+                <a:tab pos="7879796" algn="l"/>
+              </a:tabLst>
+            </a:pPr>
+            <a:r>
+              <a:rPr lang="en-US" dirty="0"/>
+              <a:t>Student's boarding/exiting the bus can be done in multiple ways:</a:t>
+            </a:r>
+          </a:p>
+          <a:p>
+            <a:pPr marL="1566743" lvl="1" indent="-552968">
+              <a:buSzPct val="45000"/>
+              <a:buFont typeface="Wingdings" charset="2"/>
+              <a:buChar char=""/>
+              <a:tabLst>
+                <a:tab pos="656650" algn="l"/>
+                <a:tab pos="1313299" algn="l"/>
+                <a:tab pos="1969949" algn="l"/>
+                <a:tab pos="2626599" algn="l"/>
+                <a:tab pos="3283248" algn="l"/>
+                <a:tab pos="3939898" algn="l"/>
+                <a:tab pos="4596548" algn="l"/>
+                <a:tab pos="5253198" algn="l"/>
+                <a:tab pos="5909847" algn="l"/>
+                <a:tab pos="6566497" algn="l"/>
+                <a:tab pos="7223147" algn="l"/>
+                <a:tab pos="7879796" algn="l"/>
+              </a:tabLst>
+            </a:pPr>
+            <a:r>
+              <a:rPr lang="en-US" dirty="0"/>
+              <a:t>Motion sensor on the bus</a:t>
+            </a:r>
+          </a:p>
+          <a:p>
+            <a:pPr marL="1566743" lvl="1" indent="-552968">
+              <a:buSzPct val="45000"/>
+              <a:buFont typeface="Wingdings" charset="2"/>
+              <a:buChar char=""/>
+              <a:tabLst>
+                <a:tab pos="656650" algn="l"/>
+                <a:tab pos="1313299" algn="l"/>
+                <a:tab pos="1969949" algn="l"/>
+                <a:tab pos="2626599" algn="l"/>
+                <a:tab pos="3283248" algn="l"/>
+                <a:tab pos="3939898" algn="l"/>
+                <a:tab pos="4596548" algn="l"/>
+                <a:tab pos="5253198" algn="l"/>
+                <a:tab pos="5909847" algn="l"/>
+                <a:tab pos="6566497" algn="l"/>
+                <a:tab pos="7223147" algn="l"/>
+                <a:tab pos="7879796" algn="l"/>
+              </a:tabLst>
+            </a:pPr>
+            <a:r>
+              <a:rPr lang="en-US" dirty="0"/>
+              <a:t>Interact with application</a:t>
+            </a:r>
+          </a:p>
+        </p:txBody>
+      </p:sp>
+      <p:sp>
+        <p:nvSpPr>
+          <p:cNvPr id="8195" name="Text Box 3"/>
+          <p:cNvSpPr txBox="1">
+            <a:spLocks noChangeArrowheads="1"/>
+          </p:cNvSpPr>
+          <p:nvPr/>
+        </p:nvSpPr>
+        <p:spPr bwMode="auto">
+          <a:xfrm>
+            <a:off x="4893120" y="4478870"/>
+            <a:ext cx="561600" cy="387401"/>
+          </a:xfrm>
+          <a:prstGeom prst="rect">
+            <a:avLst/>
+          </a:prstGeom>
+          <a:noFill/>
+          <a:ln w="9525">
+            <a:noFill/>
+            <a:round/>
+            <a:headEnd/>
+            <a:tailEnd/>
+          </a:ln>
+          <a:effectLst/>
+        </p:spPr>
+        <p:txBody>
+          <a:bodyPr wrap="none" lIns="82945" tIns="41473" rIns="82945" bIns="41473" anchor="ctr"/>
+          <a:lstStyle/>
+          <a:p>
+            <a:endParaRPr lang="en-US"/>
+          </a:p>
+        </p:txBody>
+      </p:sp>
+    </p:spTree>
+  </p:cSld>
+  <p:clrMapOvr>
+    <a:masterClrMapping/>
+  </p:clrMapOvr>
+  <p:transition spd="med"/>
+  <p:timing>
+    <p:tnLst>
+      <p:par>
+        <p:cTn id="1" dur="indefinite" nodeType="tmRoot">
+          <p:childTnLst>
+            <p:seq concurrent="1" nextAc="seek">
+              <p:cTn id="2" dur="0" nodeType="mainSeq"/>
+              <p:prevCondLst>
+                <p:cond evt="onPrev" delay="0">
+                  <p:tgtEl>
+                    <p:sldTgt/>
+                  </p:tgtEl>
+                </p:cond>
+              </p:prevCondLst>
+              <p:nextCondLst>
+                <p:cond evt="onNext" delay="0">
+                  <p:tgtEl>
+                    <p:sldTgt/>
+                  </p:tgtEl>
+                </p:cond>
+              </p:nextCondLst>
+            </p:seq>
+          </p:childTnLst>
+        </p:cTn>
+      </p:par>
+    </p:tnLst>
+  </p:timing>
+</p:sld>
+</file>
+
+<file path=ppt/slides/slide18.xml><?xml version="1.0" encoding="utf-8"?>
+<p:sld xmlns:a="http://schemas.openxmlformats.org/drawingml/2006/main" xmlns:r="http://schemas.openxmlformats.org/officeDocument/2006/relationships" xmlns:p="http://schemas.openxmlformats.org/presentationml/2006/main">
+  <p:cSld>
+    <p:spTree>
+      <p:nvGrpSpPr>
+        <p:cNvPr id="1" name=""/>
+        <p:cNvGrpSpPr/>
+        <p:nvPr/>
+      </p:nvGrpSpPr>
+      <p:grpSpPr>
+        <a:xfrm>
+          <a:off x="0" y="0"/>
+          <a:ext cx="0" cy="0"/>
+          <a:chOff x="0" y="0"/>
+          <a:chExt cx="0" cy="0"/>
+        </a:xfrm>
+      </p:grpSpPr>
+      <p:sp>
+        <p:nvSpPr>
+          <p:cNvPr id="9217" name="Rectangle 1"/>
+          <p:cNvSpPr>
+            <a:spLocks noGrp="1" noChangeArrowheads="1"/>
+          </p:cNvSpPr>
+          <p:nvPr>
+            <p:ph type="title"/>
+          </p:nvPr>
+        </p:nvSpPr>
+        <p:spPr>
+          <a:xfrm>
+            <a:off x="456481" y="273629"/>
+            <a:ext cx="8228160" cy="1144921"/>
+          </a:xfrm>
+          <a:ln/>
+        </p:spPr>
+        <p:txBody>
+          <a:bodyPr tIns="32803">
+            <a:normAutofit fontScale="90000"/>
+          </a:bodyPr>
+          <a:lstStyle/>
+          <a:p>
+            <a:pPr>
+              <a:tabLst>
+                <a:tab pos="656650" algn="l"/>
+                <a:tab pos="1313299" algn="l"/>
+                <a:tab pos="1969949" algn="l"/>
+                <a:tab pos="2626599" algn="l"/>
+                <a:tab pos="3283248" algn="l"/>
+                <a:tab pos="3939898" algn="l"/>
+                <a:tab pos="4596548" algn="l"/>
+                <a:tab pos="5253198" algn="l"/>
+                <a:tab pos="5909847" algn="l"/>
+                <a:tab pos="6566497" algn="l"/>
+                <a:tab pos="7223147" algn="l"/>
+                <a:tab pos="7879796" algn="l"/>
+              </a:tabLst>
+            </a:pPr>
+            <a:r>
+              <a:rPr lang="en-US" dirty="0"/>
+              <a:t>High Level Candidate Architecture</a:t>
+            </a:r>
+          </a:p>
+        </p:txBody>
+      </p:sp>
+      <p:sp>
+        <p:nvSpPr>
+          <p:cNvPr id="9218" name="Rectangle 2"/>
+          <p:cNvSpPr>
+            <a:spLocks noGrp="1" noChangeArrowheads="1"/>
+          </p:cNvSpPr>
+          <p:nvPr>
+            <p:ph type="body" idx="1"/>
+          </p:nvPr>
+        </p:nvSpPr>
+        <p:spPr>
+          <a:xfrm>
+            <a:off x="653760" y="1795869"/>
+            <a:ext cx="8032320" cy="4526395"/>
+          </a:xfrm>
+          <a:ln/>
+        </p:spPr>
+        <p:txBody>
+          <a:bodyPr/>
+          <a:lstStyle/>
+          <a:p>
+            <a:pPr marL="391686" indent="-293764">
+              <a:buClr>
+                <a:srgbClr val="FF6633"/>
+              </a:buClr>
+              <a:buSzPct val="45000"/>
+              <a:buFont typeface="Wingdings" charset="2"/>
+              <a:buChar char=""/>
+              <a:tabLst>
+                <a:tab pos="656650" algn="l"/>
+                <a:tab pos="1313299" algn="l"/>
+                <a:tab pos="1969949" algn="l"/>
+                <a:tab pos="2626599" algn="l"/>
+                <a:tab pos="3283248" algn="l"/>
+                <a:tab pos="3939898" algn="l"/>
+                <a:tab pos="4596548" algn="l"/>
+                <a:tab pos="5253198" algn="l"/>
+                <a:tab pos="5909847" algn="l"/>
+                <a:tab pos="6566497" algn="l"/>
+                <a:tab pos="7223147" algn="l"/>
+                <a:tab pos="7879796" algn="l"/>
+              </a:tabLst>
+            </a:pPr>
+            <a:r>
+              <a:rPr lang="en-US" dirty="0"/>
+              <a:t>Route times will be estimated and </a:t>
+            </a:r>
+            <a:r>
+              <a:rPr lang="en-US" dirty="0" smtClean="0"/>
+              <a:t>averaged based on length and previous times</a:t>
+            </a:r>
+          </a:p>
+          <a:p>
+            <a:pPr marL="391686" indent="-293764">
+              <a:buClr>
+                <a:srgbClr val="FF6633"/>
+              </a:buClr>
+              <a:buSzPct val="45000"/>
+              <a:buFont typeface="Wingdings" charset="2"/>
+              <a:buChar char=""/>
+              <a:tabLst>
+                <a:tab pos="656650" algn="l"/>
+                <a:tab pos="1313299" algn="l"/>
+                <a:tab pos="1969949" algn="l"/>
+                <a:tab pos="2626599" algn="l"/>
+                <a:tab pos="3283248" algn="l"/>
+                <a:tab pos="3939898" algn="l"/>
+                <a:tab pos="4596548" algn="l"/>
+                <a:tab pos="5253198" algn="l"/>
+                <a:tab pos="5909847" algn="l"/>
+                <a:tab pos="6566497" algn="l"/>
+                <a:tab pos="7223147" algn="l"/>
+                <a:tab pos="7879796" algn="l"/>
+              </a:tabLst>
+            </a:pPr>
+            <a:endParaRPr lang="en-US" dirty="0"/>
+          </a:p>
+          <a:p>
+            <a:pPr marL="391686" indent="-293764">
+              <a:buClr>
+                <a:srgbClr val="FF6633"/>
+              </a:buClr>
+              <a:buSzPct val="45000"/>
+              <a:buFont typeface="Wingdings" charset="2"/>
+              <a:buChar char=""/>
+              <a:tabLst>
+                <a:tab pos="656650" algn="l"/>
+                <a:tab pos="1313299" algn="l"/>
+                <a:tab pos="1969949" algn="l"/>
+                <a:tab pos="2626599" algn="l"/>
+                <a:tab pos="3283248" algn="l"/>
+                <a:tab pos="3939898" algn="l"/>
+                <a:tab pos="4596548" algn="l"/>
+                <a:tab pos="5253198" algn="l"/>
+                <a:tab pos="5909847" algn="l"/>
+                <a:tab pos="6566497" algn="l"/>
+                <a:tab pos="7223147" algn="l"/>
+                <a:tab pos="7879796" algn="l"/>
+              </a:tabLst>
+            </a:pPr>
+            <a:endParaRPr lang="en-US" dirty="0"/>
+          </a:p>
+        </p:txBody>
+      </p:sp>
+    </p:spTree>
+  </p:cSld>
+  <p:clrMapOvr>
+    <a:masterClrMapping/>
+  </p:clrMapOvr>
+  <p:transition spd="med"/>
+  <p:timing>
+    <p:tnLst>
+      <p:par>
+        <p:cTn id="1" dur="indefinite" nodeType="tmRoot">
+          <p:childTnLst>
+            <p:seq concurrent="1" nextAc="seek">
+              <p:cTn id="2" dur="0" nodeType="mainSeq"/>
+              <p:prevCondLst>
+                <p:cond evt="onPrev" delay="0">
+                  <p:tgtEl>
+                    <p:sldTgt/>
+                  </p:tgtEl>
+                </p:cond>
+              </p:prevCondLst>
+              <p:nextCondLst>
+                <p:cond evt="onNext" delay="0">
+                  <p:tgtEl>
+                    <p:sldTgt/>
+                  </p:tgtEl>
+                </p:cond>
+              </p:nextCondLst>
+            </p:seq>
+          </p:childTnLst>
+        </p:cTn>
+      </p:par>
+    </p:tnLst>
+  </p:timing>
+</p:sld>
+</file>
+
+<file path=ppt/slides/slide19.xml><?xml version="1.0" encoding="utf-8"?>
+<p:sld xmlns:a="http://schemas.openxmlformats.org/drawingml/2006/main" xmlns:r="http://schemas.openxmlformats.org/officeDocument/2006/relationships" xmlns:p="http://schemas.openxmlformats.org/presentationml/2006/main">
+  <p:cSld>
+    <p:spTree>
+      <p:nvGrpSpPr>
+        <p:cNvPr id="1" name=""/>
+        <p:cNvGrpSpPr/>
+        <p:nvPr/>
+      </p:nvGrpSpPr>
+      <p:grpSpPr>
+        <a:xfrm>
+          <a:off x="0" y="0"/>
+          <a:ext cx="0" cy="0"/>
+          <a:chOff x="0" y="0"/>
+          <a:chExt cx="0" cy="0"/>
+        </a:xfrm>
+      </p:grpSpPr>
+      <p:sp>
+        <p:nvSpPr>
+          <p:cNvPr id="12289" name="Rectangle 1"/>
+          <p:cNvSpPr>
+            <a:spLocks noGrp="1" noChangeArrowheads="1"/>
+          </p:cNvSpPr>
+          <p:nvPr>
+            <p:ph type="title"/>
+          </p:nvPr>
+        </p:nvSpPr>
+        <p:spPr>
+          <a:xfrm>
+            <a:off x="456481" y="273629"/>
+            <a:ext cx="8228160" cy="1144921"/>
+          </a:xfrm>
+          <a:ln/>
+        </p:spPr>
+        <p:txBody>
+          <a:bodyPr tIns="32803"/>
+          <a:lstStyle/>
+          <a:p>
+            <a:pPr>
+              <a:tabLst>
+                <a:tab pos="656650" algn="l"/>
+                <a:tab pos="1313299" algn="l"/>
+                <a:tab pos="1969949" algn="l"/>
+                <a:tab pos="2626599" algn="l"/>
+                <a:tab pos="3283248" algn="l"/>
+                <a:tab pos="3939898" algn="l"/>
+                <a:tab pos="4596548" algn="l"/>
+                <a:tab pos="5253198" algn="l"/>
+                <a:tab pos="5909847" algn="l"/>
+                <a:tab pos="6566497" algn="l"/>
+                <a:tab pos="7223147" algn="l"/>
+                <a:tab pos="7879796" algn="l"/>
+              </a:tabLst>
+            </a:pPr>
+            <a:r>
+              <a:rPr lang="en-US" dirty="0"/>
+              <a:t>Plans for Prototypes/Demos</a:t>
+            </a:r>
+          </a:p>
+        </p:txBody>
+      </p:sp>
+      <p:sp>
+        <p:nvSpPr>
+          <p:cNvPr id="12290" name="Rectangle 2"/>
+          <p:cNvSpPr>
+            <a:spLocks noGrp="1" noChangeArrowheads="1"/>
+          </p:cNvSpPr>
+          <p:nvPr>
+            <p:ph type="body" idx="1"/>
+          </p:nvPr>
+        </p:nvSpPr>
+        <p:spPr>
+          <a:xfrm>
+            <a:off x="653760" y="1795869"/>
+            <a:ext cx="8032320" cy="4526395"/>
+          </a:xfrm>
+          <a:ln/>
+        </p:spPr>
+        <p:txBody>
+          <a:bodyPr/>
+          <a:lstStyle/>
+          <a:p>
+            <a:pPr marL="391686" indent="-293764">
+              <a:buClr>
+                <a:srgbClr val="FF6633"/>
+              </a:buClr>
+              <a:buSzPct val="45000"/>
+              <a:buFont typeface="Wingdings" charset="2"/>
+              <a:buChar char=""/>
+              <a:tabLst>
+                <a:tab pos="656650" algn="l"/>
+                <a:tab pos="1313299" algn="l"/>
+                <a:tab pos="1969949" algn="l"/>
+                <a:tab pos="2626599" algn="l"/>
+                <a:tab pos="3283248" algn="l"/>
+                <a:tab pos="3939898" algn="l"/>
+                <a:tab pos="4596548" algn="l"/>
+                <a:tab pos="5253198" algn="l"/>
+                <a:tab pos="5909847" algn="l"/>
+                <a:tab pos="6566497" algn="l"/>
+                <a:tab pos="7223147" algn="l"/>
+                <a:tab pos="7879796" algn="l"/>
+              </a:tabLst>
+            </a:pPr>
+            <a:r>
+              <a:rPr lang="en-US" dirty="0"/>
+              <a:t>One UI Prototype will be ready by the first LCO phase deadline</a:t>
+            </a:r>
+          </a:p>
+          <a:p>
+            <a:pPr marL="391686" indent="-293764">
+              <a:buClr>
+                <a:srgbClr val="FF6633"/>
+              </a:buClr>
+              <a:buSzPct val="45000"/>
+              <a:buFont typeface="Wingdings" charset="2"/>
+              <a:buChar char=""/>
+              <a:tabLst>
+                <a:tab pos="656650" algn="l"/>
+                <a:tab pos="1313299" algn="l"/>
+                <a:tab pos="1969949" algn="l"/>
+                <a:tab pos="2626599" algn="l"/>
+                <a:tab pos="3283248" algn="l"/>
+                <a:tab pos="3939898" algn="l"/>
+                <a:tab pos="4596548" algn="l"/>
+                <a:tab pos="5253198" algn="l"/>
+                <a:tab pos="5909847" algn="l"/>
+                <a:tab pos="6566497" algn="l"/>
+                <a:tab pos="7223147" algn="l"/>
+                <a:tab pos="7879796" algn="l"/>
+              </a:tabLst>
+            </a:pPr>
+            <a:r>
+              <a:rPr lang="en-US" dirty="0"/>
+              <a:t>For the second iteration, </a:t>
+            </a:r>
+            <a:r>
+              <a:rPr lang="en-US" dirty="0" smtClean="0"/>
+              <a:t>research </a:t>
+            </a:r>
+            <a:r>
+              <a:rPr lang="en-US" dirty="0"/>
+              <a:t>into OODBMS will be done</a:t>
+            </a:r>
+          </a:p>
+          <a:p>
+            <a:pPr marL="391686" indent="-293764">
+              <a:buClr>
+                <a:srgbClr val="FF6633"/>
+              </a:buClr>
+              <a:buSzPct val="45000"/>
+              <a:buFont typeface="Wingdings" charset="2"/>
+              <a:buChar char=""/>
+              <a:tabLst>
+                <a:tab pos="656650" algn="l"/>
+                <a:tab pos="1313299" algn="l"/>
+                <a:tab pos="1969949" algn="l"/>
+                <a:tab pos="2626599" algn="l"/>
+                <a:tab pos="3283248" algn="l"/>
+                <a:tab pos="3939898" algn="l"/>
+                <a:tab pos="4596548" algn="l"/>
+                <a:tab pos="5253198" algn="l"/>
+                <a:tab pos="5909847" algn="l"/>
+                <a:tab pos="6566497" algn="l"/>
+                <a:tab pos="7223147" algn="l"/>
+                <a:tab pos="7879796" algn="l"/>
+              </a:tabLst>
+            </a:pPr>
+            <a:r>
+              <a:rPr lang="en-US" dirty="0"/>
+              <a:t>At the end of the second iteration, a demo for accessing the database should be done</a:t>
+            </a:r>
+          </a:p>
+        </p:txBody>
+      </p:sp>
+    </p:spTree>
+  </p:cSld>
+  <p:clrMapOvr>
+    <a:masterClrMapping/>
+  </p:clrMapOvr>
+  <p:transition spd="med"/>
+  <p:timing>
+    <p:tnLst>
+      <p:par>
+        <p:cTn id="1" dur="indefinite" nodeType="tmRoot">
+          <p:childTnLst>
+            <p:seq concurrent="1" nextAc="seek">
+              <p:cTn id="2" dur="0" nodeType="mainSeq"/>
+              <p:prevCondLst>
+                <p:cond evt="onPrev" delay="0">
+                  <p:tgtEl>
+                    <p:sldTgt/>
+                  </p:tgtEl>
+                </p:cond>
+              </p:prevCondLst>
+              <p:nextCondLst>
+                <p:cond evt="onNext" delay="0">
+                  <p:tgtEl>
+                    <p:sldTgt/>
+                  </p:tgtEl>
+                </p:cond>
+              </p:nextCondLst>
+            </p:seq>
+          </p:childTnLst>
+        </p:cTn>
+      </p:par>
+    </p:tnLst>
+  </p:timing>
+</p:sld>
+</file>
+
+<file path=ppt/slides/slide2.xml><?xml version="1.0" encoding="utf-8"?>
+<p:sld xmlns:a="http://schemas.openxmlformats.org/drawingml/2006/main" xmlns:r="http://schemas.openxmlformats.org/officeDocument/2006/relationships" xmlns:p="http://schemas.openxmlformats.org/presentationml/2006/main">
+  <p:cSld>
+    <p:spTree>
+      <p:nvGrpSpPr>
+        <p:cNvPr id="1" name=""/>
+        <p:cNvGrpSpPr/>
+        <p:nvPr/>
+      </p:nvGrpSpPr>
+      <p:grpSpPr>
+        <a:xfrm>
+          <a:off x="0" y="0"/>
+          <a:ext cx="0" cy="0"/>
+          <a:chOff x="0" y="0"/>
+          <a:chExt cx="0" cy="0"/>
+        </a:xfrm>
+      </p:grpSpPr>
+      <p:sp>
+        <p:nvSpPr>
+          <p:cNvPr id="6145" name="Rectangle 1"/>
+          <p:cNvSpPr>
+            <a:spLocks noGrp="1" noChangeArrowheads="1"/>
+          </p:cNvSpPr>
+          <p:nvPr>
+            <p:ph type="title"/>
+          </p:nvPr>
+        </p:nvSpPr>
+        <p:spPr>
+          <a:xfrm>
+            <a:off x="456481" y="273629"/>
+            <a:ext cx="8228160" cy="1144921"/>
+          </a:xfrm>
+          <a:ln/>
+        </p:spPr>
+        <p:txBody>
+          <a:bodyPr tIns="32803"/>
+          <a:lstStyle/>
+          <a:p>
+            <a:pPr>
+              <a:tabLst>
+                <a:tab pos="656650" algn="l"/>
+                <a:tab pos="1313299" algn="l"/>
+                <a:tab pos="1969949" algn="l"/>
+                <a:tab pos="2626599" algn="l"/>
+                <a:tab pos="3283248" algn="l"/>
+                <a:tab pos="3939898" algn="l"/>
+                <a:tab pos="4596548" algn="l"/>
+                <a:tab pos="5253198" algn="l"/>
+                <a:tab pos="5909847" algn="l"/>
+                <a:tab pos="6566497" algn="l"/>
+                <a:tab pos="7223147" algn="l"/>
+                <a:tab pos="7879796" algn="l"/>
+              </a:tabLst>
+            </a:pPr>
+            <a:r>
+              <a:rPr lang="en-US" dirty="0"/>
+              <a:t>Project Overview</a:t>
+            </a:r>
+          </a:p>
+        </p:txBody>
+      </p:sp>
+      <p:sp>
+        <p:nvSpPr>
+          <p:cNvPr id="6146" name="Rectangle 2"/>
+          <p:cNvSpPr>
+            <a:spLocks noGrp="1" noChangeArrowheads="1"/>
+          </p:cNvSpPr>
+          <p:nvPr>
+            <p:ph type="body" idx="1"/>
+          </p:nvPr>
+        </p:nvSpPr>
+        <p:spPr>
+          <a:xfrm>
+            <a:off x="653760" y="1795869"/>
+            <a:ext cx="8032320" cy="4526395"/>
+          </a:xfrm>
+          <a:ln/>
+        </p:spPr>
+        <p:txBody>
+          <a:bodyPr/>
+          <a:lstStyle/>
+          <a:p>
+            <a:pPr marL="391686" indent="-293764">
+              <a:buClr>
+                <a:srgbClr val="FF6633"/>
+              </a:buClr>
+              <a:buSzPct val="45000"/>
+              <a:buFont typeface="Wingdings" charset="2"/>
+              <a:buChar char=""/>
+              <a:tabLst>
+                <a:tab pos="656650" algn="l"/>
+                <a:tab pos="1313299" algn="l"/>
+                <a:tab pos="1969949" algn="l"/>
+                <a:tab pos="2626599" algn="l"/>
+                <a:tab pos="3283248" algn="l"/>
+                <a:tab pos="3939898" algn="l"/>
+                <a:tab pos="4596548" algn="l"/>
+                <a:tab pos="5253198" algn="l"/>
+                <a:tab pos="5909847" algn="l"/>
+                <a:tab pos="6566497" algn="l"/>
+                <a:tab pos="7223147" algn="l"/>
+                <a:tab pos="7879796" algn="l"/>
+              </a:tabLst>
+            </a:pPr>
+            <a:r>
+              <a:rPr lang="en-US" dirty="0"/>
+              <a:t>Scope: </a:t>
+            </a:r>
+          </a:p>
+          <a:p>
+            <a:pPr marL="1566743" lvl="1" indent="-552968">
+              <a:buSzPct val="45000"/>
+              <a:buFont typeface="Wingdings" charset="2"/>
+              <a:buChar char=""/>
+              <a:tabLst>
+                <a:tab pos="656650" algn="l"/>
+                <a:tab pos="1313299" algn="l"/>
+                <a:tab pos="1969949" algn="l"/>
+                <a:tab pos="2626599" algn="l"/>
+                <a:tab pos="3283248" algn="l"/>
+                <a:tab pos="3939898" algn="l"/>
+                <a:tab pos="4596548" algn="l"/>
+                <a:tab pos="5253198" algn="l"/>
+                <a:tab pos="5909847" algn="l"/>
+                <a:tab pos="6566497" algn="l"/>
+                <a:tab pos="7223147" algn="l"/>
+                <a:tab pos="7879796" algn="l"/>
+              </a:tabLst>
+            </a:pPr>
+            <a:r>
+              <a:rPr lang="en-US" dirty="0"/>
+              <a:t>This project will provide a tracking mechanism for the University of South Alabama's transportation system, the </a:t>
+            </a:r>
+            <a:r>
+              <a:rPr lang="en-US" dirty="0" err="1"/>
+              <a:t>JagTran</a:t>
+            </a:r>
+            <a:r>
+              <a:rPr lang="en-US" dirty="0"/>
+              <a:t>. </a:t>
+            </a:r>
+          </a:p>
+          <a:p>
+            <a:pPr marL="1566743" lvl="1" indent="-552968">
+              <a:buSzPct val="45000"/>
+              <a:buFont typeface="Wingdings" charset="2"/>
+              <a:buChar char=""/>
+              <a:tabLst>
+                <a:tab pos="656650" algn="l"/>
+                <a:tab pos="1313299" algn="l"/>
+                <a:tab pos="1969949" algn="l"/>
+                <a:tab pos="2626599" algn="l"/>
+                <a:tab pos="3283248" algn="l"/>
+                <a:tab pos="3939898" algn="l"/>
+                <a:tab pos="4596548" algn="l"/>
+                <a:tab pos="5253198" algn="l"/>
+                <a:tab pos="5909847" algn="l"/>
+                <a:tab pos="6566497" algn="l"/>
+                <a:tab pos="7223147" algn="l"/>
+                <a:tab pos="7879796" algn="l"/>
+              </a:tabLst>
+            </a:pPr>
+            <a:r>
+              <a:rPr lang="en-US" dirty="0"/>
+              <a:t>This will give students a way to track the bus, plan out their schedule, and know when to get to a bus stop.</a:t>
+            </a:r>
+          </a:p>
+        </p:txBody>
+      </p:sp>
+    </p:spTree>
+  </p:cSld>
+  <p:clrMapOvr>
+    <a:masterClrMapping/>
+  </p:clrMapOvr>
+  <p:transition spd="med"/>
+  <p:timing>
+    <p:tnLst>
+      <p:par>
+        <p:cTn id="1" dur="indefinite" nodeType="tmRoot">
+          <p:childTnLst>
+            <p:seq concurrent="1" nextAc="seek">
+              <p:cTn id="2" dur="0" nodeType="mainSeq"/>
+              <p:prevCondLst>
+                <p:cond evt="onPrev" delay="0">
+                  <p:tgtEl>
+                    <p:sldTgt/>
+                  </p:tgtEl>
+                </p:cond>
+              </p:prevCondLst>
+              <p:nextCondLst>
+                <p:cond evt="onNext" delay="0">
+                  <p:tgtEl>
+                    <p:sldTgt/>
+                  </p:tgtEl>
+                </p:cond>
+              </p:nextCondLst>
+            </p:seq>
+          </p:childTnLst>
+        </p:cTn>
+      </p:par>
+    </p:tnLst>
+  </p:timing>
+</p:sld>
+</file>
+
+<file path=ppt/slides/slide20.xml><?xml version="1.0" encoding="utf-8"?>
+<p:sld xmlns:a="http://schemas.openxmlformats.org/drawingml/2006/main" xmlns:r="http://schemas.openxmlformats.org/officeDocument/2006/relationships" xmlns:p="http://schemas.openxmlformats.org/presentationml/2006/main">
+  <p:cSld>
+    <p:spTree>
+      <p:nvGrpSpPr>
+        <p:cNvPr id="1" name=""/>
+        <p:cNvGrpSpPr/>
+        <p:nvPr/>
+      </p:nvGrpSpPr>
+      <p:grpSpPr>
+        <a:xfrm>
+          <a:off x="0" y="0"/>
+          <a:ext cx="0" cy="0"/>
+          <a:chOff x="0" y="0"/>
+          <a:chExt cx="0" cy="0"/>
+        </a:xfrm>
+      </p:grpSpPr>
+      <p:sp>
+        <p:nvSpPr>
+          <p:cNvPr id="11265" name="Rectangle 1"/>
+          <p:cNvSpPr>
+            <a:spLocks noGrp="1" noChangeArrowheads="1"/>
+          </p:cNvSpPr>
+          <p:nvPr>
+            <p:ph type="title"/>
+          </p:nvPr>
+        </p:nvSpPr>
+        <p:spPr>
+          <a:xfrm>
+            <a:off x="456481" y="273629"/>
+            <a:ext cx="8228160" cy="1144921"/>
+          </a:xfrm>
+          <a:ln/>
+        </p:spPr>
+        <p:txBody>
+          <a:bodyPr tIns="32803"/>
+          <a:lstStyle/>
+          <a:p>
+            <a:pPr>
+              <a:tabLst>
+                <a:tab pos="656650" algn="l"/>
+                <a:tab pos="1313299" algn="l"/>
+                <a:tab pos="1969949" algn="l"/>
+                <a:tab pos="2626599" algn="l"/>
+                <a:tab pos="3283248" algn="l"/>
+                <a:tab pos="3939898" algn="l"/>
+                <a:tab pos="4596548" algn="l"/>
+                <a:tab pos="5253198" algn="l"/>
+                <a:tab pos="5909847" algn="l"/>
+                <a:tab pos="6566497" algn="l"/>
+                <a:tab pos="7223147" algn="l"/>
+                <a:tab pos="7879796" algn="l"/>
+              </a:tabLst>
+            </a:pPr>
+            <a:r>
+              <a:rPr lang="en-US" dirty="0"/>
+              <a:t>Development Case</a:t>
+            </a:r>
+          </a:p>
+        </p:txBody>
+      </p:sp>
+      <p:sp>
+        <p:nvSpPr>
+          <p:cNvPr id="11266" name="Rectangle 2"/>
+          <p:cNvSpPr>
+            <a:spLocks noGrp="1" noChangeArrowheads="1"/>
+          </p:cNvSpPr>
+          <p:nvPr>
+            <p:ph type="body" idx="1"/>
+          </p:nvPr>
+        </p:nvSpPr>
+        <p:spPr>
+          <a:xfrm>
+            <a:off x="653760" y="1795869"/>
+            <a:ext cx="8032320" cy="4526395"/>
+          </a:xfrm>
+          <a:ln/>
+        </p:spPr>
+        <p:txBody>
+          <a:bodyPr/>
+          <a:lstStyle/>
+          <a:p>
+            <a:pPr marL="391686" indent="-293764">
+              <a:buClr>
+                <a:srgbClr val="FF6633"/>
+              </a:buClr>
+              <a:buSzPct val="45000"/>
+              <a:buFont typeface="Wingdings" charset="2"/>
+              <a:buChar char=""/>
+              <a:tabLst>
+                <a:tab pos="656650" algn="l"/>
+                <a:tab pos="1313299" algn="l"/>
+                <a:tab pos="1969949" algn="l"/>
+                <a:tab pos="2626599" algn="l"/>
+                <a:tab pos="3283248" algn="l"/>
+                <a:tab pos="3939898" algn="l"/>
+                <a:tab pos="4596548" algn="l"/>
+                <a:tab pos="5253198" algn="l"/>
+                <a:tab pos="5909847" algn="l"/>
+                <a:tab pos="6566497" algn="l"/>
+                <a:tab pos="7223147" algn="l"/>
+                <a:tab pos="7879796" algn="l"/>
+              </a:tabLst>
+            </a:pPr>
+            <a:r>
+              <a:rPr lang="en-US" dirty="0"/>
+              <a:t>Major RUP changes:</a:t>
+            </a:r>
+          </a:p>
+          <a:p>
+            <a:pPr marL="1566743" lvl="1" indent="-552968">
+              <a:buSzPct val="45000"/>
+              <a:buFont typeface="Wingdings" charset="2"/>
+              <a:buChar char=""/>
+              <a:tabLst>
+                <a:tab pos="656650" algn="l"/>
+                <a:tab pos="1313299" algn="l"/>
+                <a:tab pos="1969949" algn="l"/>
+                <a:tab pos="2626599" algn="l"/>
+                <a:tab pos="3283248" algn="l"/>
+                <a:tab pos="3939898" algn="l"/>
+                <a:tab pos="4596548" algn="l"/>
+                <a:tab pos="5253198" algn="l"/>
+                <a:tab pos="5909847" algn="l"/>
+                <a:tab pos="6566497" algn="l"/>
+                <a:tab pos="7223147" algn="l"/>
+                <a:tab pos="7879796" algn="l"/>
+              </a:tabLst>
+            </a:pPr>
+            <a:r>
+              <a:rPr lang="en-US" dirty="0"/>
+              <a:t>Reports were omitted, unneeded due to team size and length constraints</a:t>
+            </a:r>
+          </a:p>
+          <a:p>
+            <a:pPr marL="1566743" lvl="1" indent="-552968">
+              <a:buSzPct val="45000"/>
+              <a:buFont typeface="Wingdings" charset="2"/>
+              <a:buChar char=""/>
+              <a:tabLst>
+                <a:tab pos="656650" algn="l"/>
+                <a:tab pos="1313299" algn="l"/>
+                <a:tab pos="1969949" algn="l"/>
+                <a:tab pos="2626599" algn="l"/>
+                <a:tab pos="3283248" algn="l"/>
+                <a:tab pos="3939898" algn="l"/>
+                <a:tab pos="4596548" algn="l"/>
+                <a:tab pos="5253198" algn="l"/>
+                <a:tab pos="5909847" algn="l"/>
+                <a:tab pos="6566497" algn="l"/>
+                <a:tab pos="7223147" algn="l"/>
+                <a:tab pos="7879796" algn="l"/>
+              </a:tabLst>
+            </a:pPr>
+            <a:r>
+              <a:rPr lang="en-US" dirty="0"/>
+              <a:t>Audits were omitted for same reasons</a:t>
+            </a:r>
+          </a:p>
+          <a:p>
+            <a:pPr marL="391686" indent="-293764">
+              <a:buClr>
+                <a:srgbClr val="FF6633"/>
+              </a:buClr>
+              <a:buSzPct val="45000"/>
+              <a:buFont typeface="Wingdings" charset="2"/>
+              <a:buChar char=""/>
+              <a:tabLst>
+                <a:tab pos="656650" algn="l"/>
+                <a:tab pos="1313299" algn="l"/>
+                <a:tab pos="1969949" algn="l"/>
+                <a:tab pos="2626599" algn="l"/>
+                <a:tab pos="3283248" algn="l"/>
+                <a:tab pos="3939898" algn="l"/>
+                <a:tab pos="4596548" algn="l"/>
+                <a:tab pos="5253198" algn="l"/>
+                <a:tab pos="5909847" algn="l"/>
+                <a:tab pos="6566497" algn="l"/>
+                <a:tab pos="7223147" algn="l"/>
+                <a:tab pos="7879796" algn="l"/>
+              </a:tabLst>
+            </a:pPr>
+            <a:r>
+              <a:rPr lang="en-US" dirty="0"/>
+              <a:t>Has rough artifact deadline information</a:t>
+            </a:r>
+          </a:p>
+          <a:p>
+            <a:pPr marL="391686" indent="-293764">
+              <a:buClr>
+                <a:srgbClr val="FF6633"/>
+              </a:buClr>
+              <a:buSzPct val="45000"/>
+              <a:buFont typeface="Wingdings" charset="2"/>
+              <a:buChar char=""/>
+              <a:tabLst>
+                <a:tab pos="656650" algn="l"/>
+                <a:tab pos="1313299" algn="l"/>
+                <a:tab pos="1969949" algn="l"/>
+                <a:tab pos="2626599" algn="l"/>
+                <a:tab pos="3283248" algn="l"/>
+                <a:tab pos="3939898" algn="l"/>
+                <a:tab pos="4596548" algn="l"/>
+                <a:tab pos="5253198" algn="l"/>
+                <a:tab pos="5909847" algn="l"/>
+                <a:tab pos="6566497" algn="l"/>
+                <a:tab pos="7223147" algn="l"/>
+                <a:tab pos="7879796" algn="l"/>
+              </a:tabLst>
+            </a:pPr>
+            <a:r>
+              <a:rPr lang="en-US" dirty="0"/>
+              <a:t>Has team </a:t>
+            </a:r>
+            <a:r>
+              <a:rPr lang="en-US" dirty="0" smtClean="0"/>
+              <a:t>information</a:t>
+            </a:r>
+          </a:p>
+          <a:p>
+            <a:pPr marL="391686" indent="-293764">
+              <a:buClr>
+                <a:srgbClr val="FF6633"/>
+              </a:buClr>
+              <a:buSzPct val="45000"/>
+              <a:buFont typeface="Wingdings" charset="2"/>
+              <a:buChar char=""/>
+              <a:tabLst>
+                <a:tab pos="656650" algn="l"/>
+                <a:tab pos="1313299" algn="l"/>
+                <a:tab pos="1969949" algn="l"/>
+                <a:tab pos="2626599" algn="l"/>
+                <a:tab pos="3283248" algn="l"/>
+                <a:tab pos="3939898" algn="l"/>
+                <a:tab pos="4596548" algn="l"/>
+                <a:tab pos="5253198" algn="l"/>
+                <a:tab pos="5909847" algn="l"/>
+                <a:tab pos="6566497" algn="l"/>
+                <a:tab pos="7223147" algn="l"/>
+                <a:tab pos="7879796" algn="l"/>
+              </a:tabLst>
+            </a:pPr>
+            <a:r>
+              <a:rPr lang="en-US" dirty="0" smtClean="0"/>
+              <a:t>See CM Plan for information on how to submit artifacts and code</a:t>
+            </a:r>
+          </a:p>
+        </p:txBody>
+      </p:sp>
+    </p:spTree>
+  </p:cSld>
+  <p:clrMapOvr>
+    <a:masterClrMapping/>
+  </p:clrMapOvr>
+  <p:transition spd="med"/>
+  <p:timing>
+    <p:tnLst>
+      <p:par>
+        <p:cTn id="1" dur="indefinite" nodeType="tmRoot">
+          <p:childTnLst>
+            <p:seq concurrent="1" nextAc="seek">
+              <p:cTn id="2" dur="0" nodeType="mainSeq"/>
+              <p:prevCondLst>
+                <p:cond evt="onPrev" delay="0">
+                  <p:tgtEl>
+                    <p:sldTgt/>
+                  </p:tgtEl>
+                </p:cond>
+              </p:prevCondLst>
+              <p:nextCondLst>
+                <p:cond evt="onNext" delay="0">
+                  <p:tgtEl>
+                    <p:sldTgt/>
+                  </p:tgtEl>
+                </p:cond>
+              </p:nextCondLst>
+            </p:seq>
+          </p:childTnLst>
+        </p:cTn>
+      </p:par>
+    </p:tnLst>
+  </p:timing>
+</p:sld>
+</file>
+
+<file path=ppt/slides/slide21.xml><?xml version="1.0" encoding="utf-8"?>
+<p:sld xmlns:a="http://schemas.openxmlformats.org/drawingml/2006/main" xmlns:r="http://schemas.openxmlformats.org/officeDocument/2006/relationships" xmlns:p="http://schemas.openxmlformats.org/presentationml/2006/main">
+  <p:cSld>
+    <p:spTree>
+      <p:nvGrpSpPr>
+        <p:cNvPr id="1" name=""/>
+        <p:cNvGrpSpPr/>
+        <p:nvPr/>
+      </p:nvGrpSpPr>
+      <p:grpSpPr>
+        <a:xfrm>
+          <a:off x="0" y="0"/>
+          <a:ext cx="0" cy="0"/>
+          <a:chOff x="0" y="0"/>
+          <a:chExt cx="0" cy="0"/>
+        </a:xfrm>
+      </p:grpSpPr>
+      <p:sp>
+        <p:nvSpPr>
+          <p:cNvPr id="2" name="Title 1"/>
+          <p:cNvSpPr>
+            <a:spLocks noGrp="1"/>
+          </p:cNvSpPr>
+          <p:nvPr>
+            <p:ph type="title"/>
+          </p:nvPr>
+        </p:nvSpPr>
+        <p:spPr/>
+        <p:txBody>
+          <a:bodyPr/>
+          <a:lstStyle/>
+          <a:p>
+            <a:r>
+              <a:rPr lang="en-US" dirty="0" smtClean="0"/>
+              <a:t>Estimated Project Schedule</a:t>
+            </a:r>
+            <a:endParaRPr lang="en-US" dirty="0"/>
+          </a:p>
+        </p:txBody>
+      </p:sp>
+      <p:sp>
+        <p:nvSpPr>
+          <p:cNvPr id="3" name="Content Placeholder 2"/>
+          <p:cNvSpPr>
+            <a:spLocks noGrp="1"/>
+          </p:cNvSpPr>
+          <p:nvPr>
+            <p:ph idx="1"/>
+          </p:nvPr>
+        </p:nvSpPr>
+        <p:spPr/>
+        <p:txBody>
+          <a:bodyPr/>
+          <a:lstStyle/>
+          <a:p>
+            <a:pPr marL="0" indent="0">
+              <a:spcAft>
+                <a:spcPct val="0"/>
+              </a:spcAft>
+              <a:tabLst>
+                <a:tab pos="723900" algn="l"/>
+                <a:tab pos="1447800" algn="l"/>
+                <a:tab pos="2171700" algn="l"/>
+                <a:tab pos="2895600" algn="l"/>
+                <a:tab pos="3619500" algn="l"/>
+                <a:tab pos="4343400" algn="l"/>
+                <a:tab pos="5067300" algn="l"/>
+                <a:tab pos="5791200" algn="l"/>
+                <a:tab pos="6515100" algn="l"/>
+                <a:tab pos="7239000" algn="l"/>
+                <a:tab pos="7962900" algn="l"/>
+                <a:tab pos="8686800" algn="l"/>
+              </a:tabLst>
+            </a:pPr>
+            <a:r>
+              <a:rPr lang="en-US" dirty="0" smtClean="0"/>
+              <a:t> LCO </a:t>
+            </a:r>
+            <a:r>
+              <a:rPr lang="en-US" dirty="0" smtClean="0"/>
+              <a:t>Artifacts Due – 03/12/2012</a:t>
+            </a:r>
+          </a:p>
+          <a:p>
+            <a:pPr marL="0" indent="0">
+              <a:spcAft>
+                <a:spcPct val="0"/>
+              </a:spcAft>
+              <a:tabLst>
+                <a:tab pos="723900" algn="l"/>
+                <a:tab pos="1447800" algn="l"/>
+                <a:tab pos="2171700" algn="l"/>
+                <a:tab pos="2895600" algn="l"/>
+                <a:tab pos="3619500" algn="l"/>
+                <a:tab pos="4343400" algn="l"/>
+                <a:tab pos="5067300" algn="l"/>
+                <a:tab pos="5791200" algn="l"/>
+                <a:tab pos="6515100" algn="l"/>
+                <a:tab pos="7239000" algn="l"/>
+                <a:tab pos="7962900" algn="l"/>
+                <a:tab pos="8686800" algn="l"/>
+              </a:tabLst>
+            </a:pPr>
+            <a:r>
+              <a:rPr lang="en-US" dirty="0" smtClean="0"/>
+              <a:t> LCO </a:t>
+            </a:r>
+            <a:r>
+              <a:rPr lang="en-US" dirty="0" smtClean="0"/>
+              <a:t>Presentation Slides Due – 03/16/2012</a:t>
+            </a:r>
+          </a:p>
+          <a:p>
+            <a:pPr marL="0" indent="0">
+              <a:spcAft>
+                <a:spcPct val="0"/>
+              </a:spcAft>
+              <a:tabLst>
+                <a:tab pos="723900" algn="l"/>
+                <a:tab pos="1447800" algn="l"/>
+                <a:tab pos="2171700" algn="l"/>
+                <a:tab pos="2895600" algn="l"/>
+                <a:tab pos="3619500" algn="l"/>
+                <a:tab pos="4343400" algn="l"/>
+                <a:tab pos="5067300" algn="l"/>
+                <a:tab pos="5791200" algn="l"/>
+                <a:tab pos="6515100" algn="l"/>
+                <a:tab pos="7239000" algn="l"/>
+                <a:tab pos="7962900" algn="l"/>
+                <a:tab pos="8686800" algn="l"/>
+              </a:tabLst>
+            </a:pPr>
+            <a:r>
+              <a:rPr lang="en-US" dirty="0" smtClean="0"/>
+              <a:t> LCO </a:t>
+            </a:r>
+            <a:r>
+              <a:rPr lang="en-US" dirty="0" smtClean="0"/>
+              <a:t>milestone – 03/20/2012</a:t>
+            </a:r>
+          </a:p>
+          <a:p>
+            <a:pPr marL="0" indent="0">
+              <a:spcAft>
+                <a:spcPct val="0"/>
+              </a:spcAft>
+              <a:tabLst>
+                <a:tab pos="723900" algn="l"/>
+                <a:tab pos="1447800" algn="l"/>
+                <a:tab pos="2171700" algn="l"/>
+                <a:tab pos="2895600" algn="l"/>
+                <a:tab pos="3619500" algn="l"/>
+                <a:tab pos="4343400" algn="l"/>
+                <a:tab pos="5067300" algn="l"/>
+                <a:tab pos="5791200" algn="l"/>
+                <a:tab pos="6515100" algn="l"/>
+                <a:tab pos="7239000" algn="l"/>
+                <a:tab pos="7962900" algn="l"/>
+                <a:tab pos="8686800" algn="l"/>
+              </a:tabLst>
+            </a:pPr>
+            <a:r>
+              <a:rPr lang="en-US" dirty="0" smtClean="0"/>
+              <a:t> Project </a:t>
+            </a:r>
+            <a:r>
+              <a:rPr lang="en-US" dirty="0" smtClean="0"/>
+              <a:t>Iteration Briefing – </a:t>
+            </a:r>
+            <a:r>
+              <a:rPr lang="en-US" dirty="0" smtClean="0"/>
+              <a:t>05/01/2012</a:t>
+            </a:r>
+            <a:endParaRPr lang="en-US" dirty="0" smtClean="0"/>
+          </a:p>
+        </p:txBody>
+      </p:sp>
+      <p:sp>
+        <p:nvSpPr>
+          <p:cNvPr id="4" name="Slide Number Placeholder 3"/>
+          <p:cNvSpPr>
+            <a:spLocks noGrp="1"/>
+          </p:cNvSpPr>
+          <p:nvPr>
+            <p:ph type="sldNum" sz="quarter" idx="12"/>
+          </p:nvPr>
+        </p:nvSpPr>
+        <p:spPr/>
+        <p:txBody>
+          <a:bodyPr/>
+          <a:lstStyle/>
+          <a:p>
+            <a:fld id="{B6F15528-21DE-4FAA-801E-634DDDAF4B2B}" type="slidenum">
+              <a:rPr lang="en-US" smtClean="0"/>
+              <a:pPr/>
+              <a:t>21</a:t>
+            </a:fld>
+            <a:endParaRPr lang="en-US"/>
+          </a:p>
+        </p:txBody>
+      </p:sp>
+    </p:spTree>
+  </p:cSld>
+  <p:clrMapOvr>
+    <a:masterClrMapping/>
+  </p:clrMapOvr>
+</p:sld>
+</file>
+
+<file path=ppt/slides/slide3.xml><?xml version="1.0" encoding="utf-8"?>
+<p:sld xmlns:a="http://schemas.openxmlformats.org/drawingml/2006/main" xmlns:r="http://schemas.openxmlformats.org/officeDocument/2006/relationships" xmlns:p="http://schemas.openxmlformats.org/presentationml/2006/main">
+  <p:cSld>
+    <p:spTree>
+      <p:nvGrpSpPr>
+        <p:cNvPr id="1" name=""/>
+        <p:cNvGrpSpPr/>
+        <p:nvPr/>
+      </p:nvGrpSpPr>
+      <p:grpSpPr>
+        <a:xfrm>
+          <a:off x="0" y="0"/>
+          <a:ext cx="0" cy="0"/>
+          <a:chOff x="0" y="0"/>
+          <a:chExt cx="0" cy="0"/>
+        </a:xfrm>
+      </p:grpSpPr>
+      <p:sp>
+        <p:nvSpPr>
           <p:cNvPr id="2" name="Title 1"/>
           <p:cNvSpPr>
             <a:spLocks noGrp="1"/>
@@ -6818,6 +10818,10 @@
           <a:bodyPr/>
           <a:lstStyle/>
           <a:p>
+            <a:r>
+              <a:rPr lang="en-US" dirty="0" smtClean="0"/>
+              <a:t>n</a:t>
+            </a:r>
             <a:endParaRPr lang="en-US" dirty="0"/>
           </a:p>
         </p:txBody>
@@ -6981,6 +10985,736 @@
         <p:bldAsOne/>
       </p:bldGraphic>
     </p:bldLst>
+  </p:timing>
+</p:sld>
+</file>
+
+<file path=ppt/slides/slide4.xml><?xml version="1.0" encoding="utf-8"?>
+<p:sld xmlns:a="http://schemas.openxmlformats.org/drawingml/2006/main" xmlns:r="http://schemas.openxmlformats.org/officeDocument/2006/relationships" xmlns:p="http://schemas.openxmlformats.org/presentationml/2006/main">
+  <p:cSld>
+    <p:spTree>
+      <p:nvGrpSpPr>
+        <p:cNvPr id="1" name=""/>
+        <p:cNvGrpSpPr/>
+        <p:nvPr/>
+      </p:nvGrpSpPr>
+      <p:grpSpPr>
+        <a:xfrm>
+          <a:off x="0" y="0"/>
+          <a:ext cx="0" cy="0"/>
+          <a:chOff x="0" y="0"/>
+          <a:chExt cx="0" cy="0"/>
+        </a:xfrm>
+      </p:grpSpPr>
+      <p:sp>
+        <p:nvSpPr>
+          <p:cNvPr id="2" name="Title 1"/>
+          <p:cNvSpPr>
+            <a:spLocks noGrp="1"/>
+          </p:cNvSpPr>
+          <p:nvPr>
+            <p:ph type="title"/>
+          </p:nvPr>
+        </p:nvSpPr>
+        <p:spPr/>
+        <p:txBody>
+          <a:bodyPr/>
+          <a:lstStyle/>
+          <a:p>
+            <a:r>
+              <a:rPr lang="en-US" altLang="zh-CN" b="1" dirty="0" smtClean="0"/>
+              <a:t>Use Case Boarding JagTran</a:t>
+            </a:r>
+            <a:endParaRPr lang="zh-CN" altLang="en-US" b="1" dirty="0"/>
+          </a:p>
+        </p:txBody>
+      </p:sp>
+      <p:sp>
+        <p:nvSpPr>
+          <p:cNvPr id="3" name="Content Placeholder 2"/>
+          <p:cNvSpPr>
+            <a:spLocks noGrp="1"/>
+          </p:cNvSpPr>
+          <p:nvPr>
+            <p:ph idx="1"/>
+          </p:nvPr>
+        </p:nvSpPr>
+        <p:spPr/>
+        <p:txBody>
+          <a:bodyPr/>
+          <a:lstStyle/>
+          <a:p>
+            <a:r>
+              <a:rPr lang="en-US" altLang="zh-CN" b="1" dirty="0" smtClean="0"/>
+              <a:t>Actor: </a:t>
+            </a:r>
+          </a:p>
+          <a:p>
+            <a:pPr lvl="1"/>
+            <a:r>
+              <a:rPr lang="en-US" altLang="zh-CN" dirty="0" smtClean="0"/>
+              <a:t>User (Passenger)</a:t>
+            </a:r>
+          </a:p>
+          <a:p>
+            <a:r>
+              <a:rPr lang="en-US" altLang="zh-CN" b="1" dirty="0" smtClean="0"/>
+              <a:t>Goals: </a:t>
+            </a:r>
+          </a:p>
+          <a:p>
+            <a:pPr lvl="1"/>
+            <a:r>
+              <a:rPr lang="en-US" altLang="zh-CN" dirty="0" smtClean="0"/>
+              <a:t>Knowing when the last bus left from a specific stop</a:t>
+            </a:r>
+          </a:p>
+          <a:p>
+            <a:pPr lvl="1"/>
+            <a:r>
+              <a:rPr lang="en-US" altLang="zh-CN" dirty="0" smtClean="0"/>
+              <a:t>Knowing when the next bus will arrive at a specific stop</a:t>
+            </a:r>
+            <a:endParaRPr lang="zh-CN" altLang="en-US" dirty="0"/>
+          </a:p>
+        </p:txBody>
+      </p:sp>
+    </p:spTree>
+  </p:cSld>
+  <p:clrMapOvr>
+    <a:masterClrMapping/>
+  </p:clrMapOvr>
+</p:sld>
+</file>
+
+<file path=ppt/slides/slide5.xml><?xml version="1.0" encoding="utf-8"?>
+<p:sld xmlns:a="http://schemas.openxmlformats.org/drawingml/2006/main" xmlns:r="http://schemas.openxmlformats.org/officeDocument/2006/relationships" xmlns:p="http://schemas.openxmlformats.org/presentationml/2006/main">
+  <p:cSld>
+    <p:spTree>
+      <p:nvGrpSpPr>
+        <p:cNvPr id="1" name=""/>
+        <p:cNvGrpSpPr/>
+        <p:nvPr/>
+      </p:nvGrpSpPr>
+      <p:grpSpPr>
+        <a:xfrm>
+          <a:off x="0" y="0"/>
+          <a:ext cx="0" cy="0"/>
+          <a:chOff x="0" y="0"/>
+          <a:chExt cx="0" cy="0"/>
+        </a:xfrm>
+      </p:grpSpPr>
+      <p:sp>
+        <p:nvSpPr>
+          <p:cNvPr id="3" name="Content Placeholder 2"/>
+          <p:cNvSpPr>
+            <a:spLocks noGrp="1"/>
+          </p:cNvSpPr>
+          <p:nvPr>
+            <p:ph idx="1"/>
+          </p:nvPr>
+        </p:nvSpPr>
+        <p:spPr>
+          <a:xfrm>
+            <a:off x="467544" y="548680"/>
+            <a:ext cx="8229600" cy="792088"/>
+          </a:xfrm>
+        </p:spPr>
+        <p:txBody>
+          <a:bodyPr>
+            <a:noAutofit/>
+          </a:bodyPr>
+          <a:lstStyle/>
+          <a:p>
+            <a:r>
+              <a:rPr lang="en-US" altLang="zh-CN" b="1" dirty="0" smtClean="0"/>
+              <a:t>Diagram</a:t>
+            </a:r>
+          </a:p>
+          <a:p>
+            <a:pPr>
+              <a:buNone/>
+            </a:pPr>
+            <a:r>
+              <a:rPr lang="en-US" altLang="zh-CN" dirty="0"/>
+              <a:t>	</a:t>
+            </a:r>
+            <a:endParaRPr lang="en-US" altLang="zh-CN" dirty="0" smtClean="0"/>
+          </a:p>
+          <a:p>
+            <a:pPr>
+              <a:buNone/>
+            </a:pPr>
+            <a:r>
+              <a:rPr lang="en-US" altLang="zh-CN" dirty="0"/>
+              <a:t>	</a:t>
+            </a:r>
+            <a:endParaRPr lang="zh-CN" altLang="en-US" dirty="0"/>
+          </a:p>
+        </p:txBody>
+      </p:sp>
+      <p:pic>
+        <p:nvPicPr>
+          <p:cNvPr id="1028" name="Picture 4"/>
+          <p:cNvPicPr>
+            <a:picLocks noChangeAspect="1" noChangeArrowheads="1"/>
+          </p:cNvPicPr>
+          <p:nvPr/>
+        </p:nvPicPr>
+        <p:blipFill>
+          <a:blip r:embed="rId2" cstate="print"/>
+          <a:srcRect/>
+          <a:stretch>
+            <a:fillRect/>
+          </a:stretch>
+        </p:blipFill>
+        <p:spPr bwMode="auto">
+          <a:xfrm>
+            <a:off x="467544" y="1268760"/>
+            <a:ext cx="8410326" cy="4465325"/>
+          </a:xfrm>
+          <a:prstGeom prst="rect">
+            <a:avLst/>
+          </a:prstGeom>
+          <a:noFill/>
+          <a:ln w="9525">
+            <a:noFill/>
+            <a:miter lim="800000"/>
+            <a:headEnd/>
+            <a:tailEnd/>
+          </a:ln>
+        </p:spPr>
+      </p:pic>
+    </p:spTree>
+  </p:cSld>
+  <p:clrMapOvr>
+    <a:masterClrMapping/>
+  </p:clrMapOvr>
+</p:sld>
+</file>
+
+<file path=ppt/slides/slide6.xml><?xml version="1.0" encoding="utf-8"?>
+<p:sld xmlns:a="http://schemas.openxmlformats.org/drawingml/2006/main" xmlns:r="http://schemas.openxmlformats.org/officeDocument/2006/relationships" xmlns:p="http://schemas.openxmlformats.org/presentationml/2006/main">
+  <p:cSld>
+    <p:spTree>
+      <p:nvGrpSpPr>
+        <p:cNvPr id="1" name=""/>
+        <p:cNvGrpSpPr/>
+        <p:nvPr/>
+      </p:nvGrpSpPr>
+      <p:grpSpPr>
+        <a:xfrm>
+          <a:off x="0" y="0"/>
+          <a:ext cx="0" cy="0"/>
+          <a:chOff x="0" y="0"/>
+          <a:chExt cx="0" cy="0"/>
+        </a:xfrm>
+      </p:grpSpPr>
+      <p:pic>
+        <p:nvPicPr>
+          <p:cNvPr id="2053" name="Picture 5"/>
+          <p:cNvPicPr>
+            <a:picLocks noChangeAspect="1" noChangeArrowheads="1"/>
+          </p:cNvPicPr>
+          <p:nvPr/>
+        </p:nvPicPr>
+        <p:blipFill>
+          <a:blip r:embed="rId2" cstate="print"/>
+          <a:srcRect/>
+          <a:stretch>
+            <a:fillRect/>
+          </a:stretch>
+        </p:blipFill>
+        <p:spPr bwMode="auto">
+          <a:xfrm>
+            <a:off x="909638" y="566738"/>
+            <a:ext cx="7324725" cy="5724525"/>
+          </a:xfrm>
+          <a:prstGeom prst="rect">
+            <a:avLst/>
+          </a:prstGeom>
+          <a:noFill/>
+          <a:ln w="9525">
+            <a:noFill/>
+            <a:miter lim="800000"/>
+            <a:headEnd/>
+            <a:tailEnd/>
+          </a:ln>
+        </p:spPr>
+      </p:pic>
+    </p:spTree>
+  </p:cSld>
+  <p:clrMapOvr>
+    <a:masterClrMapping/>
+  </p:clrMapOvr>
+</p:sld>
+</file>
+
+<file path=ppt/slides/slide7.xml><?xml version="1.0" encoding="utf-8"?>
+<p:sld xmlns:a="http://schemas.openxmlformats.org/drawingml/2006/main" xmlns:r="http://schemas.openxmlformats.org/officeDocument/2006/relationships" xmlns:p="http://schemas.openxmlformats.org/presentationml/2006/main">
+  <p:cSld>
+    <p:spTree>
+      <p:nvGrpSpPr>
+        <p:cNvPr id="1" name=""/>
+        <p:cNvGrpSpPr/>
+        <p:nvPr/>
+      </p:nvGrpSpPr>
+      <p:grpSpPr>
+        <a:xfrm>
+          <a:off x="0" y="0"/>
+          <a:ext cx="0" cy="0"/>
+          <a:chOff x="0" y="0"/>
+          <a:chExt cx="0" cy="0"/>
+        </a:xfrm>
+      </p:grpSpPr>
+      <p:sp>
+        <p:nvSpPr>
+          <p:cNvPr id="2" name="Title 1"/>
+          <p:cNvSpPr>
+            <a:spLocks noGrp="1"/>
+          </p:cNvSpPr>
+          <p:nvPr>
+            <p:ph type="title"/>
+          </p:nvPr>
+        </p:nvSpPr>
+        <p:spPr/>
+        <p:txBody>
+          <a:bodyPr/>
+          <a:lstStyle/>
+          <a:p>
+            <a:r>
+              <a:rPr lang="en-US" altLang="zh-CN" b="1" dirty="0" smtClean="0"/>
+              <a:t>Nonfunctional Requirements</a:t>
+            </a:r>
+            <a:endParaRPr lang="zh-CN" altLang="en-US" b="1" dirty="0"/>
+          </a:p>
+        </p:txBody>
+      </p:sp>
+      <p:sp>
+        <p:nvSpPr>
+          <p:cNvPr id="3" name="Content Placeholder 2"/>
+          <p:cNvSpPr>
+            <a:spLocks noGrp="1"/>
+          </p:cNvSpPr>
+          <p:nvPr>
+            <p:ph idx="1"/>
+          </p:nvPr>
+        </p:nvSpPr>
+        <p:spPr/>
+        <p:txBody>
+          <a:bodyPr>
+            <a:normAutofit/>
+          </a:bodyPr>
+          <a:lstStyle/>
+          <a:p>
+            <a:r>
+              <a:rPr lang="en-US" altLang="zh-CN" b="1" dirty="0" smtClean="0"/>
+              <a:t>Usability</a:t>
+            </a:r>
+          </a:p>
+          <a:p>
+            <a:pPr lvl="1"/>
+            <a:r>
+              <a:rPr lang="en-US" altLang="zh-CN" b="1" dirty="0" smtClean="0"/>
+              <a:t>Android Compliance</a:t>
+            </a:r>
+          </a:p>
+          <a:p>
+            <a:pPr lvl="1">
+              <a:buNone/>
+            </a:pPr>
+            <a:r>
+              <a:rPr lang="en-US" altLang="zh-CN" dirty="0"/>
+              <a:t>	</a:t>
+            </a:r>
+            <a:r>
+              <a:rPr lang="en-US" altLang="zh-CN" sz="2400" dirty="0" smtClean="0"/>
+              <a:t>The user interface shall be Android compliant</a:t>
+            </a:r>
+            <a:r>
+              <a:rPr lang="en-US" altLang="zh-CN" dirty="0" smtClean="0"/>
+              <a:t>.</a:t>
+            </a:r>
+          </a:p>
+          <a:p>
+            <a:pPr lvl="1"/>
+            <a:r>
+              <a:rPr lang="en-US" altLang="zh-CN" b="1" dirty="0" smtClean="0"/>
+              <a:t>Design for ease-of-use</a:t>
+            </a:r>
+          </a:p>
+          <a:p>
+            <a:pPr lvl="1">
+              <a:buNone/>
+            </a:pPr>
+            <a:r>
+              <a:rPr lang="en-US" altLang="zh-CN" dirty="0"/>
+              <a:t>	</a:t>
+            </a:r>
+            <a:r>
+              <a:rPr lang="en-US" altLang="zh-CN" sz="2400" dirty="0"/>
+              <a:t>The user interface of the JagTrack System shall be designed for ease-of-use and shall be appropriate for a </a:t>
+            </a:r>
+            <a:r>
+              <a:rPr lang="en-US" altLang="zh-CN" sz="2400" dirty="0" err="1" smtClean="0"/>
+              <a:t>smartphone</a:t>
+            </a:r>
+            <a:r>
+              <a:rPr lang="en-US" altLang="zh-CN" sz="2400" dirty="0" smtClean="0"/>
+              <a:t>-enabled </a:t>
+            </a:r>
+            <a:r>
+              <a:rPr lang="en-US" altLang="zh-CN" sz="2400" dirty="0"/>
+              <a:t>user community with no additional training on the </a:t>
+            </a:r>
+            <a:r>
+              <a:rPr lang="en-US" altLang="zh-CN" sz="2400" dirty="0" smtClean="0"/>
+              <a:t>System.</a:t>
+            </a:r>
+          </a:p>
+          <a:p>
+            <a:pPr>
+              <a:buNone/>
+            </a:pPr>
+            <a:endParaRPr lang="en-US" altLang="zh-CN" dirty="0" smtClean="0"/>
+          </a:p>
+          <a:p>
+            <a:pPr lvl="1">
+              <a:buNone/>
+            </a:pPr>
+            <a:endParaRPr lang="en-US" altLang="zh-CN" dirty="0"/>
+          </a:p>
+          <a:p>
+            <a:pPr lvl="1">
+              <a:buNone/>
+            </a:pPr>
+            <a:endParaRPr lang="en-US" altLang="zh-CN" dirty="0"/>
+          </a:p>
+        </p:txBody>
+      </p:sp>
+    </p:spTree>
+  </p:cSld>
+  <p:clrMapOvr>
+    <a:masterClrMapping/>
+  </p:clrMapOvr>
+</p:sld>
+</file>
+
+<file path=ppt/slides/slide8.xml><?xml version="1.0" encoding="utf-8"?>
+<p:sld xmlns:a="http://schemas.openxmlformats.org/drawingml/2006/main" xmlns:r="http://schemas.openxmlformats.org/officeDocument/2006/relationships" xmlns:p="http://schemas.openxmlformats.org/presentationml/2006/main">
+  <p:cSld>
+    <p:spTree>
+      <p:nvGrpSpPr>
+        <p:cNvPr id="1" name=""/>
+        <p:cNvGrpSpPr/>
+        <p:nvPr/>
+      </p:nvGrpSpPr>
+      <p:grpSpPr>
+        <a:xfrm>
+          <a:off x="0" y="0"/>
+          <a:ext cx="0" cy="0"/>
+          <a:chOff x="0" y="0"/>
+          <a:chExt cx="0" cy="0"/>
+        </a:xfrm>
+      </p:grpSpPr>
+      <p:sp>
+        <p:nvSpPr>
+          <p:cNvPr id="3" name="Content Placeholder 2"/>
+          <p:cNvSpPr>
+            <a:spLocks noGrp="1"/>
+          </p:cNvSpPr>
+          <p:nvPr>
+            <p:ph idx="1"/>
+          </p:nvPr>
+        </p:nvSpPr>
+        <p:spPr>
+          <a:xfrm>
+            <a:off x="457200" y="548680"/>
+            <a:ext cx="8229600" cy="5577483"/>
+          </a:xfrm>
+        </p:spPr>
+        <p:txBody>
+          <a:bodyPr>
+            <a:normAutofit fontScale="92500" lnSpcReduction="20000"/>
+          </a:bodyPr>
+          <a:lstStyle/>
+          <a:p>
+            <a:r>
+              <a:rPr lang="en-US" altLang="zh-CN" b="1" dirty="0" smtClean="0"/>
+              <a:t>Reliability</a:t>
+            </a:r>
+          </a:p>
+          <a:p>
+            <a:pPr lvl="1"/>
+            <a:r>
+              <a:rPr lang="en-US" altLang="zh-CN" b="1" dirty="0" smtClean="0"/>
+              <a:t>Availability</a:t>
+            </a:r>
+          </a:p>
+          <a:p>
+            <a:pPr lvl="1">
+              <a:buNone/>
+            </a:pPr>
+            <a:r>
+              <a:rPr lang="en-US" altLang="zh-CN" dirty="0" smtClean="0"/>
+              <a:t>	</a:t>
+            </a:r>
+            <a:r>
+              <a:rPr lang="en-US" altLang="zh-CN" sz="2600" dirty="0" smtClean="0"/>
+              <a:t>The availability requirements will be defined in the next iteration.</a:t>
+            </a:r>
+          </a:p>
+          <a:p>
+            <a:pPr lvl="1"/>
+            <a:r>
+              <a:rPr lang="en-US" altLang="zh-CN" b="1" dirty="0" smtClean="0"/>
+              <a:t>Mean time between failures</a:t>
+            </a:r>
+          </a:p>
+          <a:p>
+            <a:pPr lvl="1">
+              <a:buNone/>
+            </a:pPr>
+            <a:r>
+              <a:rPr lang="en-US" altLang="zh-CN" dirty="0"/>
+              <a:t>	</a:t>
+            </a:r>
+            <a:r>
+              <a:rPr lang="en-US" altLang="zh-CN" sz="2600" dirty="0" smtClean="0"/>
+              <a:t>The </a:t>
+            </a:r>
+            <a:r>
+              <a:rPr lang="en-US" altLang="zh-CN" sz="2600" dirty="0"/>
+              <a:t>MTBF requirements will be defined in the next iteration.</a:t>
+            </a:r>
+            <a:endParaRPr lang="en-US" altLang="zh-CN" sz="2600" dirty="0" smtClean="0"/>
+          </a:p>
+          <a:p>
+            <a:r>
+              <a:rPr lang="en-US" altLang="zh-CN" b="1" dirty="0" smtClean="0"/>
+              <a:t>Performance</a:t>
+            </a:r>
+          </a:p>
+          <a:p>
+            <a:pPr lvl="1"/>
+            <a:r>
+              <a:rPr lang="en-US" altLang="zh-CN" b="1" dirty="0" smtClean="0"/>
+              <a:t>Database access response time</a:t>
+            </a:r>
+          </a:p>
+          <a:p>
+            <a:pPr lvl="1">
+              <a:buNone/>
+            </a:pPr>
+            <a:r>
+              <a:rPr lang="en-US" altLang="zh-CN" dirty="0"/>
+              <a:t>	</a:t>
+            </a:r>
+            <a:r>
+              <a:rPr lang="en-US" altLang="zh-CN" sz="2600" dirty="0" smtClean="0"/>
+              <a:t>The </a:t>
+            </a:r>
+            <a:r>
+              <a:rPr lang="en-US" altLang="zh-CN" sz="2600" dirty="0"/>
+              <a:t>system shall provide access to the legacy course catalog database with no more than a 10 second latency.</a:t>
+            </a:r>
+            <a:endParaRPr lang="en-US" altLang="zh-CN" sz="2600" dirty="0" smtClean="0"/>
+          </a:p>
+          <a:p>
+            <a:pPr lvl="1"/>
+            <a:r>
+              <a:rPr lang="en-US" altLang="zh-CN" b="1" dirty="0" smtClean="0"/>
+              <a:t>Transaction response time</a:t>
+            </a:r>
+          </a:p>
+          <a:p>
+            <a:pPr lvl="1">
+              <a:buNone/>
+            </a:pPr>
+            <a:r>
+              <a:rPr lang="en-US" altLang="zh-CN" dirty="0" smtClean="0"/>
+              <a:t>	</a:t>
+            </a:r>
+            <a:r>
+              <a:rPr lang="en-US" altLang="zh-CN" sz="2600" dirty="0" smtClean="0"/>
+              <a:t>The </a:t>
+            </a:r>
+            <a:r>
+              <a:rPr lang="en-US" altLang="zh-CN" sz="2600" dirty="0"/>
+              <a:t>system must be able to complete 80% of all transactions within 30 seconds.</a:t>
+            </a:r>
+            <a:endParaRPr lang="en-US" altLang="zh-CN" sz="2600" dirty="0" smtClean="0"/>
+          </a:p>
+          <a:p>
+            <a:pPr>
+              <a:buNone/>
+            </a:pPr>
+            <a:endParaRPr lang="zh-CN" altLang="en-US" dirty="0"/>
+          </a:p>
+        </p:txBody>
+      </p:sp>
+    </p:spTree>
+  </p:cSld>
+  <p:clrMapOvr>
+    <a:masterClrMapping/>
+  </p:clrMapOvr>
+</p:sld>
+</file>
+
+<file path=ppt/slides/slide9.xml><?xml version="1.0" encoding="utf-8"?>
+<p:sld xmlns:a="http://schemas.openxmlformats.org/drawingml/2006/main" xmlns:r="http://schemas.openxmlformats.org/officeDocument/2006/relationships" xmlns:p="http://schemas.openxmlformats.org/presentationml/2006/main">
+  <p:cSld>
+    <p:spTree>
+      <p:nvGrpSpPr>
+        <p:cNvPr id="1" name=""/>
+        <p:cNvGrpSpPr/>
+        <p:nvPr/>
+      </p:nvGrpSpPr>
+      <p:grpSpPr>
+        <a:xfrm>
+          <a:off x="0" y="0"/>
+          <a:ext cx="0" cy="0"/>
+          <a:chOff x="0" y="0"/>
+          <a:chExt cx="0" cy="0"/>
+        </a:xfrm>
+      </p:grpSpPr>
+      <p:sp>
+        <p:nvSpPr>
+          <p:cNvPr id="2" name="Title 1"/>
+          <p:cNvSpPr>
+            <a:spLocks noGrp="1"/>
+          </p:cNvSpPr>
+          <p:nvPr>
+            <p:ph type="title"/>
+          </p:nvPr>
+        </p:nvSpPr>
+        <p:spPr/>
+        <p:txBody>
+          <a:bodyPr/>
+          <a:lstStyle/>
+          <a:p>
+            <a:r>
+              <a:rPr lang="en-US" dirty="0" smtClean="0"/>
+              <a:t>Risk List</a:t>
+            </a:r>
+            <a:endParaRPr lang="en-US" dirty="0"/>
+          </a:p>
+        </p:txBody>
+      </p:sp>
+      <p:sp>
+        <p:nvSpPr>
+          <p:cNvPr id="4" name="Content Placeholder 3"/>
+          <p:cNvSpPr>
+            <a:spLocks noGrp="1"/>
+          </p:cNvSpPr>
+          <p:nvPr>
+            <p:ph idx="1"/>
+          </p:nvPr>
+        </p:nvSpPr>
+        <p:spPr>
+          <a:xfrm>
+            <a:off x="457200" y="1371600"/>
+            <a:ext cx="8229600" cy="4525963"/>
+          </a:xfrm>
+        </p:spPr>
+        <p:txBody>
+          <a:bodyPr>
+            <a:noAutofit/>
+          </a:bodyPr>
+          <a:lstStyle/>
+          <a:p>
+            <a:r>
+              <a:rPr lang="en-US" sz="1900" dirty="0" smtClean="0"/>
+              <a:t>Technology</a:t>
+            </a:r>
+          </a:p>
+          <a:p>
+            <a:pPr lvl="1"/>
+            <a:r>
+              <a:rPr lang="en-US" sz="1900" dirty="0" smtClean="0"/>
+              <a:t>The Android hardware used for testing may fail at critical times during the project.</a:t>
+            </a:r>
+          </a:p>
+          <a:p>
+            <a:pPr lvl="1"/>
+            <a:r>
+              <a:rPr lang="en-US" sz="1900" dirty="0" smtClean="0"/>
+              <a:t>Mitigation Plan: Currently, we are making use of Android simulators to reduce the affect of this risk. </a:t>
+            </a:r>
+          </a:p>
+          <a:p>
+            <a:r>
+              <a:rPr lang="en-US" sz="1900" dirty="0" smtClean="0"/>
+              <a:t>People</a:t>
+            </a:r>
+          </a:p>
+          <a:p>
+            <a:pPr lvl="1"/>
+            <a:r>
+              <a:rPr lang="en-US" sz="1900" dirty="0" smtClean="0"/>
+              <a:t>The </a:t>
+            </a:r>
+            <a:r>
+              <a:rPr lang="en-US" sz="1900" dirty="0" smtClean="0"/>
+              <a:t>staff may not be familiar with the specific tools needed to design the Android application or other system components. </a:t>
+            </a:r>
+          </a:p>
+          <a:p>
+            <a:pPr lvl="1"/>
+            <a:r>
+              <a:rPr lang="en-US" sz="1900" dirty="0" smtClean="0"/>
+              <a:t>Mitigation Plan: Prototype development and working code development is being done by individuals with some experience with the technology</a:t>
+            </a:r>
+          </a:p>
+          <a:p>
+            <a:r>
+              <a:rPr lang="en-US" sz="1900" dirty="0" smtClean="0"/>
+              <a:t>Organizational</a:t>
+            </a:r>
+          </a:p>
+          <a:p>
+            <a:pPr lvl="1"/>
+            <a:r>
+              <a:rPr lang="en-US" sz="1900" dirty="0" smtClean="0"/>
+              <a:t>Group communication lacks as semester gets busier.</a:t>
+            </a:r>
+          </a:p>
+          <a:p>
+            <a:pPr lvl="1"/>
+            <a:r>
+              <a:rPr lang="en-US" sz="1900" dirty="0" smtClean="0"/>
+              <a:t>Mitigation Plan: Group is currently using </a:t>
+            </a:r>
+            <a:r>
+              <a:rPr lang="en-US" sz="1900" dirty="0" err="1" smtClean="0"/>
+              <a:t>G</a:t>
+            </a:r>
+            <a:r>
+              <a:rPr lang="en-US" sz="1900" dirty="0" err="1" smtClean="0"/>
+              <a:t>itHub</a:t>
+            </a:r>
+            <a:r>
+              <a:rPr lang="en-US" sz="1900" dirty="0" smtClean="0"/>
+              <a:t> </a:t>
+            </a:r>
+            <a:r>
+              <a:rPr lang="en-US" sz="1900" dirty="0" smtClean="0"/>
+              <a:t>and email to relay due date and goal.</a:t>
+            </a:r>
+          </a:p>
+        </p:txBody>
+      </p:sp>
+    </p:spTree>
+  </p:cSld>
+  <p:clrMapOvr>
+    <a:masterClrMapping/>
+  </p:clrMapOvr>
+  <p:timing>
+    <p:tnLst>
+      <p:par>
+        <p:cTn id="1" dur="indefinite" restart="never" nodeType="tmRoot"/>
+      </p:par>
+    </p:tnLst>
   </p:timing>
 </p:sld>
 </file>
